--- a/slide/ppt/Mapping-Out.pptx
+++ b/slide/ppt/Mapping-Out.pptx
@@ -8,7 +8,31 @@
     <p:sldId id="256" r:id="rId2"/>
     <p:sldId id="257" r:id="rId3"/>
     <p:sldId id="259" r:id="rId4"/>
-    <p:sldId id="258" r:id="rId5"/>
+    <p:sldId id="281" r:id="rId5"/>
+    <p:sldId id="271" r:id="rId6"/>
+    <p:sldId id="282" r:id="rId7"/>
+    <p:sldId id="284" r:id="rId8"/>
+    <p:sldId id="285" r:id="rId9"/>
+    <p:sldId id="283" r:id="rId10"/>
+    <p:sldId id="273" r:id="rId11"/>
+    <p:sldId id="264" r:id="rId12"/>
+    <p:sldId id="269" r:id="rId13"/>
+    <p:sldId id="270" r:id="rId14"/>
+    <p:sldId id="275" r:id="rId15"/>
+    <p:sldId id="280" r:id="rId16"/>
+    <p:sldId id="276" r:id="rId17"/>
+    <p:sldId id="277" r:id="rId18"/>
+    <p:sldId id="278" r:id="rId19"/>
+    <p:sldId id="279" r:id="rId20"/>
+    <p:sldId id="274" r:id="rId21"/>
+    <p:sldId id="272" r:id="rId22"/>
+    <p:sldId id="267" r:id="rId23"/>
+    <p:sldId id="265" r:id="rId24"/>
+    <p:sldId id="263" r:id="rId25"/>
+    <p:sldId id="260" r:id="rId26"/>
+    <p:sldId id="268" r:id="rId27"/>
+    <p:sldId id="261" r:id="rId28"/>
+    <p:sldId id="262" r:id="rId29"/>
   </p:sldIdLst>
   <p:sldSz cx="9144000" cy="6858000" type="screen4x3"/>
   <p:notesSz cx="6858000" cy="9144000"/>
@@ -310,7 +334,7 @@
             <a:fld id="{53074F12-AA26-4AC8-9962-C36BB8F32554}" type="datetimeFigureOut">
               <a:rPr lang="en-US" smtClean="0"/>
               <a:pPr/>
-              <a:t>30-Jun-16</a:t>
+              <a:t>7/5/2016</a:t>
             </a:fld>
             <a:endParaRPr lang="en-US"/>
           </a:p>
@@ -362,7 +386,7 @@
     </p:spTree>
     <p:extLst>
       <p:ext uri="{BB962C8B-B14F-4D97-AF65-F5344CB8AC3E}">
-        <p14:creationId xmlns:p14="http://schemas.microsoft.com/office/powerpoint/2010/main" xmlns="" val="3253875174"/>
+        <p14:creationId xmlns:p14="http://schemas.microsoft.com/office/powerpoint/2010/main" val="3253875174"/>
       </p:ext>
     </p:extLst>
   </p:cSld>
@@ -565,7 +589,7 @@
             <a:fld id="{53074F12-AA26-4AC8-9962-C36BB8F32554}" type="datetimeFigureOut">
               <a:rPr lang="en-US" smtClean="0"/>
               <a:pPr/>
-              <a:t>30-Jun-16</a:t>
+              <a:t>7/5/2016</a:t>
             </a:fld>
             <a:endParaRPr lang="en-US"/>
           </a:p>
@@ -617,7 +641,7 @@
     </p:spTree>
     <p:extLst>
       <p:ext uri="{BB962C8B-B14F-4D97-AF65-F5344CB8AC3E}">
-        <p14:creationId xmlns:p14="http://schemas.microsoft.com/office/powerpoint/2010/main" xmlns="" val="477607843"/>
+        <p14:creationId xmlns:p14="http://schemas.microsoft.com/office/powerpoint/2010/main" val="477607843"/>
       </p:ext>
     </p:extLst>
   </p:cSld>
@@ -737,7 +761,7 @@
             <a:fld id="{53074F12-AA26-4AC8-9962-C36BB8F32554}" type="datetimeFigureOut">
               <a:rPr lang="en-US" smtClean="0"/>
               <a:pPr/>
-              <a:t>30-Jun-16</a:t>
+              <a:t>7/5/2016</a:t>
             </a:fld>
             <a:endParaRPr lang="en-US"/>
           </a:p>
@@ -789,7 +813,7 @@
     </p:spTree>
     <p:extLst>
       <p:ext uri="{BB962C8B-B14F-4D97-AF65-F5344CB8AC3E}">
-        <p14:creationId xmlns:p14="http://schemas.microsoft.com/office/powerpoint/2010/main" xmlns="" val="3428665726"/>
+        <p14:creationId xmlns:p14="http://schemas.microsoft.com/office/powerpoint/2010/main" val="3428665726"/>
       </p:ext>
     </p:extLst>
   </p:cSld>
@@ -919,7 +943,7 @@
             <a:fld id="{53074F12-AA26-4AC8-9962-C36BB8F32554}" type="datetimeFigureOut">
               <a:rPr lang="en-US" smtClean="0"/>
               <a:pPr/>
-              <a:t>30-Jun-16</a:t>
+              <a:t>7/5/2016</a:t>
             </a:fld>
             <a:endParaRPr lang="en-US"/>
           </a:p>
@@ -971,7 +995,7 @@
     </p:spTree>
     <p:extLst>
       <p:ext uri="{BB962C8B-B14F-4D97-AF65-F5344CB8AC3E}">
-        <p14:creationId xmlns:p14="http://schemas.microsoft.com/office/powerpoint/2010/main" xmlns="" val="893609949"/>
+        <p14:creationId xmlns:p14="http://schemas.microsoft.com/office/powerpoint/2010/main" val="893609949"/>
       </p:ext>
     </p:extLst>
   </p:cSld>
@@ -1147,7 +1171,7 @@
             <a:fld id="{53074F12-AA26-4AC8-9962-C36BB8F32554}" type="datetimeFigureOut">
               <a:rPr lang="en-US" smtClean="0"/>
               <a:pPr/>
-              <a:t>30-Jun-16</a:t>
+              <a:t>7/5/2016</a:t>
             </a:fld>
             <a:endParaRPr lang="en-US"/>
           </a:p>
@@ -1199,7 +1223,7 @@
     </p:spTree>
     <p:extLst>
       <p:ext uri="{BB962C8B-B14F-4D97-AF65-F5344CB8AC3E}">
-        <p14:creationId xmlns:p14="http://schemas.microsoft.com/office/powerpoint/2010/main" xmlns="" val="1664471362"/>
+        <p14:creationId xmlns:p14="http://schemas.microsoft.com/office/powerpoint/2010/main" val="1664471362"/>
       </p:ext>
     </p:extLst>
   </p:cSld>
@@ -1375,7 +1399,7 @@
             <a:fld id="{53074F12-AA26-4AC8-9962-C36BB8F32554}" type="datetimeFigureOut">
               <a:rPr lang="en-US" smtClean="0"/>
               <a:pPr/>
-              <a:t>30-Jun-16</a:t>
+              <a:t>7/5/2016</a:t>
             </a:fld>
             <a:endParaRPr lang="en-US"/>
           </a:p>
@@ -1427,7 +1451,7 @@
     </p:spTree>
     <p:extLst>
       <p:ext uri="{BB962C8B-B14F-4D97-AF65-F5344CB8AC3E}">
-        <p14:creationId xmlns:p14="http://schemas.microsoft.com/office/powerpoint/2010/main" xmlns="" val="1629391393"/>
+        <p14:creationId xmlns:p14="http://schemas.microsoft.com/office/powerpoint/2010/main" val="1629391393"/>
       </p:ext>
     </p:extLst>
   </p:cSld>
@@ -1623,7 +1647,7 @@
             <a:fld id="{53074F12-AA26-4AC8-9962-C36BB8F32554}" type="datetimeFigureOut">
               <a:rPr lang="en-US" smtClean="0"/>
               <a:pPr/>
-              <a:t>30-Jun-16</a:t>
+              <a:t>7/5/2016</a:t>
             </a:fld>
             <a:endParaRPr lang="en-US"/>
           </a:p>
@@ -1675,7 +1699,7 @@
     </p:spTree>
     <p:extLst>
       <p:ext uri="{BB962C8B-B14F-4D97-AF65-F5344CB8AC3E}">
-        <p14:creationId xmlns:p14="http://schemas.microsoft.com/office/powerpoint/2010/main" xmlns="" val="3863441575"/>
+        <p14:creationId xmlns:p14="http://schemas.microsoft.com/office/powerpoint/2010/main" val="3863441575"/>
       </p:ext>
     </p:extLst>
   </p:cSld>
@@ -1918,7 +1942,7 @@
             <a:fld id="{53074F12-AA26-4AC8-9962-C36BB8F32554}" type="datetimeFigureOut">
               <a:rPr lang="en-US" smtClean="0"/>
               <a:pPr/>
-              <a:t>30-Jun-16</a:t>
+              <a:t>7/5/2016</a:t>
             </a:fld>
             <a:endParaRPr lang="en-US"/>
           </a:p>
@@ -1970,7 +1994,7 @@
     </p:spTree>
     <p:extLst>
       <p:ext uri="{BB962C8B-B14F-4D97-AF65-F5344CB8AC3E}">
-        <p14:creationId xmlns:p14="http://schemas.microsoft.com/office/powerpoint/2010/main" xmlns="" val="3556791830"/>
+        <p14:creationId xmlns:p14="http://schemas.microsoft.com/office/powerpoint/2010/main" val="3556791830"/>
       </p:ext>
     </p:extLst>
   </p:cSld>
@@ -2401,7 +2425,7 @@
             <a:fld id="{53074F12-AA26-4AC8-9962-C36BB8F32554}" type="datetimeFigureOut">
               <a:rPr lang="en-US" smtClean="0"/>
               <a:pPr/>
-              <a:t>30-Jun-16</a:t>
+              <a:t>7/5/2016</a:t>
             </a:fld>
             <a:endParaRPr lang="en-US"/>
           </a:p>
@@ -2453,7 +2477,7 @@
     </p:spTree>
     <p:extLst>
       <p:ext uri="{BB962C8B-B14F-4D97-AF65-F5344CB8AC3E}">
-        <p14:creationId xmlns:p14="http://schemas.microsoft.com/office/powerpoint/2010/main" xmlns="" val="4122911988"/>
+        <p14:creationId xmlns:p14="http://schemas.microsoft.com/office/powerpoint/2010/main" val="4122911988"/>
       </p:ext>
     </p:extLst>
   </p:cSld>
@@ -2521,7 +2545,7 @@
             <a:fld id="{53074F12-AA26-4AC8-9962-C36BB8F32554}" type="datetimeFigureOut">
               <a:rPr lang="en-US" smtClean="0"/>
               <a:pPr/>
-              <a:t>30-Jun-16</a:t>
+              <a:t>7/5/2016</a:t>
             </a:fld>
             <a:endParaRPr lang="en-US"/>
           </a:p>
@@ -2573,7 +2597,7 @@
     </p:spTree>
     <p:extLst>
       <p:ext uri="{BB962C8B-B14F-4D97-AF65-F5344CB8AC3E}">
-        <p14:creationId xmlns:p14="http://schemas.microsoft.com/office/powerpoint/2010/main" xmlns="" val="3029773110"/>
+        <p14:creationId xmlns:p14="http://schemas.microsoft.com/office/powerpoint/2010/main" val="3029773110"/>
       </p:ext>
     </p:extLst>
   </p:cSld>
@@ -2618,7 +2642,7 @@
             <a:fld id="{53074F12-AA26-4AC8-9962-C36BB8F32554}" type="datetimeFigureOut">
               <a:rPr lang="en-US" smtClean="0"/>
               <a:pPr/>
-              <a:t>30-Jun-16</a:t>
+              <a:t>7/5/2016</a:t>
             </a:fld>
             <a:endParaRPr lang="en-US"/>
           </a:p>
@@ -2670,7 +2694,7 @@
     </p:spTree>
     <p:extLst>
       <p:ext uri="{BB962C8B-B14F-4D97-AF65-F5344CB8AC3E}">
-        <p14:creationId xmlns:p14="http://schemas.microsoft.com/office/powerpoint/2010/main" xmlns="" val="4251864075"/>
+        <p14:creationId xmlns:p14="http://schemas.microsoft.com/office/powerpoint/2010/main" val="4251864075"/>
       </p:ext>
     </p:extLst>
   </p:cSld>
@@ -2897,7 +2921,7 @@
             <a:fld id="{53074F12-AA26-4AC8-9962-C36BB8F32554}" type="datetimeFigureOut">
               <a:rPr lang="en-US" smtClean="0"/>
               <a:pPr/>
-              <a:t>30-Jun-16</a:t>
+              <a:t>7/5/2016</a:t>
             </a:fld>
             <a:endParaRPr lang="en-US"/>
           </a:p>
@@ -2949,7 +2973,7 @@
     </p:spTree>
     <p:extLst>
       <p:ext uri="{BB962C8B-B14F-4D97-AF65-F5344CB8AC3E}">
-        <p14:creationId xmlns:p14="http://schemas.microsoft.com/office/powerpoint/2010/main" xmlns="" val="3174452648"/>
+        <p14:creationId xmlns:p14="http://schemas.microsoft.com/office/powerpoint/2010/main" val="3174452648"/>
       </p:ext>
     </p:extLst>
   </p:cSld>
@@ -3121,7 +3145,7 @@
             <a:fld id="{53074F12-AA26-4AC8-9962-C36BB8F32554}" type="datetimeFigureOut">
               <a:rPr lang="en-US" smtClean="0"/>
               <a:pPr/>
-              <a:t>30-Jun-16</a:t>
+              <a:t>7/5/2016</a:t>
             </a:fld>
             <a:endParaRPr lang="en-US"/>
           </a:p>
@@ -3209,7 +3233,7 @@
     </p:spTree>
     <p:extLst>
       <p:ext uri="{BB962C8B-B14F-4D97-AF65-F5344CB8AC3E}">
-        <p14:creationId xmlns:p14="http://schemas.microsoft.com/office/powerpoint/2010/main" xmlns="" val="1944039382"/>
+        <p14:creationId xmlns:p14="http://schemas.microsoft.com/office/powerpoint/2010/main" val="1944039382"/>
       </p:ext>
     </p:extLst>
   </p:cSld>
@@ -3531,14 +3555,18 @@
           <a:p>
             <a:r>
               <a:rPr lang="en-US" dirty="0" smtClean="0"/>
-              <a:t>Click to edit </a:t>
+              <a:t>Mapping Out</a:t>
+            </a:r>
+            <a:r>
+              <a:rPr lang="en-US" dirty="0" smtClean="0"/>
+              <a:t/>
             </a:r>
             <a:br>
               <a:rPr lang="en-US" dirty="0" smtClean="0"/>
             </a:br>
             <a:r>
               <a:rPr lang="en-US" dirty="0" smtClean="0"/>
-              <a:t>Master title style</a:t>
+              <a:t>(Project Mapping)</a:t>
             </a:r>
             <a:endParaRPr lang="en-US" dirty="0"/>
           </a:p>
@@ -3563,7 +3591,7 @@
           <a:p>
             <a:r>
               <a:rPr lang="en-US" dirty="0" smtClean="0"/>
-              <a:t>Click to edit Master subtitle style</a:t>
+              <a:t>Courtesy of The HYIP Project</a:t>
             </a:r>
             <a:endParaRPr lang="en-US" dirty="0"/>
           </a:p>
@@ -3572,7 +3600,7 @@
     </p:spTree>
     <p:extLst>
       <p:ext uri="{BB962C8B-B14F-4D97-AF65-F5344CB8AC3E}">
-        <p14:creationId xmlns:p14="http://schemas.microsoft.com/office/powerpoint/2010/main" xmlns="" val="363920370"/>
+        <p14:creationId xmlns:p14="http://schemas.microsoft.com/office/powerpoint/2010/main" val="363920370"/>
       </p:ext>
     </p:extLst>
   </p:cSld>
@@ -3582,9 +3610,23 @@
 </p:sld>
 </file>
 
-<file path=ppt/slides/slide2.xml><?xml version="1.0" encoding="utf-8"?>
+<file path=ppt/slides/slide10.xml><?xml version="1.0" encoding="utf-8"?>
 <p:sld xmlns:a="http://schemas.openxmlformats.org/drawingml/2006/main" xmlns:r="http://schemas.openxmlformats.org/officeDocument/2006/relationships" xmlns:p="http://schemas.openxmlformats.org/presentationml/2006/main">
   <p:cSld>
+    <p:bg>
+      <p:bgPr>
+        <a:blipFill dpi="0" rotWithShape="1">
+          <a:blip r:embed="rId2">
+            <a:lum/>
+          </a:blip>
+          <a:srcRect/>
+          <a:stretch>
+            <a:fillRect/>
+          </a:stretch>
+        </a:blipFill>
+        <a:effectLst/>
+      </p:bgPr>
+    </p:bg>
     <p:spTree>
       <p:nvGrpSpPr>
         <p:cNvPr id="1" name=""/>
@@ -3601,37 +3643,12 @@
       </p:grpSpPr>
       <p:sp>
         <p:nvSpPr>
-          <p:cNvPr id="2" name="Title 1"/>
+          <p:cNvPr id="4" name="Title 3"/>
           <p:cNvSpPr>
             <a:spLocks noGrp="1"/>
           </p:cNvSpPr>
           <p:nvPr>
             <p:ph type="title"/>
-          </p:nvPr>
-        </p:nvSpPr>
-        <p:spPr/>
-        <p:txBody>
-          <a:bodyPr>
-            <a:normAutofit fontScale="90000"/>
-          </a:bodyPr>
-          <a:lstStyle/>
-          <a:p>
-            <a:r>
-              <a:rPr lang="en-US" dirty="0" smtClean="0"/>
-              <a:t>Slide Title</a:t>
-            </a:r>
-            <a:endParaRPr lang="en-US" dirty="0"/>
-          </a:p>
-        </p:txBody>
-      </p:sp>
-      <p:sp>
-        <p:nvSpPr>
-          <p:cNvPr id="3" name="Content Placeholder 2"/>
-          <p:cNvSpPr>
-            <a:spLocks noGrp="1"/>
-          </p:cNvSpPr>
-          <p:nvPr>
-            <p:ph idx="1"/>
           </p:nvPr>
         </p:nvSpPr>
         <p:spPr/>
@@ -3639,47 +3656,3589 @@
           <a:bodyPr/>
           <a:lstStyle/>
           <a:p>
-            <a:r>
-              <a:rPr lang="en-US" smtClean="0"/>
-              <a:t>Make Effective Presentations</a:t>
-            </a:r>
-          </a:p>
-          <a:p>
-            <a:r>
-              <a:rPr lang="en-US" smtClean="0"/>
-              <a:t>Using Awesome Backgrounds</a:t>
-            </a:r>
-          </a:p>
-          <a:p>
-            <a:r>
-              <a:rPr lang="en-US" smtClean="0"/>
-              <a:t>Engage your Audience</a:t>
-            </a:r>
-          </a:p>
-          <a:p>
-            <a:r>
-              <a:rPr lang="en-US" smtClean="0"/>
-              <a:t>Capture Audience Attention</a:t>
-            </a:r>
-          </a:p>
-          <a:p>
-            <a:endParaRPr lang="en-US" smtClean="0"/>
-          </a:p>
-          <a:p>
-            <a:endParaRPr lang="en-US"/>
-          </a:p>
-        </p:txBody>
-      </p:sp>
+            <a:pPr algn="l"/>
+            <a:r>
+              <a:rPr lang="en-US" dirty="0" smtClean="0"/>
+              <a:t>Mapping Elements</a:t>
+            </a:r>
+            <a:endParaRPr lang="en-US" dirty="0"/>
+          </a:p>
+        </p:txBody>
+      </p:sp>
+      <p:pic>
+        <p:nvPicPr>
+          <p:cNvPr id="9218" name="Picture 2" descr="http://hyperphysics.phy-astr.gsu.edu/hbase/pertab/imgper/pertab.gif"/>
+          <p:cNvPicPr>
+            <a:picLocks noChangeAspect="1" noChangeArrowheads="1"/>
+          </p:cNvPicPr>
+          <p:nvPr/>
+        </p:nvPicPr>
+        <p:blipFill>
+          <a:blip r:embed="rId3">
+            <a:extLst>
+              <a:ext uri="{28A0092B-C50C-407E-A947-70E740481C1C}">
+                <a14:useLocalDpi xmlns:a14="http://schemas.microsoft.com/office/drawing/2010/main" val="0"/>
+              </a:ext>
+            </a:extLst>
+          </a:blip>
+          <a:srcRect/>
+          <a:stretch>
+            <a:fillRect/>
+          </a:stretch>
+        </p:blipFill>
+        <p:spPr bwMode="auto">
+          <a:xfrm>
+            <a:off x="1905000" y="1235122"/>
+            <a:ext cx="6374488" cy="4257959"/>
+          </a:xfrm>
+          <a:prstGeom prst="rect">
+            <a:avLst/>
+          </a:prstGeom>
+          <a:noFill/>
+          <a:extLst>
+            <a:ext uri="{909E8E84-426E-40DD-AFC4-6F175D3DCCD1}">
+              <a14:hiddenFill xmlns:a14="http://schemas.microsoft.com/office/drawing/2010/main">
+                <a:solidFill>
+                  <a:srgbClr val="FFFFFF"/>
+                </a:solidFill>
+              </a14:hiddenFill>
+            </a:ext>
+          </a:extLst>
+        </p:spPr>
+      </p:pic>
     </p:spTree>
     <p:extLst>
       <p:ext uri="{BB962C8B-B14F-4D97-AF65-F5344CB8AC3E}">
-        <p14:creationId xmlns:p14="http://schemas.microsoft.com/office/powerpoint/2010/main" xmlns="" val="4103309497"/>
+        <p14:creationId xmlns:p14="http://schemas.microsoft.com/office/powerpoint/2010/main" val="9420378"/>
       </p:ext>
     </p:extLst>
   </p:cSld>
   <p:clrMapOvr>
     <a:masterClrMapping/>
   </p:clrMapOvr>
+  <p:timing>
+    <p:tnLst>
+      <p:par>
+        <p:cTn id="1" dur="indefinite" restart="never" nodeType="tmRoot"/>
+      </p:par>
+    </p:tnLst>
+  </p:timing>
+</p:sld>
+</file>
+
+<file path=ppt/slides/slide11.xml><?xml version="1.0" encoding="utf-8"?>
+<p:sld xmlns:a="http://schemas.openxmlformats.org/drawingml/2006/main" xmlns:r="http://schemas.openxmlformats.org/officeDocument/2006/relationships" xmlns:p="http://schemas.openxmlformats.org/presentationml/2006/main">
+  <p:cSld>
+    <p:bg>
+      <p:bgPr>
+        <a:blipFill dpi="0" rotWithShape="1">
+          <a:blip r:embed="rId2">
+            <a:lum/>
+          </a:blip>
+          <a:srcRect/>
+          <a:stretch>
+            <a:fillRect/>
+          </a:stretch>
+        </a:blipFill>
+        <a:effectLst/>
+      </p:bgPr>
+    </p:bg>
+    <p:spTree>
+      <p:nvGrpSpPr>
+        <p:cNvPr id="1" name=""/>
+        <p:cNvGrpSpPr/>
+        <p:nvPr/>
+      </p:nvGrpSpPr>
+      <p:grpSpPr>
+        <a:xfrm>
+          <a:off x="0" y="0"/>
+          <a:ext cx="0" cy="0"/>
+          <a:chOff x="0" y="0"/>
+          <a:chExt cx="0" cy="0"/>
+        </a:xfrm>
+      </p:grpSpPr>
+      <p:pic>
+        <p:nvPicPr>
+          <p:cNvPr id="69" name="Picture 6" descr="http://www.chargedforlife.com/blog/wp-content/uploads/2011/07/5-fig22-300x292.jpg"/>
+          <p:cNvPicPr>
+            <a:picLocks noChangeAspect="1" noChangeArrowheads="1"/>
+          </p:cNvPicPr>
+          <p:nvPr/>
+        </p:nvPicPr>
+        <p:blipFill>
+          <a:blip r:embed="rId3">
+            <a:extLst>
+              <a:ext uri="{28A0092B-C50C-407E-A947-70E740481C1C}">
+                <a14:useLocalDpi xmlns:a14="http://schemas.microsoft.com/office/drawing/2010/main" val="0"/>
+              </a:ext>
+            </a:extLst>
+          </a:blip>
+          <a:srcRect/>
+          <a:stretch>
+            <a:fillRect/>
+          </a:stretch>
+        </p:blipFill>
+        <p:spPr bwMode="auto">
+          <a:xfrm>
+            <a:off x="1828800" y="3979963"/>
+            <a:ext cx="1447800" cy="1277837"/>
+          </a:xfrm>
+          <a:prstGeom prst="rect">
+            <a:avLst/>
+          </a:prstGeom>
+          <a:noFill/>
+          <a:extLst>
+            <a:ext uri="{909E8E84-426E-40DD-AFC4-6F175D3DCCD1}">
+              <a14:hiddenFill xmlns:a14="http://schemas.microsoft.com/office/drawing/2010/main">
+                <a:solidFill>
+                  <a:srgbClr val="FFFFFF"/>
+                </a:solidFill>
+              </a14:hiddenFill>
+            </a:ext>
+          </a:extLst>
+        </p:spPr>
+      </p:pic>
+      <p:pic>
+        <p:nvPicPr>
+          <p:cNvPr id="1032" name="Picture 8" descr="Image result for hexagonal"/>
+          <p:cNvPicPr>
+            <a:picLocks noChangeAspect="1" noChangeArrowheads="1"/>
+          </p:cNvPicPr>
+          <p:nvPr/>
+        </p:nvPicPr>
+        <p:blipFill>
+          <a:blip r:embed="rId4">
+            <a:extLst>
+              <a:ext uri="{28A0092B-C50C-407E-A947-70E740481C1C}">
+                <a14:useLocalDpi xmlns:a14="http://schemas.microsoft.com/office/drawing/2010/main" val="0"/>
+              </a:ext>
+            </a:extLst>
+          </a:blip>
+          <a:srcRect/>
+          <a:stretch>
+            <a:fillRect/>
+          </a:stretch>
+        </p:blipFill>
+        <p:spPr bwMode="auto">
+          <a:xfrm>
+            <a:off x="4216307" y="4040492"/>
+            <a:ext cx="1320985" cy="883823"/>
+          </a:xfrm>
+          <a:prstGeom prst="rect">
+            <a:avLst/>
+          </a:prstGeom>
+          <a:noFill/>
+          <a:extLst>
+            <a:ext uri="{909E8E84-426E-40DD-AFC4-6F175D3DCCD1}">
+              <a14:hiddenFill xmlns:a14="http://schemas.microsoft.com/office/drawing/2010/main">
+                <a:solidFill>
+                  <a:srgbClr val="FFFFFF"/>
+                </a:solidFill>
+              </a14:hiddenFill>
+            </a:ext>
+          </a:extLst>
+        </p:spPr>
+      </p:pic>
+      <p:cxnSp>
+        <p:nvCxnSpPr>
+          <p:cNvPr id="51" name="Straight Arrow Connector 50"/>
+          <p:cNvCxnSpPr>
+            <a:stCxn id="3" idx="1"/>
+          </p:cNvCxnSpPr>
+          <p:nvPr/>
+        </p:nvCxnSpPr>
+        <p:spPr>
+          <a:xfrm flipV="1">
+            <a:off x="1828800" y="2654810"/>
+            <a:ext cx="3200400" cy="48469"/>
+          </a:xfrm>
+          <a:prstGeom prst="straightConnector1">
+            <a:avLst/>
+          </a:prstGeom>
+          <a:ln w="95250">
+            <a:solidFill>
+              <a:srgbClr val="FFFF00"/>
+            </a:solidFill>
+            <a:tailEnd type="arrow"/>
+          </a:ln>
+        </p:spPr>
+        <p:style>
+          <a:lnRef idx="1">
+            <a:schemeClr val="accent1"/>
+          </a:lnRef>
+          <a:fillRef idx="0">
+            <a:schemeClr val="accent1"/>
+          </a:fillRef>
+          <a:effectRef idx="0">
+            <a:schemeClr val="accent1"/>
+          </a:effectRef>
+          <a:fontRef idx="minor">
+            <a:schemeClr val="tx1"/>
+          </a:fontRef>
+        </p:style>
+      </p:cxnSp>
+      <p:cxnSp>
+        <p:nvCxnSpPr>
+          <p:cNvPr id="42" name="Curved Connector 41"/>
+          <p:cNvCxnSpPr/>
+          <p:nvPr/>
+        </p:nvCxnSpPr>
+        <p:spPr>
+          <a:xfrm>
+            <a:off x="1905000" y="1790698"/>
+            <a:ext cx="3124200" cy="1638302"/>
+          </a:xfrm>
+          <a:prstGeom prst="curvedConnector3">
+            <a:avLst>
+              <a:gd name="adj1" fmla="val 33400"/>
+            </a:avLst>
+          </a:prstGeom>
+          <a:ln w="92075" cmpd="sng">
+            <a:solidFill>
+              <a:srgbClr val="FFFF00"/>
+            </a:solidFill>
+            <a:tailEnd type="arrow"/>
+          </a:ln>
+        </p:spPr>
+        <p:style>
+          <a:lnRef idx="1">
+            <a:schemeClr val="accent1"/>
+          </a:lnRef>
+          <a:fillRef idx="0">
+            <a:schemeClr val="accent1"/>
+          </a:fillRef>
+          <a:effectRef idx="0">
+            <a:schemeClr val="accent1"/>
+          </a:effectRef>
+          <a:fontRef idx="minor">
+            <a:schemeClr val="tx1"/>
+          </a:fontRef>
+        </p:style>
+      </p:cxnSp>
+      <p:cxnSp>
+        <p:nvCxnSpPr>
+          <p:cNvPr id="18" name="Curved Connector 17"/>
+          <p:cNvCxnSpPr/>
+          <p:nvPr/>
+        </p:nvCxnSpPr>
+        <p:spPr>
+          <a:xfrm flipV="1">
+            <a:off x="1905000" y="1905000"/>
+            <a:ext cx="3124200" cy="1905000"/>
+          </a:xfrm>
+          <a:prstGeom prst="curvedConnector3">
+            <a:avLst>
+              <a:gd name="adj1" fmla="val 32963"/>
+            </a:avLst>
+          </a:prstGeom>
+          <a:ln w="92075" cmpd="sng">
+            <a:solidFill>
+              <a:srgbClr val="FFFF00"/>
+            </a:solidFill>
+            <a:tailEnd type="arrow"/>
+          </a:ln>
+        </p:spPr>
+        <p:style>
+          <a:lnRef idx="1">
+            <a:schemeClr val="accent1"/>
+          </a:lnRef>
+          <a:fillRef idx="0">
+            <a:schemeClr val="accent1"/>
+          </a:fillRef>
+          <a:effectRef idx="0">
+            <a:schemeClr val="accent1"/>
+          </a:effectRef>
+          <a:fontRef idx="minor">
+            <a:schemeClr val="tx1"/>
+          </a:fontRef>
+        </p:style>
+      </p:cxnSp>
+      <p:sp>
+        <p:nvSpPr>
+          <p:cNvPr id="4" name="Title 3"/>
+          <p:cNvSpPr>
+            <a:spLocks noGrp="1"/>
+          </p:cNvSpPr>
+          <p:nvPr>
+            <p:ph type="title"/>
+          </p:nvPr>
+        </p:nvSpPr>
+        <p:spPr/>
+        <p:txBody>
+          <a:bodyPr/>
+          <a:lstStyle/>
+          <a:p>
+            <a:pPr algn="l"/>
+            <a:r>
+              <a:rPr lang="en-US" dirty="0" smtClean="0"/>
+              <a:t>Uniformity</a:t>
+            </a:r>
+            <a:endParaRPr lang="en-US" dirty="0"/>
+          </a:p>
+        </p:txBody>
+      </p:sp>
+      <p:pic>
+        <p:nvPicPr>
+          <p:cNvPr id="3" name="Content Placeholder 2"/>
+          <p:cNvPicPr>
+            <a:picLocks noGrp="1" noChangeAspect="1"/>
+          </p:cNvPicPr>
+          <p:nvPr>
+            <p:ph idx="1"/>
+          </p:nvPr>
+        </p:nvPicPr>
+        <p:blipFill>
+          <a:blip r:embed="rId5">
+            <a:extLst>
+              <a:ext uri="{28A0092B-C50C-407E-A947-70E740481C1C}">
+                <a14:useLocalDpi xmlns:a14="http://schemas.microsoft.com/office/drawing/2010/main" val="0"/>
+              </a:ext>
+            </a:extLst>
+          </a:blip>
+          <a:stretch>
+            <a:fillRect/>
+          </a:stretch>
+        </p:blipFill>
+        <p:spPr>
+          <a:xfrm>
+            <a:off x="1828800" y="1524000"/>
+            <a:ext cx="2742509" cy="2358558"/>
+          </a:xfrm>
+        </p:spPr>
+      </p:pic>
+      <p:sp>
+        <p:nvSpPr>
+          <p:cNvPr id="9" name="Content Placeholder 2"/>
+          <p:cNvSpPr txBox="1">
+            <a:spLocks/>
+          </p:cNvSpPr>
+          <p:nvPr/>
+        </p:nvSpPr>
+        <p:spPr>
+          <a:xfrm>
+            <a:off x="4876800" y="1600199"/>
+            <a:ext cx="3505200" cy="2209801"/>
+          </a:xfrm>
+          <a:prstGeom prst="rect">
+            <a:avLst/>
+          </a:prstGeom>
+        </p:spPr>
+        <p:txBody>
+          <a:bodyPr vert="horz" lIns="91440" tIns="45720" rIns="91440" bIns="45720" rtlCol="0">
+            <a:normAutofit/>
+          </a:bodyPr>
+          <a:lstStyle>
+            <a:lvl1pPr marL="342900" indent="-342900" algn="l" defTabSz="914400" rtl="0" eaLnBrk="1" latinLnBrk="0" hangingPunct="1">
+              <a:spcBef>
+                <a:spcPct val="20000"/>
+              </a:spcBef>
+              <a:buFont typeface="Arial" pitchFamily="34" charset="0"/>
+              <a:buChar char="•"/>
+              <a:defRPr sz="2800" kern="1200">
+                <a:solidFill>
+                  <a:schemeClr val="tx1"/>
+                </a:solidFill>
+                <a:latin typeface="+mn-lt"/>
+                <a:ea typeface="+mn-ea"/>
+                <a:cs typeface="+mn-cs"/>
+              </a:defRPr>
+            </a:lvl1pPr>
+            <a:lvl2pPr marL="742950" indent="-285750" algn="l" defTabSz="914400" rtl="0" eaLnBrk="1" latinLnBrk="0" hangingPunct="1">
+              <a:spcBef>
+                <a:spcPct val="20000"/>
+              </a:spcBef>
+              <a:buFont typeface="Arial" pitchFamily="34" charset="0"/>
+              <a:buChar char="–"/>
+              <a:defRPr sz="2800" kern="1200">
+                <a:solidFill>
+                  <a:schemeClr val="tx1"/>
+                </a:solidFill>
+                <a:latin typeface="+mn-lt"/>
+                <a:ea typeface="+mn-ea"/>
+                <a:cs typeface="+mn-cs"/>
+              </a:defRPr>
+            </a:lvl2pPr>
+            <a:lvl3pPr marL="1143000" indent="-228600" algn="l" defTabSz="914400" rtl="0" eaLnBrk="1" latinLnBrk="0" hangingPunct="1">
+              <a:spcBef>
+                <a:spcPct val="20000"/>
+              </a:spcBef>
+              <a:buFont typeface="Arial" pitchFamily="34" charset="0"/>
+              <a:buChar char="•"/>
+              <a:defRPr sz="2400" kern="1200">
+                <a:solidFill>
+                  <a:schemeClr val="tx1"/>
+                </a:solidFill>
+                <a:latin typeface="+mn-lt"/>
+                <a:ea typeface="+mn-ea"/>
+                <a:cs typeface="+mn-cs"/>
+              </a:defRPr>
+            </a:lvl3pPr>
+            <a:lvl4pPr marL="1600200" indent="-228600" algn="l" defTabSz="914400" rtl="0" eaLnBrk="1" latinLnBrk="0" hangingPunct="1">
+              <a:spcBef>
+                <a:spcPct val="20000"/>
+              </a:spcBef>
+              <a:buFont typeface="Arial" pitchFamily="34" charset="0"/>
+              <a:buChar char="–"/>
+              <a:defRPr sz="2000" kern="1200">
+                <a:solidFill>
+                  <a:schemeClr val="tx1"/>
+                </a:solidFill>
+                <a:latin typeface="+mn-lt"/>
+                <a:ea typeface="+mn-ea"/>
+                <a:cs typeface="+mn-cs"/>
+              </a:defRPr>
+            </a:lvl4pPr>
+            <a:lvl5pPr marL="2057400" indent="-228600" algn="l" defTabSz="914400" rtl="0" eaLnBrk="1" latinLnBrk="0" hangingPunct="1">
+              <a:spcBef>
+                <a:spcPct val="20000"/>
+              </a:spcBef>
+              <a:buFont typeface="Arial" pitchFamily="34" charset="0"/>
+              <a:buChar char="»"/>
+              <a:defRPr sz="2000" kern="1200">
+                <a:solidFill>
+                  <a:schemeClr val="tx1"/>
+                </a:solidFill>
+                <a:latin typeface="+mn-lt"/>
+                <a:ea typeface="+mn-ea"/>
+                <a:cs typeface="+mn-cs"/>
+              </a:defRPr>
+            </a:lvl5pPr>
+            <a:lvl6pPr marL="2514600" indent="-228600" algn="l" defTabSz="914400" rtl="0" eaLnBrk="1" latinLnBrk="0" hangingPunct="1">
+              <a:spcBef>
+                <a:spcPct val="20000"/>
+              </a:spcBef>
+              <a:buFont typeface="Arial" pitchFamily="34" charset="0"/>
+              <a:buChar char="•"/>
+              <a:defRPr sz="2000" kern="1200">
+                <a:solidFill>
+                  <a:schemeClr val="tx1"/>
+                </a:solidFill>
+                <a:latin typeface="+mn-lt"/>
+                <a:ea typeface="+mn-ea"/>
+                <a:cs typeface="+mn-cs"/>
+              </a:defRPr>
+            </a:lvl6pPr>
+            <a:lvl7pPr marL="2971800" indent="-228600" algn="l" defTabSz="914400" rtl="0" eaLnBrk="1" latinLnBrk="0" hangingPunct="1">
+              <a:spcBef>
+                <a:spcPct val="20000"/>
+              </a:spcBef>
+              <a:buFont typeface="Arial" pitchFamily="34" charset="0"/>
+              <a:buChar char="•"/>
+              <a:defRPr sz="2000" kern="1200">
+                <a:solidFill>
+                  <a:schemeClr val="tx1"/>
+                </a:solidFill>
+                <a:latin typeface="+mn-lt"/>
+                <a:ea typeface="+mn-ea"/>
+                <a:cs typeface="+mn-cs"/>
+              </a:defRPr>
+            </a:lvl7pPr>
+            <a:lvl8pPr marL="3429000" indent="-228600" algn="l" defTabSz="914400" rtl="0" eaLnBrk="1" latinLnBrk="0" hangingPunct="1">
+              <a:spcBef>
+                <a:spcPct val="20000"/>
+              </a:spcBef>
+              <a:buFont typeface="Arial" pitchFamily="34" charset="0"/>
+              <a:buChar char="•"/>
+              <a:defRPr sz="2000" kern="1200">
+                <a:solidFill>
+                  <a:schemeClr val="tx1"/>
+                </a:solidFill>
+                <a:latin typeface="+mn-lt"/>
+                <a:ea typeface="+mn-ea"/>
+                <a:cs typeface="+mn-cs"/>
+              </a:defRPr>
+            </a:lvl8pPr>
+            <a:lvl9pPr marL="3886200" indent="-228600" algn="l" defTabSz="914400" rtl="0" eaLnBrk="1" latinLnBrk="0" hangingPunct="1">
+              <a:spcBef>
+                <a:spcPct val="20000"/>
+              </a:spcBef>
+              <a:buFont typeface="Arial" pitchFamily="34" charset="0"/>
+              <a:buChar char="•"/>
+              <a:defRPr sz="2000" kern="1200">
+                <a:solidFill>
+                  <a:schemeClr val="tx1"/>
+                </a:solidFill>
+                <a:latin typeface="+mn-lt"/>
+                <a:ea typeface="+mn-ea"/>
+                <a:cs typeface="+mn-cs"/>
+              </a:defRPr>
+            </a:lvl9pPr>
+          </a:lstStyle>
+          <a:p>
+            <a:r>
+              <a:rPr lang="en-US" sz="4000" b="1" dirty="0" smtClean="0">
+                <a:solidFill>
+                  <a:schemeClr val="accent1">
+                    <a:lumMod val="75000"/>
+                  </a:schemeClr>
+                </a:solidFill>
+              </a:rPr>
+              <a:t>2 + 6 + 7 = 15</a:t>
+            </a:r>
+          </a:p>
+          <a:p>
+            <a:r>
+              <a:rPr lang="en-US" sz="4000" b="1" dirty="0">
+                <a:solidFill>
+                  <a:schemeClr val="accent1">
+                    <a:lumMod val="75000"/>
+                  </a:schemeClr>
+                </a:solidFill>
+              </a:rPr>
+              <a:t>2 + 4</a:t>
+            </a:r>
+            <a:r>
+              <a:rPr lang="en-US" sz="4000" b="1" dirty="0" smtClean="0">
+                <a:solidFill>
+                  <a:schemeClr val="accent1">
+                    <a:lumMod val="75000"/>
+                  </a:schemeClr>
+                </a:solidFill>
+              </a:rPr>
+              <a:t> </a:t>
+            </a:r>
+            <a:r>
+              <a:rPr lang="en-US" sz="4000" b="1" dirty="0">
+                <a:solidFill>
+                  <a:schemeClr val="accent1">
+                    <a:lumMod val="75000"/>
+                  </a:schemeClr>
+                </a:solidFill>
+              </a:rPr>
+              <a:t>+ </a:t>
+            </a:r>
+            <a:r>
+              <a:rPr lang="en-US" sz="4000" b="1" dirty="0" smtClean="0">
+                <a:solidFill>
+                  <a:schemeClr val="accent1">
+                    <a:lumMod val="75000"/>
+                  </a:schemeClr>
+                </a:solidFill>
+              </a:rPr>
+              <a:t>9 </a:t>
+            </a:r>
+            <a:r>
+              <a:rPr lang="en-US" sz="4000" b="1" dirty="0">
+                <a:solidFill>
+                  <a:schemeClr val="accent1">
+                    <a:lumMod val="75000"/>
+                  </a:schemeClr>
+                </a:solidFill>
+              </a:rPr>
+              <a:t>= 15</a:t>
+            </a:r>
+          </a:p>
+          <a:p>
+            <a:r>
+              <a:rPr lang="en-US" sz="4000" b="1" dirty="0">
+                <a:solidFill>
+                  <a:schemeClr val="accent1">
+                    <a:lumMod val="75000"/>
+                  </a:schemeClr>
+                </a:solidFill>
+              </a:rPr>
+              <a:t>2 + </a:t>
+            </a:r>
+            <a:r>
+              <a:rPr lang="en-US" sz="4000" b="1" dirty="0" smtClean="0">
+                <a:solidFill>
+                  <a:schemeClr val="accent1">
+                    <a:lumMod val="75000"/>
+                  </a:schemeClr>
+                </a:solidFill>
+              </a:rPr>
+              <a:t>5 </a:t>
+            </a:r>
+            <a:r>
+              <a:rPr lang="en-US" sz="4000" b="1" dirty="0">
+                <a:solidFill>
+                  <a:schemeClr val="accent1">
+                    <a:lumMod val="75000"/>
+                  </a:schemeClr>
+                </a:solidFill>
+              </a:rPr>
+              <a:t>+ </a:t>
+            </a:r>
+            <a:r>
+              <a:rPr lang="en-US" sz="4000" b="1" dirty="0" smtClean="0">
+                <a:solidFill>
+                  <a:schemeClr val="accent1">
+                    <a:lumMod val="75000"/>
+                  </a:schemeClr>
+                </a:solidFill>
+              </a:rPr>
+              <a:t>8 </a:t>
+            </a:r>
+            <a:r>
+              <a:rPr lang="en-US" sz="4000" b="1" dirty="0">
+                <a:solidFill>
+                  <a:schemeClr val="accent1">
+                    <a:lumMod val="75000"/>
+                  </a:schemeClr>
+                </a:solidFill>
+              </a:rPr>
+              <a:t>= 15</a:t>
+            </a:r>
+          </a:p>
+          <a:p>
+            <a:endParaRPr lang="en-US" dirty="0" smtClean="0"/>
+          </a:p>
+          <a:p>
+            <a:pPr marL="0" indent="0">
+              <a:buNone/>
+            </a:pPr>
+            <a:endParaRPr lang="en-US" dirty="0"/>
+          </a:p>
+        </p:txBody>
+      </p:sp>
+      <p:pic>
+        <p:nvPicPr>
+          <p:cNvPr id="1028" name="Picture 4" descr="C:\Documents and Settings\User\Local Settings\Temporary Internet Files\Content.IE5\3E4XWP0U\9NumberNineInCircle[1].png"/>
+          <p:cNvPicPr>
+            <a:picLocks noChangeAspect="1" noChangeArrowheads="1"/>
+          </p:cNvPicPr>
+          <p:nvPr/>
+        </p:nvPicPr>
+        <p:blipFill>
+          <a:blip r:embed="rId6" cstate="print">
+            <a:extLst>
+              <a:ext uri="{28A0092B-C50C-407E-A947-70E740481C1C}">
+                <a14:useLocalDpi xmlns:a14="http://schemas.microsoft.com/office/drawing/2010/main" val="0"/>
+              </a:ext>
+            </a:extLst>
+          </a:blip>
+          <a:srcRect/>
+          <a:stretch>
+            <a:fillRect/>
+          </a:stretch>
+        </p:blipFill>
+        <p:spPr bwMode="auto">
+          <a:xfrm>
+            <a:off x="3286836" y="3939276"/>
+            <a:ext cx="996528" cy="996528"/>
+          </a:xfrm>
+          <a:prstGeom prst="rect">
+            <a:avLst/>
+          </a:prstGeom>
+          <a:noFill/>
+          <a:extLst>
+            <a:ext uri="{909E8E84-426E-40DD-AFC4-6F175D3DCCD1}">
+              <a14:hiddenFill xmlns:a14="http://schemas.microsoft.com/office/drawing/2010/main">
+                <a:solidFill>
+                  <a:srgbClr val="FFFFFF"/>
+                </a:solidFill>
+              </a14:hiddenFill>
+            </a:ext>
+          </a:extLst>
+        </p:spPr>
+      </p:pic>
+      <p:pic>
+        <p:nvPicPr>
+          <p:cNvPr id="1029" name="Picture 5" descr="C:\Documents and Settings\User\Local Settings\Temporary Internet Files\Content.IE5\W2MSQ6XF\15NumberFifteenInCircle[1].png"/>
+          <p:cNvPicPr>
+            <a:picLocks noChangeAspect="1" noChangeArrowheads="1"/>
+          </p:cNvPicPr>
+          <p:nvPr/>
+        </p:nvPicPr>
+        <p:blipFill>
+          <a:blip r:embed="rId7" cstate="print">
+            <a:extLst>
+              <a:ext uri="{28A0092B-C50C-407E-A947-70E740481C1C}">
+                <a14:useLocalDpi xmlns:a14="http://schemas.microsoft.com/office/drawing/2010/main" val="0"/>
+              </a:ext>
+            </a:extLst>
+          </a:blip>
+          <a:srcRect/>
+          <a:stretch>
+            <a:fillRect/>
+          </a:stretch>
+        </p:blipFill>
+        <p:spPr bwMode="auto">
+          <a:xfrm>
+            <a:off x="5476623" y="3979963"/>
+            <a:ext cx="1059629" cy="955841"/>
+          </a:xfrm>
+          <a:prstGeom prst="rect">
+            <a:avLst/>
+          </a:prstGeom>
+          <a:noFill/>
+          <a:extLst>
+            <a:ext uri="{909E8E84-426E-40DD-AFC4-6F175D3DCCD1}">
+              <a14:hiddenFill xmlns:a14="http://schemas.microsoft.com/office/drawing/2010/main">
+                <a:solidFill>
+                  <a:srgbClr val="FFFFFF"/>
+                </a:solidFill>
+              </a14:hiddenFill>
+            </a:ext>
+          </a:extLst>
+        </p:spPr>
+      </p:pic>
+      <p:pic>
+        <p:nvPicPr>
+          <p:cNvPr id="1030" name="Picture 6" descr="C:\Documents and Settings\User\Local Settings\Temporary Internet Files\Content.IE5\W2MSQ6XF\24[1].png"/>
+          <p:cNvPicPr>
+            <a:picLocks noChangeAspect="1" noChangeArrowheads="1"/>
+          </p:cNvPicPr>
+          <p:nvPr/>
+        </p:nvPicPr>
+        <p:blipFill>
+          <a:blip r:embed="rId8" cstate="print">
+            <a:extLst>
+              <a:ext uri="{28A0092B-C50C-407E-A947-70E740481C1C}">
+                <a14:useLocalDpi xmlns:a14="http://schemas.microsoft.com/office/drawing/2010/main" val="0"/>
+              </a:ext>
+            </a:extLst>
+          </a:blip>
+          <a:srcRect/>
+          <a:stretch>
+            <a:fillRect/>
+          </a:stretch>
+        </p:blipFill>
+        <p:spPr bwMode="auto">
+          <a:xfrm>
+            <a:off x="6536252" y="4015973"/>
+            <a:ext cx="1611878" cy="1381125"/>
+          </a:xfrm>
+          <a:prstGeom prst="rect">
+            <a:avLst/>
+          </a:prstGeom>
+          <a:noFill/>
+          <a:extLst>
+            <a:ext uri="{909E8E84-426E-40DD-AFC4-6F175D3DCCD1}">
+              <a14:hiddenFill xmlns:a14="http://schemas.microsoft.com/office/drawing/2010/main">
+                <a:solidFill>
+                  <a:srgbClr val="FFFFFF"/>
+                </a:solidFill>
+              </a14:hiddenFill>
+            </a:ext>
+          </a:extLst>
+        </p:spPr>
+      </p:pic>
+      <p:sp>
+        <p:nvSpPr>
+          <p:cNvPr id="55" name="Round Diagonal Corner Rectangle 54"/>
+          <p:cNvSpPr/>
+          <p:nvPr/>
+        </p:nvSpPr>
+        <p:spPr>
+          <a:xfrm>
+            <a:off x="1828800" y="1447800"/>
+            <a:ext cx="2667000" cy="2414020"/>
+          </a:xfrm>
+          <a:prstGeom prst="round2DiagRect">
+            <a:avLst/>
+          </a:prstGeom>
+          <a:solidFill>
+            <a:schemeClr val="accent1">
+              <a:alpha val="35000"/>
+            </a:schemeClr>
+          </a:solidFill>
+        </p:spPr>
+        <p:style>
+          <a:lnRef idx="2">
+            <a:schemeClr val="accent1">
+              <a:shade val="50000"/>
+            </a:schemeClr>
+          </a:lnRef>
+          <a:fillRef idx="1">
+            <a:schemeClr val="accent1"/>
+          </a:fillRef>
+          <a:effectRef idx="0">
+            <a:schemeClr val="accent1"/>
+          </a:effectRef>
+          <a:fontRef idx="minor">
+            <a:schemeClr val="lt1"/>
+          </a:fontRef>
+        </p:style>
+        <p:txBody>
+          <a:bodyPr rtlCol="0" anchor="ctr"/>
+          <a:lstStyle/>
+          <a:p>
+            <a:pPr algn="ctr"/>
+            <a:endParaRPr lang="en-US"/>
+          </a:p>
+        </p:txBody>
+      </p:sp>
+      <p:sp>
+        <p:nvSpPr>
+          <p:cNvPr id="61" name="Round Diagonal Corner Rectangle 60"/>
+          <p:cNvSpPr/>
+          <p:nvPr/>
+        </p:nvSpPr>
+        <p:spPr>
+          <a:xfrm>
+            <a:off x="5113930" y="1498090"/>
+            <a:ext cx="3048000" cy="2414020"/>
+          </a:xfrm>
+          <a:prstGeom prst="round2DiagRect">
+            <a:avLst/>
+          </a:prstGeom>
+          <a:solidFill>
+            <a:schemeClr val="accent1">
+              <a:alpha val="35000"/>
+            </a:schemeClr>
+          </a:solidFill>
+        </p:spPr>
+        <p:style>
+          <a:lnRef idx="2">
+            <a:schemeClr val="accent1">
+              <a:shade val="50000"/>
+            </a:schemeClr>
+          </a:lnRef>
+          <a:fillRef idx="1">
+            <a:schemeClr val="accent1"/>
+          </a:fillRef>
+          <a:effectRef idx="0">
+            <a:schemeClr val="accent1"/>
+          </a:effectRef>
+          <a:fontRef idx="minor">
+            <a:schemeClr val="lt1"/>
+          </a:fontRef>
+        </p:style>
+        <p:txBody>
+          <a:bodyPr rtlCol="0" anchor="ctr"/>
+          <a:lstStyle/>
+          <a:p>
+            <a:pPr algn="ctr"/>
+            <a:endParaRPr lang="en-US"/>
+          </a:p>
+        </p:txBody>
+      </p:sp>
+    </p:spTree>
+    <p:extLst>
+      <p:ext uri="{BB962C8B-B14F-4D97-AF65-F5344CB8AC3E}">
+        <p14:creationId xmlns:p14="http://schemas.microsoft.com/office/powerpoint/2010/main" val="3521921076"/>
+      </p:ext>
+    </p:extLst>
+  </p:cSld>
+  <p:clrMapOvr>
+    <a:masterClrMapping/>
+  </p:clrMapOvr>
+  <p:timing>
+    <p:tnLst>
+      <p:par>
+        <p:cTn id="1" dur="indefinite" restart="never" nodeType="tmRoot"/>
+      </p:par>
+    </p:tnLst>
+  </p:timing>
+</p:sld>
+</file>
+
+<file path=ppt/slides/slide12.xml><?xml version="1.0" encoding="utf-8"?>
+<p:sld xmlns:a="http://schemas.openxmlformats.org/drawingml/2006/main" xmlns:r="http://schemas.openxmlformats.org/officeDocument/2006/relationships" xmlns:p="http://schemas.openxmlformats.org/presentationml/2006/main">
+  <p:cSld>
+    <p:bg>
+      <p:bgPr>
+        <a:blipFill dpi="0" rotWithShape="1">
+          <a:blip r:embed="rId2">
+            <a:lum/>
+          </a:blip>
+          <a:srcRect/>
+          <a:stretch>
+            <a:fillRect/>
+          </a:stretch>
+        </a:blipFill>
+        <a:effectLst/>
+      </p:bgPr>
+    </p:bg>
+    <p:spTree>
+      <p:nvGrpSpPr>
+        <p:cNvPr id="1" name=""/>
+        <p:cNvGrpSpPr/>
+        <p:nvPr/>
+      </p:nvGrpSpPr>
+      <p:grpSpPr>
+        <a:xfrm>
+          <a:off x="0" y="0"/>
+          <a:ext cx="0" cy="0"/>
+          <a:chOff x="0" y="0"/>
+          <a:chExt cx="0" cy="0"/>
+        </a:xfrm>
+      </p:grpSpPr>
+      <p:sp>
+        <p:nvSpPr>
+          <p:cNvPr id="4" name="Title 3"/>
+          <p:cNvSpPr>
+            <a:spLocks noGrp="1"/>
+          </p:cNvSpPr>
+          <p:nvPr>
+            <p:ph type="title"/>
+          </p:nvPr>
+        </p:nvSpPr>
+        <p:spPr/>
+        <p:txBody>
+          <a:bodyPr/>
+          <a:lstStyle/>
+          <a:p>
+            <a:pPr algn="l"/>
+            <a:r>
+              <a:rPr lang="en-US" dirty="0" smtClean="0"/>
+              <a:t>Site Mapping</a:t>
+            </a:r>
+            <a:endParaRPr lang="en-US" dirty="0"/>
+          </a:p>
+        </p:txBody>
+      </p:sp>
+      <p:sp>
+        <p:nvSpPr>
+          <p:cNvPr id="8" name="Title 3"/>
+          <p:cNvSpPr txBox="1">
+            <a:spLocks/>
+          </p:cNvSpPr>
+          <p:nvPr/>
+        </p:nvSpPr>
+        <p:spPr>
+          <a:xfrm>
+            <a:off x="1828800" y="5562600"/>
+            <a:ext cx="6871723" cy="763525"/>
+          </a:xfrm>
+          <a:prstGeom prst="rect">
+            <a:avLst/>
+          </a:prstGeom>
+        </p:spPr>
+        <p:txBody>
+          <a:bodyPr vert="horz" lIns="91440" tIns="45720" rIns="91440" bIns="45720" rtlCol="0" anchor="ctr">
+            <a:normAutofit/>
+          </a:bodyPr>
+          <a:lstStyle>
+            <a:lvl1pPr algn="l" defTabSz="914400" rtl="0" eaLnBrk="1" latinLnBrk="0" hangingPunct="1">
+              <a:spcBef>
+                <a:spcPct val="0"/>
+              </a:spcBef>
+              <a:buNone/>
+              <a:defRPr sz="3600" kern="1200">
+                <a:solidFill>
+                  <a:srgbClr val="D68B1C"/>
+                </a:solidFill>
+                <a:latin typeface="+mj-lt"/>
+                <a:ea typeface="+mj-ea"/>
+                <a:cs typeface="+mj-cs"/>
+              </a:defRPr>
+            </a:lvl1pPr>
+          </a:lstStyle>
+          <a:p>
+            <a:r>
+              <a:rPr lang="en-US" smtClean="0"/>
+              <a:t>DNA Structure</a:t>
+            </a:r>
+            <a:endParaRPr lang="en-US" dirty="0"/>
+          </a:p>
+        </p:txBody>
+      </p:sp>
+      <p:pic>
+        <p:nvPicPr>
+          <p:cNvPr id="3074" name="Picture 2" descr="http://hexnet.org/files/images/hexnet/content_centered-hexagonal-numbers.png"/>
+          <p:cNvPicPr>
+            <a:picLocks noChangeAspect="1" noChangeArrowheads="1"/>
+          </p:cNvPicPr>
+          <p:nvPr/>
+        </p:nvPicPr>
+        <p:blipFill>
+          <a:blip r:embed="rId3">
+            <a:extLst>
+              <a:ext uri="{28A0092B-C50C-407E-A947-70E740481C1C}">
+                <a14:useLocalDpi xmlns:a14="http://schemas.microsoft.com/office/drawing/2010/main" val="0"/>
+              </a:ext>
+            </a:extLst>
+          </a:blip>
+          <a:srcRect/>
+          <a:stretch>
+            <a:fillRect/>
+          </a:stretch>
+        </p:blipFill>
+        <p:spPr bwMode="auto">
+          <a:xfrm>
+            <a:off x="1981200" y="1369218"/>
+            <a:ext cx="4572000" cy="4193382"/>
+          </a:xfrm>
+          <a:prstGeom prst="rect">
+            <a:avLst/>
+          </a:prstGeom>
+          <a:noFill/>
+          <a:extLst>
+            <a:ext uri="{909E8E84-426E-40DD-AFC4-6F175D3DCCD1}">
+              <a14:hiddenFill xmlns:a14="http://schemas.microsoft.com/office/drawing/2010/main">
+                <a:solidFill>
+                  <a:srgbClr val="FFFFFF"/>
+                </a:solidFill>
+              </a14:hiddenFill>
+            </a:ext>
+          </a:extLst>
+        </p:spPr>
+      </p:pic>
+    </p:spTree>
+    <p:extLst>
+      <p:ext uri="{BB962C8B-B14F-4D97-AF65-F5344CB8AC3E}">
+        <p14:creationId xmlns:p14="http://schemas.microsoft.com/office/powerpoint/2010/main" val="21135488"/>
+      </p:ext>
+    </p:extLst>
+  </p:cSld>
+  <p:clrMapOvr>
+    <a:masterClrMapping/>
+  </p:clrMapOvr>
+  <p:timing>
+    <p:tnLst>
+      <p:par>
+        <p:cTn id="1" dur="indefinite" restart="never" nodeType="tmRoot"/>
+      </p:par>
+    </p:tnLst>
+  </p:timing>
+</p:sld>
+</file>
+
+<file path=ppt/slides/slide13.xml><?xml version="1.0" encoding="utf-8"?>
+<p:sld xmlns:a="http://schemas.openxmlformats.org/drawingml/2006/main" xmlns:r="http://schemas.openxmlformats.org/officeDocument/2006/relationships" xmlns:p="http://schemas.openxmlformats.org/presentationml/2006/main">
+  <p:cSld>
+    <p:bg>
+      <p:bgPr>
+        <a:blipFill dpi="0" rotWithShape="1">
+          <a:blip r:embed="rId2">
+            <a:lum/>
+          </a:blip>
+          <a:srcRect/>
+          <a:stretch>
+            <a:fillRect/>
+          </a:stretch>
+        </a:blipFill>
+        <a:effectLst/>
+      </p:bgPr>
+    </p:bg>
+    <p:spTree>
+      <p:nvGrpSpPr>
+        <p:cNvPr id="1" name=""/>
+        <p:cNvGrpSpPr/>
+        <p:nvPr/>
+      </p:nvGrpSpPr>
+      <p:grpSpPr>
+        <a:xfrm>
+          <a:off x="0" y="0"/>
+          <a:ext cx="0" cy="0"/>
+          <a:chOff x="0" y="0"/>
+          <a:chExt cx="0" cy="0"/>
+        </a:xfrm>
+      </p:grpSpPr>
+      <p:sp>
+        <p:nvSpPr>
+          <p:cNvPr id="4" name="Title 3"/>
+          <p:cNvSpPr>
+            <a:spLocks noGrp="1"/>
+          </p:cNvSpPr>
+          <p:nvPr>
+            <p:ph type="title"/>
+          </p:nvPr>
+        </p:nvSpPr>
+        <p:spPr/>
+        <p:txBody>
+          <a:bodyPr/>
+          <a:lstStyle/>
+          <a:p>
+            <a:pPr algn="l"/>
+            <a:r>
+              <a:rPr lang="en-US" dirty="0" smtClean="0"/>
+              <a:t>Think Small Think Cell</a:t>
+            </a:r>
+            <a:endParaRPr lang="en-US" dirty="0"/>
+          </a:p>
+        </p:txBody>
+      </p:sp>
+      <p:sp>
+        <p:nvSpPr>
+          <p:cNvPr id="8" name="Title 3"/>
+          <p:cNvSpPr txBox="1">
+            <a:spLocks/>
+          </p:cNvSpPr>
+          <p:nvPr/>
+        </p:nvSpPr>
+        <p:spPr>
+          <a:xfrm>
+            <a:off x="1828800" y="5562600"/>
+            <a:ext cx="6871723" cy="763525"/>
+          </a:xfrm>
+          <a:prstGeom prst="rect">
+            <a:avLst/>
+          </a:prstGeom>
+        </p:spPr>
+        <p:txBody>
+          <a:bodyPr vert="horz" lIns="91440" tIns="45720" rIns="91440" bIns="45720" rtlCol="0" anchor="ctr">
+            <a:normAutofit/>
+          </a:bodyPr>
+          <a:lstStyle>
+            <a:lvl1pPr algn="l" defTabSz="914400" rtl="0" eaLnBrk="1" latinLnBrk="0" hangingPunct="1">
+              <a:spcBef>
+                <a:spcPct val="0"/>
+              </a:spcBef>
+              <a:buNone/>
+              <a:defRPr sz="3600" kern="1200">
+                <a:solidFill>
+                  <a:srgbClr val="D68B1C"/>
+                </a:solidFill>
+                <a:latin typeface="+mj-lt"/>
+                <a:ea typeface="+mj-ea"/>
+                <a:cs typeface="+mj-cs"/>
+              </a:defRPr>
+            </a:lvl1pPr>
+          </a:lstStyle>
+          <a:p>
+            <a:r>
+              <a:rPr lang="en-US" dirty="0" smtClean="0"/>
+              <a:t>DNA Structure</a:t>
+            </a:r>
+            <a:endParaRPr lang="en-US" dirty="0"/>
+          </a:p>
+        </p:txBody>
+      </p:sp>
+      <p:pic>
+        <p:nvPicPr>
+          <p:cNvPr id="4098" name="Picture 2" descr="Image result for hexagonal"/>
+          <p:cNvPicPr>
+            <a:picLocks noChangeAspect="1" noChangeArrowheads="1"/>
+          </p:cNvPicPr>
+          <p:nvPr/>
+        </p:nvPicPr>
+        <p:blipFill>
+          <a:blip r:embed="rId3">
+            <a:extLst>
+              <a:ext uri="{28A0092B-C50C-407E-A947-70E740481C1C}">
+                <a14:useLocalDpi xmlns:a14="http://schemas.microsoft.com/office/drawing/2010/main" val="0"/>
+              </a:ext>
+            </a:extLst>
+          </a:blip>
+          <a:srcRect/>
+          <a:stretch>
+            <a:fillRect/>
+          </a:stretch>
+        </p:blipFill>
+        <p:spPr bwMode="auto">
+          <a:xfrm>
+            <a:off x="2919531" y="1824487"/>
+            <a:ext cx="5233869" cy="1780228"/>
+          </a:xfrm>
+          <a:prstGeom prst="rect">
+            <a:avLst/>
+          </a:prstGeom>
+          <a:noFill/>
+          <a:extLst>
+            <a:ext uri="{909E8E84-426E-40DD-AFC4-6F175D3DCCD1}">
+              <a14:hiddenFill xmlns:a14="http://schemas.microsoft.com/office/drawing/2010/main">
+                <a:solidFill>
+                  <a:srgbClr val="FFFFFF"/>
+                </a:solidFill>
+              </a14:hiddenFill>
+            </a:ext>
+          </a:extLst>
+        </p:spPr>
+      </p:pic>
+    </p:spTree>
+    <p:extLst>
+      <p:ext uri="{BB962C8B-B14F-4D97-AF65-F5344CB8AC3E}">
+        <p14:creationId xmlns:p14="http://schemas.microsoft.com/office/powerpoint/2010/main" val="1896201296"/>
+      </p:ext>
+    </p:extLst>
+  </p:cSld>
+  <p:clrMapOvr>
+    <a:masterClrMapping/>
+  </p:clrMapOvr>
+  <p:timing>
+    <p:tnLst>
+      <p:par>
+        <p:cTn id="1" dur="indefinite" restart="never" nodeType="tmRoot"/>
+      </p:par>
+    </p:tnLst>
+  </p:timing>
+</p:sld>
+</file>
+
+<file path=ppt/slides/slide14.xml><?xml version="1.0" encoding="utf-8"?>
+<p:sld xmlns:a="http://schemas.openxmlformats.org/drawingml/2006/main" xmlns:r="http://schemas.openxmlformats.org/officeDocument/2006/relationships" xmlns:p="http://schemas.openxmlformats.org/presentationml/2006/main">
+  <p:cSld>
+    <p:bg>
+      <p:bgPr>
+        <a:blipFill dpi="0" rotWithShape="1">
+          <a:blip r:embed="rId2">
+            <a:lum/>
+          </a:blip>
+          <a:srcRect/>
+          <a:stretch>
+            <a:fillRect/>
+          </a:stretch>
+        </a:blipFill>
+        <a:effectLst/>
+      </p:bgPr>
+    </p:bg>
+    <p:spTree>
+      <p:nvGrpSpPr>
+        <p:cNvPr id="1" name=""/>
+        <p:cNvGrpSpPr/>
+        <p:nvPr/>
+      </p:nvGrpSpPr>
+      <p:grpSpPr>
+        <a:xfrm>
+          <a:off x="0" y="0"/>
+          <a:ext cx="0" cy="0"/>
+          <a:chOff x="0" y="0"/>
+          <a:chExt cx="0" cy="0"/>
+        </a:xfrm>
+      </p:grpSpPr>
+      <p:sp>
+        <p:nvSpPr>
+          <p:cNvPr id="4" name="Title 3"/>
+          <p:cNvSpPr>
+            <a:spLocks noGrp="1"/>
+          </p:cNvSpPr>
+          <p:nvPr>
+            <p:ph type="title"/>
+          </p:nvPr>
+        </p:nvSpPr>
+        <p:spPr/>
+        <p:txBody>
+          <a:bodyPr/>
+          <a:lstStyle/>
+          <a:p>
+            <a:pPr algn="l"/>
+            <a:r>
+              <a:rPr lang="en-US" dirty="0" smtClean="0"/>
+              <a:t>Think Small Think Cell</a:t>
+            </a:r>
+            <a:endParaRPr lang="en-US" dirty="0"/>
+          </a:p>
+        </p:txBody>
+      </p:sp>
+      <p:sp>
+        <p:nvSpPr>
+          <p:cNvPr id="8" name="Title 3"/>
+          <p:cNvSpPr txBox="1">
+            <a:spLocks/>
+          </p:cNvSpPr>
+          <p:nvPr/>
+        </p:nvSpPr>
+        <p:spPr>
+          <a:xfrm>
+            <a:off x="1828800" y="5562600"/>
+            <a:ext cx="6871723" cy="763525"/>
+          </a:xfrm>
+          <a:prstGeom prst="rect">
+            <a:avLst/>
+          </a:prstGeom>
+        </p:spPr>
+        <p:txBody>
+          <a:bodyPr vert="horz" lIns="91440" tIns="45720" rIns="91440" bIns="45720" rtlCol="0" anchor="ctr">
+            <a:normAutofit/>
+          </a:bodyPr>
+          <a:lstStyle>
+            <a:lvl1pPr algn="l" defTabSz="914400" rtl="0" eaLnBrk="1" latinLnBrk="0" hangingPunct="1">
+              <a:spcBef>
+                <a:spcPct val="0"/>
+              </a:spcBef>
+              <a:buNone/>
+              <a:defRPr sz="3600" kern="1200">
+                <a:solidFill>
+                  <a:srgbClr val="D68B1C"/>
+                </a:solidFill>
+                <a:latin typeface="+mj-lt"/>
+                <a:ea typeface="+mj-ea"/>
+                <a:cs typeface="+mj-cs"/>
+              </a:defRPr>
+            </a:lvl1pPr>
+          </a:lstStyle>
+          <a:p>
+            <a:r>
+              <a:rPr lang="en-US" dirty="0" smtClean="0"/>
+              <a:t>DNA Structure</a:t>
+            </a:r>
+            <a:endParaRPr lang="en-US" dirty="0"/>
+          </a:p>
+        </p:txBody>
+      </p:sp>
+      <p:pic>
+        <p:nvPicPr>
+          <p:cNvPr id="10244" name="Picture 4" descr="http://florenciaaraya.cumbresblogs.com/files/2015/03/image11.jpg"/>
+          <p:cNvPicPr>
+            <a:picLocks noChangeAspect="1" noChangeArrowheads="1"/>
+          </p:cNvPicPr>
+          <p:nvPr/>
+        </p:nvPicPr>
+        <p:blipFill>
+          <a:blip r:embed="rId3">
+            <a:extLst>
+              <a:ext uri="{28A0092B-C50C-407E-A947-70E740481C1C}">
+                <a14:useLocalDpi xmlns:a14="http://schemas.microsoft.com/office/drawing/2010/main" val="0"/>
+              </a:ext>
+            </a:extLst>
+          </a:blip>
+          <a:srcRect/>
+          <a:stretch>
+            <a:fillRect/>
+          </a:stretch>
+        </p:blipFill>
+        <p:spPr bwMode="auto">
+          <a:xfrm>
+            <a:off x="1946606" y="1219200"/>
+            <a:ext cx="6968794" cy="2514600"/>
+          </a:xfrm>
+          <a:prstGeom prst="rect">
+            <a:avLst/>
+          </a:prstGeom>
+          <a:noFill/>
+          <a:extLst>
+            <a:ext uri="{909E8E84-426E-40DD-AFC4-6F175D3DCCD1}">
+              <a14:hiddenFill xmlns:a14="http://schemas.microsoft.com/office/drawing/2010/main">
+                <a:solidFill>
+                  <a:srgbClr val="FFFFFF"/>
+                </a:solidFill>
+              </a14:hiddenFill>
+            </a:ext>
+          </a:extLst>
+        </p:spPr>
+      </p:pic>
+    </p:spTree>
+    <p:extLst>
+      <p:ext uri="{BB962C8B-B14F-4D97-AF65-F5344CB8AC3E}">
+        <p14:creationId xmlns:p14="http://schemas.microsoft.com/office/powerpoint/2010/main" val="3305739208"/>
+      </p:ext>
+    </p:extLst>
+  </p:cSld>
+  <p:clrMapOvr>
+    <a:masterClrMapping/>
+  </p:clrMapOvr>
+  <p:timing>
+    <p:tnLst>
+      <p:par>
+        <p:cTn id="1" dur="indefinite" restart="never" nodeType="tmRoot"/>
+      </p:par>
+    </p:tnLst>
+  </p:timing>
+</p:sld>
+</file>
+
+<file path=ppt/slides/slide15.xml><?xml version="1.0" encoding="utf-8"?>
+<p:sld xmlns:a="http://schemas.openxmlformats.org/drawingml/2006/main" xmlns:r="http://schemas.openxmlformats.org/officeDocument/2006/relationships" xmlns:p="http://schemas.openxmlformats.org/presentationml/2006/main">
+  <p:cSld>
+    <p:bg>
+      <p:bgPr>
+        <a:blipFill dpi="0" rotWithShape="1">
+          <a:blip r:embed="rId2">
+            <a:lum/>
+          </a:blip>
+          <a:srcRect/>
+          <a:stretch>
+            <a:fillRect/>
+          </a:stretch>
+        </a:blipFill>
+        <a:effectLst/>
+      </p:bgPr>
+    </p:bg>
+    <p:spTree>
+      <p:nvGrpSpPr>
+        <p:cNvPr id="1" name=""/>
+        <p:cNvGrpSpPr/>
+        <p:nvPr/>
+      </p:nvGrpSpPr>
+      <p:grpSpPr>
+        <a:xfrm>
+          <a:off x="0" y="0"/>
+          <a:ext cx="0" cy="0"/>
+          <a:chOff x="0" y="0"/>
+          <a:chExt cx="0" cy="0"/>
+        </a:xfrm>
+      </p:grpSpPr>
+      <p:sp>
+        <p:nvSpPr>
+          <p:cNvPr id="4" name="Title 3"/>
+          <p:cNvSpPr>
+            <a:spLocks noGrp="1"/>
+          </p:cNvSpPr>
+          <p:nvPr>
+            <p:ph type="title"/>
+          </p:nvPr>
+        </p:nvSpPr>
+        <p:spPr/>
+        <p:txBody>
+          <a:bodyPr/>
+          <a:lstStyle/>
+          <a:p>
+            <a:pPr algn="l"/>
+            <a:r>
+              <a:rPr lang="en-US" dirty="0" smtClean="0"/>
+              <a:t>Think Small Think Cell</a:t>
+            </a:r>
+            <a:endParaRPr lang="en-US" dirty="0"/>
+          </a:p>
+        </p:txBody>
+      </p:sp>
+      <p:sp>
+        <p:nvSpPr>
+          <p:cNvPr id="8" name="Title 3"/>
+          <p:cNvSpPr txBox="1">
+            <a:spLocks/>
+          </p:cNvSpPr>
+          <p:nvPr/>
+        </p:nvSpPr>
+        <p:spPr>
+          <a:xfrm>
+            <a:off x="1828800" y="5562600"/>
+            <a:ext cx="6871723" cy="763525"/>
+          </a:xfrm>
+          <a:prstGeom prst="rect">
+            <a:avLst/>
+          </a:prstGeom>
+        </p:spPr>
+        <p:txBody>
+          <a:bodyPr vert="horz" lIns="91440" tIns="45720" rIns="91440" bIns="45720" rtlCol="0" anchor="ctr">
+            <a:normAutofit/>
+          </a:bodyPr>
+          <a:lstStyle>
+            <a:lvl1pPr algn="l" defTabSz="914400" rtl="0" eaLnBrk="1" latinLnBrk="0" hangingPunct="1">
+              <a:spcBef>
+                <a:spcPct val="0"/>
+              </a:spcBef>
+              <a:buNone/>
+              <a:defRPr sz="3600" kern="1200">
+                <a:solidFill>
+                  <a:srgbClr val="D68B1C"/>
+                </a:solidFill>
+                <a:latin typeface="+mj-lt"/>
+                <a:ea typeface="+mj-ea"/>
+                <a:cs typeface="+mj-cs"/>
+              </a:defRPr>
+            </a:lvl1pPr>
+          </a:lstStyle>
+          <a:p>
+            <a:r>
+              <a:rPr lang="en-US" dirty="0" smtClean="0"/>
+              <a:t>DNA Structure</a:t>
+            </a:r>
+            <a:endParaRPr lang="en-US" dirty="0"/>
+          </a:p>
+        </p:txBody>
+      </p:sp>
+      <p:pic>
+        <p:nvPicPr>
+          <p:cNvPr id="10242" name="Picture 2" descr="http://thinksmallthinkcells.weebly.com/uploads/5/8/7/9/58793601/4837430.jpg?392"/>
+          <p:cNvPicPr>
+            <a:picLocks noChangeAspect="1" noChangeArrowheads="1"/>
+          </p:cNvPicPr>
+          <p:nvPr/>
+        </p:nvPicPr>
+        <p:blipFill>
+          <a:blip r:embed="rId3">
+            <a:extLst>
+              <a:ext uri="{28A0092B-C50C-407E-A947-70E740481C1C}">
+                <a14:useLocalDpi xmlns:a14="http://schemas.microsoft.com/office/drawing/2010/main" val="0"/>
+              </a:ext>
+            </a:extLst>
+          </a:blip>
+          <a:srcRect/>
+          <a:stretch>
+            <a:fillRect/>
+          </a:stretch>
+        </p:blipFill>
+        <p:spPr bwMode="auto">
+          <a:xfrm>
+            <a:off x="1828799" y="1407993"/>
+            <a:ext cx="6871723" cy="4303059"/>
+          </a:xfrm>
+          <a:prstGeom prst="rect">
+            <a:avLst/>
+          </a:prstGeom>
+          <a:noFill/>
+          <a:extLst>
+            <a:ext uri="{909E8E84-426E-40DD-AFC4-6F175D3DCCD1}">
+              <a14:hiddenFill xmlns:a14="http://schemas.microsoft.com/office/drawing/2010/main">
+                <a:solidFill>
+                  <a:srgbClr val="FFFFFF"/>
+                </a:solidFill>
+              </a14:hiddenFill>
+            </a:ext>
+          </a:extLst>
+        </p:spPr>
+      </p:pic>
+    </p:spTree>
+    <p:extLst>
+      <p:ext uri="{BB962C8B-B14F-4D97-AF65-F5344CB8AC3E}">
+        <p14:creationId xmlns:p14="http://schemas.microsoft.com/office/powerpoint/2010/main" val="58276917"/>
+      </p:ext>
+    </p:extLst>
+  </p:cSld>
+  <p:clrMapOvr>
+    <a:masterClrMapping/>
+  </p:clrMapOvr>
+  <p:timing>
+    <p:tnLst>
+      <p:par>
+        <p:cTn id="1" dur="indefinite" restart="never" nodeType="tmRoot"/>
+      </p:par>
+    </p:tnLst>
+  </p:timing>
+</p:sld>
+</file>
+
+<file path=ppt/slides/slide16.xml><?xml version="1.0" encoding="utf-8"?>
+<p:sld xmlns:a="http://schemas.openxmlformats.org/drawingml/2006/main" xmlns:r="http://schemas.openxmlformats.org/officeDocument/2006/relationships" xmlns:p="http://schemas.openxmlformats.org/presentationml/2006/main">
+  <p:cSld>
+    <p:bg>
+      <p:bgPr>
+        <a:blipFill dpi="0" rotWithShape="1">
+          <a:blip r:embed="rId2">
+            <a:lum/>
+          </a:blip>
+          <a:srcRect/>
+          <a:stretch>
+            <a:fillRect/>
+          </a:stretch>
+        </a:blipFill>
+        <a:effectLst/>
+      </p:bgPr>
+    </p:bg>
+    <p:spTree>
+      <p:nvGrpSpPr>
+        <p:cNvPr id="1" name=""/>
+        <p:cNvGrpSpPr/>
+        <p:nvPr/>
+      </p:nvGrpSpPr>
+      <p:grpSpPr>
+        <a:xfrm>
+          <a:off x="0" y="0"/>
+          <a:ext cx="0" cy="0"/>
+          <a:chOff x="0" y="0"/>
+          <a:chExt cx="0" cy="0"/>
+        </a:xfrm>
+      </p:grpSpPr>
+      <p:sp>
+        <p:nvSpPr>
+          <p:cNvPr id="4" name="Title 3"/>
+          <p:cNvSpPr>
+            <a:spLocks noGrp="1"/>
+          </p:cNvSpPr>
+          <p:nvPr>
+            <p:ph type="title"/>
+          </p:nvPr>
+        </p:nvSpPr>
+        <p:spPr/>
+        <p:txBody>
+          <a:bodyPr/>
+          <a:lstStyle/>
+          <a:p>
+            <a:pPr algn="l"/>
+            <a:r>
+              <a:rPr lang="en-US" dirty="0" smtClean="0"/>
+              <a:t>Animals Category</a:t>
+            </a:r>
+            <a:endParaRPr lang="en-US" dirty="0"/>
+          </a:p>
+        </p:txBody>
+      </p:sp>
+      <p:sp>
+        <p:nvSpPr>
+          <p:cNvPr id="8" name="Title 3"/>
+          <p:cNvSpPr txBox="1">
+            <a:spLocks/>
+          </p:cNvSpPr>
+          <p:nvPr/>
+        </p:nvSpPr>
+        <p:spPr>
+          <a:xfrm>
+            <a:off x="1828800" y="5562600"/>
+            <a:ext cx="6871723" cy="763525"/>
+          </a:xfrm>
+          <a:prstGeom prst="rect">
+            <a:avLst/>
+          </a:prstGeom>
+        </p:spPr>
+        <p:txBody>
+          <a:bodyPr vert="horz" lIns="91440" tIns="45720" rIns="91440" bIns="45720" rtlCol="0" anchor="ctr">
+            <a:normAutofit/>
+          </a:bodyPr>
+          <a:lstStyle>
+            <a:lvl1pPr algn="l" defTabSz="914400" rtl="0" eaLnBrk="1" latinLnBrk="0" hangingPunct="1">
+              <a:spcBef>
+                <a:spcPct val="0"/>
+              </a:spcBef>
+              <a:buNone/>
+              <a:defRPr sz="3600" kern="1200">
+                <a:solidFill>
+                  <a:srgbClr val="D68B1C"/>
+                </a:solidFill>
+                <a:latin typeface="+mj-lt"/>
+                <a:ea typeface="+mj-ea"/>
+                <a:cs typeface="+mj-cs"/>
+              </a:defRPr>
+            </a:lvl1pPr>
+          </a:lstStyle>
+          <a:p>
+            <a:r>
+              <a:rPr lang="en-US" dirty="0" smtClean="0"/>
+              <a:t>Six (6) Categories</a:t>
+            </a:r>
+            <a:endParaRPr lang="en-US" dirty="0"/>
+          </a:p>
+        </p:txBody>
+      </p:sp>
+      <p:pic>
+        <p:nvPicPr>
+          <p:cNvPr id="12290" name="Picture 2" descr="http://oldschool.com.sg/modpub/8366993414956f4ed681fc"/>
+          <p:cNvPicPr>
+            <a:picLocks noChangeAspect="1" noChangeArrowheads="1"/>
+          </p:cNvPicPr>
+          <p:nvPr/>
+        </p:nvPicPr>
+        <p:blipFill>
+          <a:blip r:embed="rId3">
+            <a:extLst>
+              <a:ext uri="{28A0092B-C50C-407E-A947-70E740481C1C}">
+                <a14:useLocalDpi xmlns:a14="http://schemas.microsoft.com/office/drawing/2010/main" val="0"/>
+              </a:ext>
+            </a:extLst>
+          </a:blip>
+          <a:srcRect/>
+          <a:stretch>
+            <a:fillRect/>
+          </a:stretch>
+        </p:blipFill>
+        <p:spPr bwMode="auto">
+          <a:xfrm>
+            <a:off x="2057399" y="1295400"/>
+            <a:ext cx="6643123" cy="4267200"/>
+          </a:xfrm>
+          <a:prstGeom prst="rect">
+            <a:avLst/>
+          </a:prstGeom>
+          <a:noFill/>
+          <a:extLst>
+            <a:ext uri="{909E8E84-426E-40DD-AFC4-6F175D3DCCD1}">
+              <a14:hiddenFill xmlns:a14="http://schemas.microsoft.com/office/drawing/2010/main">
+                <a:solidFill>
+                  <a:srgbClr val="FFFFFF"/>
+                </a:solidFill>
+              </a14:hiddenFill>
+            </a:ext>
+          </a:extLst>
+        </p:spPr>
+      </p:pic>
+    </p:spTree>
+    <p:extLst>
+      <p:ext uri="{BB962C8B-B14F-4D97-AF65-F5344CB8AC3E}">
+        <p14:creationId xmlns:p14="http://schemas.microsoft.com/office/powerpoint/2010/main" val="3047989373"/>
+      </p:ext>
+    </p:extLst>
+  </p:cSld>
+  <p:clrMapOvr>
+    <a:masterClrMapping/>
+  </p:clrMapOvr>
+  <p:timing>
+    <p:tnLst>
+      <p:par>
+        <p:cTn id="1" dur="indefinite" restart="never" nodeType="tmRoot"/>
+      </p:par>
+    </p:tnLst>
+  </p:timing>
+</p:sld>
+</file>
+
+<file path=ppt/slides/slide17.xml><?xml version="1.0" encoding="utf-8"?>
+<p:sld xmlns:a="http://schemas.openxmlformats.org/drawingml/2006/main" xmlns:r="http://schemas.openxmlformats.org/officeDocument/2006/relationships" xmlns:p="http://schemas.openxmlformats.org/presentationml/2006/main">
+  <p:cSld>
+    <p:bg>
+      <p:bgPr>
+        <a:blipFill dpi="0" rotWithShape="1">
+          <a:blip r:embed="rId2">
+            <a:lum/>
+          </a:blip>
+          <a:srcRect/>
+          <a:stretch>
+            <a:fillRect/>
+          </a:stretch>
+        </a:blipFill>
+        <a:effectLst/>
+      </p:bgPr>
+    </p:bg>
+    <p:spTree>
+      <p:nvGrpSpPr>
+        <p:cNvPr id="1" name=""/>
+        <p:cNvGrpSpPr/>
+        <p:nvPr/>
+      </p:nvGrpSpPr>
+      <p:grpSpPr>
+        <a:xfrm>
+          <a:off x="0" y="0"/>
+          <a:ext cx="0" cy="0"/>
+          <a:chOff x="0" y="0"/>
+          <a:chExt cx="0" cy="0"/>
+        </a:xfrm>
+      </p:grpSpPr>
+      <p:sp>
+        <p:nvSpPr>
+          <p:cNvPr id="4" name="Title 3"/>
+          <p:cNvSpPr>
+            <a:spLocks noGrp="1"/>
+          </p:cNvSpPr>
+          <p:nvPr>
+            <p:ph type="title"/>
+          </p:nvPr>
+        </p:nvSpPr>
+        <p:spPr/>
+        <p:txBody>
+          <a:bodyPr/>
+          <a:lstStyle/>
+          <a:p>
+            <a:pPr algn="l"/>
+            <a:r>
+              <a:rPr lang="en-US" dirty="0" smtClean="0"/>
+              <a:t>Animals Category</a:t>
+            </a:r>
+            <a:endParaRPr lang="en-US" dirty="0"/>
+          </a:p>
+        </p:txBody>
+      </p:sp>
+      <p:sp>
+        <p:nvSpPr>
+          <p:cNvPr id="8" name="Title 3"/>
+          <p:cNvSpPr txBox="1">
+            <a:spLocks/>
+          </p:cNvSpPr>
+          <p:nvPr/>
+        </p:nvSpPr>
+        <p:spPr>
+          <a:xfrm>
+            <a:off x="1828800" y="5562600"/>
+            <a:ext cx="6871723" cy="763525"/>
+          </a:xfrm>
+          <a:prstGeom prst="rect">
+            <a:avLst/>
+          </a:prstGeom>
+        </p:spPr>
+        <p:txBody>
+          <a:bodyPr vert="horz" lIns="91440" tIns="45720" rIns="91440" bIns="45720" rtlCol="0" anchor="ctr">
+            <a:normAutofit/>
+          </a:bodyPr>
+          <a:lstStyle>
+            <a:lvl1pPr algn="l" defTabSz="914400" rtl="0" eaLnBrk="1" latinLnBrk="0" hangingPunct="1">
+              <a:spcBef>
+                <a:spcPct val="0"/>
+              </a:spcBef>
+              <a:buNone/>
+              <a:defRPr sz="3600" kern="1200">
+                <a:solidFill>
+                  <a:srgbClr val="D68B1C"/>
+                </a:solidFill>
+                <a:latin typeface="+mj-lt"/>
+                <a:ea typeface="+mj-ea"/>
+                <a:cs typeface="+mj-cs"/>
+              </a:defRPr>
+            </a:lvl1pPr>
+          </a:lstStyle>
+          <a:p>
+            <a:r>
+              <a:rPr lang="en-US" dirty="0" smtClean="0"/>
+              <a:t>Six (6) Categories</a:t>
+            </a:r>
+            <a:endParaRPr lang="en-US" dirty="0"/>
+          </a:p>
+        </p:txBody>
+      </p:sp>
+      <p:pic>
+        <p:nvPicPr>
+          <p:cNvPr id="13314" name="Picture 2" descr="http://www.oldschool.com.sg/modpub/3154987634b65013c9bf2f"/>
+          <p:cNvPicPr>
+            <a:picLocks noChangeAspect="1" noChangeArrowheads="1"/>
+          </p:cNvPicPr>
+          <p:nvPr/>
+        </p:nvPicPr>
+        <p:blipFill>
+          <a:blip r:embed="rId3">
+            <a:extLst>
+              <a:ext uri="{28A0092B-C50C-407E-A947-70E740481C1C}">
+                <a14:useLocalDpi xmlns:a14="http://schemas.microsoft.com/office/drawing/2010/main" val="0"/>
+              </a:ext>
+            </a:extLst>
+          </a:blip>
+          <a:srcRect/>
+          <a:stretch>
+            <a:fillRect/>
+          </a:stretch>
+        </p:blipFill>
+        <p:spPr bwMode="auto">
+          <a:xfrm>
+            <a:off x="1981200" y="1416333"/>
+            <a:ext cx="6477000" cy="4146267"/>
+          </a:xfrm>
+          <a:prstGeom prst="rect">
+            <a:avLst/>
+          </a:prstGeom>
+          <a:noFill/>
+          <a:extLst>
+            <a:ext uri="{909E8E84-426E-40DD-AFC4-6F175D3DCCD1}">
+              <a14:hiddenFill xmlns:a14="http://schemas.microsoft.com/office/drawing/2010/main">
+                <a:solidFill>
+                  <a:srgbClr val="FFFFFF"/>
+                </a:solidFill>
+              </a14:hiddenFill>
+            </a:ext>
+          </a:extLst>
+        </p:spPr>
+      </p:pic>
+    </p:spTree>
+    <p:extLst>
+      <p:ext uri="{BB962C8B-B14F-4D97-AF65-F5344CB8AC3E}">
+        <p14:creationId xmlns:p14="http://schemas.microsoft.com/office/powerpoint/2010/main" val="123615680"/>
+      </p:ext>
+    </p:extLst>
+  </p:cSld>
+  <p:clrMapOvr>
+    <a:masterClrMapping/>
+  </p:clrMapOvr>
+  <p:timing>
+    <p:tnLst>
+      <p:par>
+        <p:cTn id="1" dur="indefinite" restart="never" nodeType="tmRoot"/>
+      </p:par>
+    </p:tnLst>
+  </p:timing>
+</p:sld>
+</file>
+
+<file path=ppt/slides/slide18.xml><?xml version="1.0" encoding="utf-8"?>
+<p:sld xmlns:a="http://schemas.openxmlformats.org/drawingml/2006/main" xmlns:r="http://schemas.openxmlformats.org/officeDocument/2006/relationships" xmlns:p="http://schemas.openxmlformats.org/presentationml/2006/main">
+  <p:cSld>
+    <p:bg>
+      <p:bgPr>
+        <a:blipFill dpi="0" rotWithShape="1">
+          <a:blip r:embed="rId2">
+            <a:lum/>
+          </a:blip>
+          <a:srcRect/>
+          <a:stretch>
+            <a:fillRect/>
+          </a:stretch>
+        </a:blipFill>
+        <a:effectLst/>
+      </p:bgPr>
+    </p:bg>
+    <p:spTree>
+      <p:nvGrpSpPr>
+        <p:cNvPr id="1" name=""/>
+        <p:cNvGrpSpPr/>
+        <p:nvPr/>
+      </p:nvGrpSpPr>
+      <p:grpSpPr>
+        <a:xfrm>
+          <a:off x="0" y="0"/>
+          <a:ext cx="0" cy="0"/>
+          <a:chOff x="0" y="0"/>
+          <a:chExt cx="0" cy="0"/>
+        </a:xfrm>
+      </p:grpSpPr>
+      <p:sp>
+        <p:nvSpPr>
+          <p:cNvPr id="4" name="Title 3"/>
+          <p:cNvSpPr>
+            <a:spLocks noGrp="1"/>
+          </p:cNvSpPr>
+          <p:nvPr>
+            <p:ph type="title"/>
+          </p:nvPr>
+        </p:nvSpPr>
+        <p:spPr/>
+        <p:txBody>
+          <a:bodyPr/>
+          <a:lstStyle/>
+          <a:p>
+            <a:pPr algn="l"/>
+            <a:r>
+              <a:rPr lang="en-US" dirty="0" smtClean="0"/>
+              <a:t>Animals Category</a:t>
+            </a:r>
+            <a:endParaRPr lang="en-US" dirty="0"/>
+          </a:p>
+        </p:txBody>
+      </p:sp>
+      <p:sp>
+        <p:nvSpPr>
+          <p:cNvPr id="8" name="Title 3"/>
+          <p:cNvSpPr txBox="1">
+            <a:spLocks/>
+          </p:cNvSpPr>
+          <p:nvPr/>
+        </p:nvSpPr>
+        <p:spPr>
+          <a:xfrm>
+            <a:off x="1828800" y="5562600"/>
+            <a:ext cx="6871723" cy="763525"/>
+          </a:xfrm>
+          <a:prstGeom prst="rect">
+            <a:avLst/>
+          </a:prstGeom>
+        </p:spPr>
+        <p:txBody>
+          <a:bodyPr vert="horz" lIns="91440" tIns="45720" rIns="91440" bIns="45720" rtlCol="0" anchor="ctr">
+            <a:normAutofit/>
+          </a:bodyPr>
+          <a:lstStyle>
+            <a:lvl1pPr algn="l" defTabSz="914400" rtl="0" eaLnBrk="1" latinLnBrk="0" hangingPunct="1">
+              <a:spcBef>
+                <a:spcPct val="0"/>
+              </a:spcBef>
+              <a:buNone/>
+              <a:defRPr sz="3600" kern="1200">
+                <a:solidFill>
+                  <a:srgbClr val="D68B1C"/>
+                </a:solidFill>
+                <a:latin typeface="+mj-lt"/>
+                <a:ea typeface="+mj-ea"/>
+                <a:cs typeface="+mj-cs"/>
+              </a:defRPr>
+            </a:lvl1pPr>
+          </a:lstStyle>
+          <a:p>
+            <a:r>
+              <a:rPr lang="en-US" dirty="0" smtClean="0"/>
+              <a:t>Six (6) Categories</a:t>
+            </a:r>
+            <a:endParaRPr lang="en-US" dirty="0"/>
+          </a:p>
+        </p:txBody>
+      </p:sp>
+      <p:pic>
+        <p:nvPicPr>
+          <p:cNvPr id="14338" name="Picture 2" descr="http://www.oldschool.com.sg/modpub/10334059044b651d62e4230"/>
+          <p:cNvPicPr>
+            <a:picLocks noChangeAspect="1" noChangeArrowheads="1"/>
+          </p:cNvPicPr>
+          <p:nvPr/>
+        </p:nvPicPr>
+        <p:blipFill>
+          <a:blip r:embed="rId3">
+            <a:extLst>
+              <a:ext uri="{28A0092B-C50C-407E-A947-70E740481C1C}">
+                <a14:useLocalDpi xmlns:a14="http://schemas.microsoft.com/office/drawing/2010/main" val="0"/>
+              </a:ext>
+            </a:extLst>
+          </a:blip>
+          <a:srcRect/>
+          <a:stretch>
+            <a:fillRect/>
+          </a:stretch>
+        </p:blipFill>
+        <p:spPr bwMode="auto">
+          <a:xfrm>
+            <a:off x="1828800" y="1347788"/>
+            <a:ext cx="6629400" cy="3986212"/>
+          </a:xfrm>
+          <a:prstGeom prst="rect">
+            <a:avLst/>
+          </a:prstGeom>
+          <a:noFill/>
+          <a:extLst>
+            <a:ext uri="{909E8E84-426E-40DD-AFC4-6F175D3DCCD1}">
+              <a14:hiddenFill xmlns:a14="http://schemas.microsoft.com/office/drawing/2010/main">
+                <a:solidFill>
+                  <a:srgbClr val="FFFFFF"/>
+                </a:solidFill>
+              </a14:hiddenFill>
+            </a:ext>
+          </a:extLst>
+        </p:spPr>
+      </p:pic>
+    </p:spTree>
+    <p:extLst>
+      <p:ext uri="{BB962C8B-B14F-4D97-AF65-F5344CB8AC3E}">
+        <p14:creationId xmlns:p14="http://schemas.microsoft.com/office/powerpoint/2010/main" val="1363303686"/>
+      </p:ext>
+    </p:extLst>
+  </p:cSld>
+  <p:clrMapOvr>
+    <a:masterClrMapping/>
+  </p:clrMapOvr>
+  <p:timing>
+    <p:tnLst>
+      <p:par>
+        <p:cTn id="1" dur="indefinite" restart="never" nodeType="tmRoot"/>
+      </p:par>
+    </p:tnLst>
+  </p:timing>
+</p:sld>
+</file>
+
+<file path=ppt/slides/slide19.xml><?xml version="1.0" encoding="utf-8"?>
+<p:sld xmlns:a="http://schemas.openxmlformats.org/drawingml/2006/main" xmlns:r="http://schemas.openxmlformats.org/officeDocument/2006/relationships" xmlns:p="http://schemas.openxmlformats.org/presentationml/2006/main">
+  <p:cSld>
+    <p:bg>
+      <p:bgPr>
+        <a:blipFill dpi="0" rotWithShape="1">
+          <a:blip r:embed="rId2">
+            <a:lum/>
+          </a:blip>
+          <a:srcRect/>
+          <a:stretch>
+            <a:fillRect/>
+          </a:stretch>
+        </a:blipFill>
+        <a:effectLst/>
+      </p:bgPr>
+    </p:bg>
+    <p:spTree>
+      <p:nvGrpSpPr>
+        <p:cNvPr id="1" name=""/>
+        <p:cNvGrpSpPr/>
+        <p:nvPr/>
+      </p:nvGrpSpPr>
+      <p:grpSpPr>
+        <a:xfrm>
+          <a:off x="0" y="0"/>
+          <a:ext cx="0" cy="0"/>
+          <a:chOff x="0" y="0"/>
+          <a:chExt cx="0" cy="0"/>
+        </a:xfrm>
+      </p:grpSpPr>
+      <p:sp>
+        <p:nvSpPr>
+          <p:cNvPr id="4" name="Title 3"/>
+          <p:cNvSpPr>
+            <a:spLocks noGrp="1"/>
+          </p:cNvSpPr>
+          <p:nvPr>
+            <p:ph type="title"/>
+          </p:nvPr>
+        </p:nvSpPr>
+        <p:spPr/>
+        <p:txBody>
+          <a:bodyPr/>
+          <a:lstStyle/>
+          <a:p>
+            <a:pPr algn="l"/>
+            <a:r>
+              <a:rPr lang="en-US" dirty="0" smtClean="0"/>
+              <a:t>Animals Category</a:t>
+            </a:r>
+            <a:endParaRPr lang="en-US" dirty="0"/>
+          </a:p>
+        </p:txBody>
+      </p:sp>
+      <p:sp>
+        <p:nvSpPr>
+          <p:cNvPr id="8" name="Title 3"/>
+          <p:cNvSpPr txBox="1">
+            <a:spLocks/>
+          </p:cNvSpPr>
+          <p:nvPr/>
+        </p:nvSpPr>
+        <p:spPr>
+          <a:xfrm>
+            <a:off x="1828800" y="5562600"/>
+            <a:ext cx="6871723" cy="763525"/>
+          </a:xfrm>
+          <a:prstGeom prst="rect">
+            <a:avLst/>
+          </a:prstGeom>
+        </p:spPr>
+        <p:txBody>
+          <a:bodyPr vert="horz" lIns="91440" tIns="45720" rIns="91440" bIns="45720" rtlCol="0" anchor="ctr">
+            <a:normAutofit/>
+          </a:bodyPr>
+          <a:lstStyle>
+            <a:lvl1pPr algn="l" defTabSz="914400" rtl="0" eaLnBrk="1" latinLnBrk="0" hangingPunct="1">
+              <a:spcBef>
+                <a:spcPct val="0"/>
+              </a:spcBef>
+              <a:buNone/>
+              <a:defRPr sz="3600" kern="1200">
+                <a:solidFill>
+                  <a:srgbClr val="D68B1C"/>
+                </a:solidFill>
+                <a:latin typeface="+mj-lt"/>
+                <a:ea typeface="+mj-ea"/>
+                <a:cs typeface="+mj-cs"/>
+              </a:defRPr>
+            </a:lvl1pPr>
+          </a:lstStyle>
+          <a:p>
+            <a:r>
+              <a:rPr lang="en-US" dirty="0" smtClean="0"/>
+              <a:t>Six (6) Categories</a:t>
+            </a:r>
+            <a:endParaRPr lang="en-US" dirty="0"/>
+          </a:p>
+        </p:txBody>
+      </p:sp>
+      <p:pic>
+        <p:nvPicPr>
+          <p:cNvPr id="15362" name="Picture 2" descr="http://www.oldschool.com.sg/modpub/5887732604fa49fb18f926"/>
+          <p:cNvPicPr>
+            <a:picLocks noChangeAspect="1" noChangeArrowheads="1"/>
+          </p:cNvPicPr>
+          <p:nvPr/>
+        </p:nvPicPr>
+        <p:blipFill>
+          <a:blip r:embed="rId3">
+            <a:extLst>
+              <a:ext uri="{28A0092B-C50C-407E-A947-70E740481C1C}">
+                <a14:useLocalDpi xmlns:a14="http://schemas.microsoft.com/office/drawing/2010/main" val="0"/>
+              </a:ext>
+            </a:extLst>
+          </a:blip>
+          <a:srcRect/>
+          <a:stretch>
+            <a:fillRect/>
+          </a:stretch>
+        </p:blipFill>
+        <p:spPr bwMode="auto">
+          <a:xfrm>
+            <a:off x="1828800" y="1433087"/>
+            <a:ext cx="4286250" cy="2733676"/>
+          </a:xfrm>
+          <a:prstGeom prst="rect">
+            <a:avLst/>
+          </a:prstGeom>
+          <a:noFill/>
+          <a:extLst>
+            <a:ext uri="{909E8E84-426E-40DD-AFC4-6F175D3DCCD1}">
+              <a14:hiddenFill xmlns:a14="http://schemas.microsoft.com/office/drawing/2010/main">
+                <a:solidFill>
+                  <a:srgbClr val="FFFFFF"/>
+                </a:solidFill>
+              </a14:hiddenFill>
+            </a:ext>
+          </a:extLst>
+        </p:spPr>
+      </p:pic>
+    </p:spTree>
+    <p:extLst>
+      <p:ext uri="{BB962C8B-B14F-4D97-AF65-F5344CB8AC3E}">
+        <p14:creationId xmlns:p14="http://schemas.microsoft.com/office/powerpoint/2010/main" val="51560874"/>
+      </p:ext>
+    </p:extLst>
+  </p:cSld>
+  <p:clrMapOvr>
+    <a:masterClrMapping/>
+  </p:clrMapOvr>
+  <p:timing>
+    <p:tnLst>
+      <p:par>
+        <p:cTn id="1" dur="indefinite" restart="never" nodeType="tmRoot"/>
+      </p:par>
+    </p:tnLst>
+  </p:timing>
+</p:sld>
+</file>
+
+<file path=ppt/slides/slide2.xml><?xml version="1.0" encoding="utf-8"?>
+<p:sld xmlns:a="http://schemas.openxmlformats.org/drawingml/2006/main" xmlns:r="http://schemas.openxmlformats.org/officeDocument/2006/relationships" xmlns:p="http://schemas.openxmlformats.org/presentationml/2006/main">
+  <p:cSld>
+    <p:bg>
+      <p:bgPr>
+        <a:blipFill dpi="0" rotWithShape="1">
+          <a:blip r:embed="rId2">
+            <a:lum/>
+          </a:blip>
+          <a:srcRect/>
+          <a:stretch>
+            <a:fillRect/>
+          </a:stretch>
+        </a:blipFill>
+        <a:effectLst/>
+      </p:bgPr>
+    </p:bg>
+    <p:spTree>
+      <p:nvGrpSpPr>
+        <p:cNvPr id="1" name=""/>
+        <p:cNvGrpSpPr/>
+        <p:nvPr/>
+      </p:nvGrpSpPr>
+      <p:grpSpPr>
+        <a:xfrm>
+          <a:off x="0" y="0"/>
+          <a:ext cx="0" cy="0"/>
+          <a:chOff x="0" y="0"/>
+          <a:chExt cx="0" cy="0"/>
+        </a:xfrm>
+      </p:grpSpPr>
+      <p:sp>
+        <p:nvSpPr>
+          <p:cNvPr id="2" name="Title 1"/>
+          <p:cNvSpPr>
+            <a:spLocks noGrp="1"/>
+          </p:cNvSpPr>
+          <p:nvPr>
+            <p:ph type="title"/>
+          </p:nvPr>
+        </p:nvSpPr>
+        <p:spPr/>
+        <p:txBody>
+          <a:bodyPr>
+            <a:normAutofit fontScale="90000"/>
+          </a:bodyPr>
+          <a:lstStyle/>
+          <a:p>
+            <a:r>
+              <a:rPr lang="en-US" dirty="0" smtClean="0"/>
+              <a:t>Slide Title</a:t>
+            </a:r>
+            <a:endParaRPr lang="en-US" dirty="0"/>
+          </a:p>
+        </p:txBody>
+      </p:sp>
+      <p:sp>
+        <p:nvSpPr>
+          <p:cNvPr id="3" name="Content Placeholder 2"/>
+          <p:cNvSpPr>
+            <a:spLocks noGrp="1"/>
+          </p:cNvSpPr>
+          <p:nvPr>
+            <p:ph idx="1"/>
+          </p:nvPr>
+        </p:nvSpPr>
+        <p:spPr/>
+        <p:txBody>
+          <a:bodyPr/>
+          <a:lstStyle/>
+          <a:p>
+            <a:r>
+              <a:rPr lang="en-US" smtClean="0"/>
+              <a:t>Make Effective Presentations</a:t>
+            </a:r>
+          </a:p>
+          <a:p>
+            <a:r>
+              <a:rPr lang="en-US" smtClean="0"/>
+              <a:t>Using Awesome Backgrounds</a:t>
+            </a:r>
+          </a:p>
+          <a:p>
+            <a:r>
+              <a:rPr lang="en-US" smtClean="0"/>
+              <a:t>Engage your Audience</a:t>
+            </a:r>
+          </a:p>
+          <a:p>
+            <a:r>
+              <a:rPr lang="en-US" smtClean="0"/>
+              <a:t>Capture Audience Attention</a:t>
+            </a:r>
+          </a:p>
+          <a:p>
+            <a:endParaRPr lang="en-US" smtClean="0"/>
+          </a:p>
+          <a:p>
+            <a:endParaRPr lang="en-US"/>
+          </a:p>
+        </p:txBody>
+      </p:sp>
+    </p:spTree>
+    <p:extLst>
+      <p:ext uri="{BB962C8B-B14F-4D97-AF65-F5344CB8AC3E}">
+        <p14:creationId xmlns:p14="http://schemas.microsoft.com/office/powerpoint/2010/main" val="4103309497"/>
+      </p:ext>
+    </p:extLst>
+  </p:cSld>
+  <p:clrMapOvr>
+    <a:masterClrMapping/>
+  </p:clrMapOvr>
+  <p:timing>
+    <p:tnLst>
+      <p:par>
+        <p:cTn id="1" dur="indefinite" restart="never" nodeType="tmRoot"/>
+      </p:par>
+    </p:tnLst>
+  </p:timing>
+</p:sld>
+</file>
+
+<file path=ppt/slides/slide20.xml><?xml version="1.0" encoding="utf-8"?>
+<p:sld xmlns:a="http://schemas.openxmlformats.org/drawingml/2006/main" xmlns:r="http://schemas.openxmlformats.org/officeDocument/2006/relationships" xmlns:p="http://schemas.openxmlformats.org/presentationml/2006/main">
+  <p:cSld>
+    <p:bg>
+      <p:bgPr>
+        <a:blipFill dpi="0" rotWithShape="1">
+          <a:blip r:embed="rId2">
+            <a:lum/>
+          </a:blip>
+          <a:srcRect/>
+          <a:stretch>
+            <a:fillRect/>
+          </a:stretch>
+        </a:blipFill>
+        <a:effectLst/>
+      </p:bgPr>
+    </p:bg>
+    <p:spTree>
+      <p:nvGrpSpPr>
+        <p:cNvPr id="1" name=""/>
+        <p:cNvGrpSpPr/>
+        <p:nvPr/>
+      </p:nvGrpSpPr>
+      <p:grpSpPr>
+        <a:xfrm>
+          <a:off x="0" y="0"/>
+          <a:ext cx="0" cy="0"/>
+          <a:chOff x="0" y="0"/>
+          <a:chExt cx="0" cy="0"/>
+        </a:xfrm>
+      </p:grpSpPr>
+      <p:sp>
+        <p:nvSpPr>
+          <p:cNvPr id="4" name="Title 3"/>
+          <p:cNvSpPr>
+            <a:spLocks noGrp="1"/>
+          </p:cNvSpPr>
+          <p:nvPr>
+            <p:ph type="title"/>
+          </p:nvPr>
+        </p:nvSpPr>
+        <p:spPr/>
+        <p:txBody>
+          <a:bodyPr/>
+          <a:lstStyle/>
+          <a:p>
+            <a:pPr algn="l"/>
+            <a:r>
+              <a:rPr lang="en-US" dirty="0" smtClean="0"/>
+              <a:t>Site Mapping</a:t>
+            </a:r>
+            <a:endParaRPr lang="en-US" dirty="0"/>
+          </a:p>
+        </p:txBody>
+      </p:sp>
+      <p:sp>
+        <p:nvSpPr>
+          <p:cNvPr id="8" name="Title 3"/>
+          <p:cNvSpPr txBox="1">
+            <a:spLocks/>
+          </p:cNvSpPr>
+          <p:nvPr/>
+        </p:nvSpPr>
+        <p:spPr>
+          <a:xfrm>
+            <a:off x="1828800" y="5562600"/>
+            <a:ext cx="6871723" cy="763525"/>
+          </a:xfrm>
+          <a:prstGeom prst="rect">
+            <a:avLst/>
+          </a:prstGeom>
+        </p:spPr>
+        <p:txBody>
+          <a:bodyPr vert="horz" lIns="91440" tIns="45720" rIns="91440" bIns="45720" rtlCol="0" anchor="ctr">
+            <a:normAutofit/>
+          </a:bodyPr>
+          <a:lstStyle>
+            <a:lvl1pPr algn="l" defTabSz="914400" rtl="0" eaLnBrk="1" latinLnBrk="0" hangingPunct="1">
+              <a:spcBef>
+                <a:spcPct val="0"/>
+              </a:spcBef>
+              <a:buNone/>
+              <a:defRPr sz="3600" kern="1200">
+                <a:solidFill>
+                  <a:srgbClr val="D68B1C"/>
+                </a:solidFill>
+                <a:latin typeface="+mj-lt"/>
+                <a:ea typeface="+mj-ea"/>
+                <a:cs typeface="+mj-cs"/>
+              </a:defRPr>
+            </a:lvl1pPr>
+          </a:lstStyle>
+          <a:p>
+            <a:r>
+              <a:rPr lang="en-US" dirty="0" smtClean="0"/>
+              <a:t>DNA Structure</a:t>
+            </a:r>
+            <a:endParaRPr lang="en-US" dirty="0"/>
+          </a:p>
+        </p:txBody>
+      </p:sp>
+      <p:pic>
+        <p:nvPicPr>
+          <p:cNvPr id="4098" name="Picture 2" descr="Image result for hexagonal"/>
+          <p:cNvPicPr>
+            <a:picLocks noChangeAspect="1" noChangeArrowheads="1"/>
+          </p:cNvPicPr>
+          <p:nvPr/>
+        </p:nvPicPr>
+        <p:blipFill>
+          <a:blip r:embed="rId3">
+            <a:extLst>
+              <a:ext uri="{28A0092B-C50C-407E-A947-70E740481C1C}">
+                <a14:useLocalDpi xmlns:a14="http://schemas.microsoft.com/office/drawing/2010/main" val="0"/>
+              </a:ext>
+            </a:extLst>
+          </a:blip>
+          <a:srcRect/>
+          <a:stretch>
+            <a:fillRect/>
+          </a:stretch>
+        </p:blipFill>
+        <p:spPr bwMode="auto">
+          <a:xfrm>
+            <a:off x="2919531" y="1824487"/>
+            <a:ext cx="5233869" cy="1780228"/>
+          </a:xfrm>
+          <a:prstGeom prst="rect">
+            <a:avLst/>
+          </a:prstGeom>
+          <a:noFill/>
+          <a:extLst>
+            <a:ext uri="{909E8E84-426E-40DD-AFC4-6F175D3DCCD1}">
+              <a14:hiddenFill xmlns:a14="http://schemas.microsoft.com/office/drawing/2010/main">
+                <a:solidFill>
+                  <a:srgbClr val="FFFFFF"/>
+                </a:solidFill>
+              </a14:hiddenFill>
+            </a:ext>
+          </a:extLst>
+        </p:spPr>
+      </p:pic>
+    </p:spTree>
+    <p:extLst>
+      <p:ext uri="{BB962C8B-B14F-4D97-AF65-F5344CB8AC3E}">
+        <p14:creationId xmlns:p14="http://schemas.microsoft.com/office/powerpoint/2010/main" val="503901014"/>
+      </p:ext>
+    </p:extLst>
+  </p:cSld>
+  <p:clrMapOvr>
+    <a:masterClrMapping/>
+  </p:clrMapOvr>
+  <p:timing>
+    <p:tnLst>
+      <p:par>
+        <p:cTn id="1" dur="indefinite" restart="never" nodeType="tmRoot"/>
+      </p:par>
+    </p:tnLst>
+  </p:timing>
+</p:sld>
+</file>
+
+<file path=ppt/slides/slide21.xml><?xml version="1.0" encoding="utf-8"?>
+<p:sld xmlns:a="http://schemas.openxmlformats.org/drawingml/2006/main" xmlns:r="http://schemas.openxmlformats.org/officeDocument/2006/relationships" xmlns:p="http://schemas.openxmlformats.org/presentationml/2006/main">
+  <p:cSld>
+    <p:bg>
+      <p:bgPr>
+        <a:blipFill dpi="0" rotWithShape="1">
+          <a:blip r:embed="rId2">
+            <a:lum/>
+          </a:blip>
+          <a:srcRect/>
+          <a:stretch>
+            <a:fillRect/>
+          </a:stretch>
+        </a:blipFill>
+        <a:effectLst/>
+      </p:bgPr>
+    </p:bg>
+    <p:spTree>
+      <p:nvGrpSpPr>
+        <p:cNvPr id="1" name=""/>
+        <p:cNvGrpSpPr/>
+        <p:nvPr/>
+      </p:nvGrpSpPr>
+      <p:grpSpPr>
+        <a:xfrm>
+          <a:off x="0" y="0"/>
+          <a:ext cx="0" cy="0"/>
+          <a:chOff x="0" y="0"/>
+          <a:chExt cx="0" cy="0"/>
+        </a:xfrm>
+      </p:grpSpPr>
+      <p:sp>
+        <p:nvSpPr>
+          <p:cNvPr id="4" name="Title 3"/>
+          <p:cNvSpPr>
+            <a:spLocks noGrp="1"/>
+          </p:cNvSpPr>
+          <p:nvPr>
+            <p:ph type="title"/>
+          </p:nvPr>
+        </p:nvSpPr>
+        <p:spPr/>
+        <p:txBody>
+          <a:bodyPr/>
+          <a:lstStyle/>
+          <a:p>
+            <a:pPr algn="l"/>
+            <a:r>
+              <a:rPr lang="en-US" dirty="0" smtClean="0"/>
+              <a:t>Site Mapping</a:t>
+            </a:r>
+            <a:endParaRPr lang="en-US" dirty="0"/>
+          </a:p>
+        </p:txBody>
+      </p:sp>
+      <p:sp>
+        <p:nvSpPr>
+          <p:cNvPr id="8" name="Title 3"/>
+          <p:cNvSpPr txBox="1">
+            <a:spLocks/>
+          </p:cNvSpPr>
+          <p:nvPr/>
+        </p:nvSpPr>
+        <p:spPr>
+          <a:xfrm>
+            <a:off x="1828800" y="5562600"/>
+            <a:ext cx="6871723" cy="763525"/>
+          </a:xfrm>
+          <a:prstGeom prst="rect">
+            <a:avLst/>
+          </a:prstGeom>
+        </p:spPr>
+        <p:txBody>
+          <a:bodyPr vert="horz" lIns="91440" tIns="45720" rIns="91440" bIns="45720" rtlCol="0" anchor="ctr">
+            <a:normAutofit/>
+          </a:bodyPr>
+          <a:lstStyle>
+            <a:lvl1pPr algn="l" defTabSz="914400" rtl="0" eaLnBrk="1" latinLnBrk="0" hangingPunct="1">
+              <a:spcBef>
+                <a:spcPct val="0"/>
+              </a:spcBef>
+              <a:buNone/>
+              <a:defRPr sz="3600" kern="1200">
+                <a:solidFill>
+                  <a:srgbClr val="D68B1C"/>
+                </a:solidFill>
+                <a:latin typeface="+mj-lt"/>
+                <a:ea typeface="+mj-ea"/>
+                <a:cs typeface="+mj-cs"/>
+              </a:defRPr>
+            </a:lvl1pPr>
+          </a:lstStyle>
+          <a:p>
+            <a:r>
+              <a:rPr lang="en-US" dirty="0" smtClean="0"/>
+              <a:t>DNA Structure</a:t>
+            </a:r>
+            <a:endParaRPr lang="en-US" dirty="0"/>
+          </a:p>
+        </p:txBody>
+      </p:sp>
+      <p:pic>
+        <p:nvPicPr>
+          <p:cNvPr id="8194" name="Picture 2" descr="http://image.slidesharecdn.com/5-pnanotubeschiara-1234545179664541-1/95/5-p-nanotubes-chiara-21-728.jpg?cb=1234523850"/>
+          <p:cNvPicPr>
+            <a:picLocks noChangeAspect="1" noChangeArrowheads="1"/>
+          </p:cNvPicPr>
+          <p:nvPr/>
+        </p:nvPicPr>
+        <p:blipFill>
+          <a:blip r:embed="rId3">
+            <a:extLst>
+              <a:ext uri="{28A0092B-C50C-407E-A947-70E740481C1C}">
+                <a14:useLocalDpi xmlns:a14="http://schemas.microsoft.com/office/drawing/2010/main" val="0"/>
+              </a:ext>
+            </a:extLst>
+          </a:blip>
+          <a:srcRect/>
+          <a:stretch>
+            <a:fillRect/>
+          </a:stretch>
+        </p:blipFill>
+        <p:spPr bwMode="auto">
+          <a:xfrm>
+            <a:off x="1828801" y="1126516"/>
+            <a:ext cx="6871722" cy="4470203"/>
+          </a:xfrm>
+          <a:prstGeom prst="rect">
+            <a:avLst/>
+          </a:prstGeom>
+          <a:noFill/>
+          <a:extLst>
+            <a:ext uri="{909E8E84-426E-40DD-AFC4-6F175D3DCCD1}">
+              <a14:hiddenFill xmlns:a14="http://schemas.microsoft.com/office/drawing/2010/main">
+                <a:solidFill>
+                  <a:srgbClr val="FFFFFF"/>
+                </a:solidFill>
+              </a14:hiddenFill>
+            </a:ext>
+          </a:extLst>
+        </p:spPr>
+      </p:pic>
+    </p:spTree>
+    <p:extLst>
+      <p:ext uri="{BB962C8B-B14F-4D97-AF65-F5344CB8AC3E}">
+        <p14:creationId xmlns:p14="http://schemas.microsoft.com/office/powerpoint/2010/main" val="2736555565"/>
+      </p:ext>
+    </p:extLst>
+  </p:cSld>
+  <p:clrMapOvr>
+    <a:masterClrMapping/>
+  </p:clrMapOvr>
+  <p:timing>
+    <p:tnLst>
+      <p:par>
+        <p:cTn id="1" dur="indefinite" restart="never" nodeType="tmRoot"/>
+      </p:par>
+    </p:tnLst>
+  </p:timing>
+</p:sld>
+</file>
+
+<file path=ppt/slides/slide22.xml><?xml version="1.0" encoding="utf-8"?>
+<p:sld xmlns:a="http://schemas.openxmlformats.org/drawingml/2006/main" xmlns:r="http://schemas.openxmlformats.org/officeDocument/2006/relationships" xmlns:p="http://schemas.openxmlformats.org/presentationml/2006/main">
+  <p:cSld>
+    <p:bg>
+      <p:bgPr>
+        <a:blipFill dpi="0" rotWithShape="1">
+          <a:blip r:embed="rId2">
+            <a:lum/>
+          </a:blip>
+          <a:srcRect/>
+          <a:stretch>
+            <a:fillRect/>
+          </a:stretch>
+        </a:blipFill>
+        <a:effectLst/>
+      </p:bgPr>
+    </p:bg>
+    <p:spTree>
+      <p:nvGrpSpPr>
+        <p:cNvPr id="1" name=""/>
+        <p:cNvGrpSpPr/>
+        <p:nvPr/>
+      </p:nvGrpSpPr>
+      <p:grpSpPr>
+        <a:xfrm>
+          <a:off x="0" y="0"/>
+          <a:ext cx="0" cy="0"/>
+          <a:chOff x="0" y="0"/>
+          <a:chExt cx="0" cy="0"/>
+        </a:xfrm>
+      </p:grpSpPr>
+      <p:sp>
+        <p:nvSpPr>
+          <p:cNvPr id="4" name="Title 3"/>
+          <p:cNvSpPr>
+            <a:spLocks noGrp="1"/>
+          </p:cNvSpPr>
+          <p:nvPr>
+            <p:ph type="title"/>
+          </p:nvPr>
+        </p:nvSpPr>
+        <p:spPr/>
+        <p:txBody>
+          <a:bodyPr/>
+          <a:lstStyle/>
+          <a:p>
+            <a:pPr algn="l"/>
+            <a:r>
+              <a:rPr lang="en-US" dirty="0" smtClean="0"/>
+              <a:t>DNA Replication</a:t>
+            </a:r>
+            <a:endParaRPr lang="en-US" dirty="0"/>
+          </a:p>
+        </p:txBody>
+      </p:sp>
+      <p:pic>
+        <p:nvPicPr>
+          <p:cNvPr id="7" name="Content Placeholder 6"/>
+          <p:cNvPicPr>
+            <a:picLocks noGrp="1" noChangeAspect="1"/>
+          </p:cNvPicPr>
+          <p:nvPr>
+            <p:ph idx="1"/>
+          </p:nvPr>
+        </p:nvPicPr>
+        <p:blipFill>
+          <a:blip r:embed="rId3">
+            <a:extLst>
+              <a:ext uri="{28A0092B-C50C-407E-A947-70E740481C1C}">
+                <a14:useLocalDpi xmlns:a14="http://schemas.microsoft.com/office/drawing/2010/main" val="0"/>
+              </a:ext>
+            </a:extLst>
+          </a:blip>
+          <a:stretch>
+            <a:fillRect/>
+          </a:stretch>
+        </p:blipFill>
+        <p:spPr>
+          <a:xfrm>
+            <a:off x="1828800" y="762000"/>
+            <a:ext cx="6277704" cy="4713199"/>
+          </a:xfrm>
+        </p:spPr>
+      </p:pic>
+      <p:sp>
+        <p:nvSpPr>
+          <p:cNvPr id="8" name="Title 3"/>
+          <p:cNvSpPr txBox="1">
+            <a:spLocks/>
+          </p:cNvSpPr>
+          <p:nvPr/>
+        </p:nvSpPr>
+        <p:spPr>
+          <a:xfrm>
+            <a:off x="1828800" y="5562600"/>
+            <a:ext cx="6871723" cy="763525"/>
+          </a:xfrm>
+          <a:prstGeom prst="rect">
+            <a:avLst/>
+          </a:prstGeom>
+        </p:spPr>
+        <p:txBody>
+          <a:bodyPr vert="horz" lIns="91440" tIns="45720" rIns="91440" bIns="45720" rtlCol="0" anchor="ctr">
+            <a:normAutofit/>
+          </a:bodyPr>
+          <a:lstStyle>
+            <a:lvl1pPr algn="l" defTabSz="914400" rtl="0" eaLnBrk="1" latinLnBrk="0" hangingPunct="1">
+              <a:spcBef>
+                <a:spcPct val="0"/>
+              </a:spcBef>
+              <a:buNone/>
+              <a:defRPr sz="3600" kern="1200">
+                <a:solidFill>
+                  <a:srgbClr val="D68B1C"/>
+                </a:solidFill>
+                <a:latin typeface="+mj-lt"/>
+                <a:ea typeface="+mj-ea"/>
+                <a:cs typeface="+mj-cs"/>
+              </a:defRPr>
+            </a:lvl1pPr>
+          </a:lstStyle>
+          <a:p>
+            <a:r>
+              <a:rPr lang="en-US" smtClean="0"/>
+              <a:t>DNA Structure</a:t>
+            </a:r>
+            <a:endParaRPr lang="en-US" dirty="0"/>
+          </a:p>
+        </p:txBody>
+      </p:sp>
+    </p:spTree>
+    <p:extLst>
+      <p:ext uri="{BB962C8B-B14F-4D97-AF65-F5344CB8AC3E}">
+        <p14:creationId xmlns:p14="http://schemas.microsoft.com/office/powerpoint/2010/main" val="2438774267"/>
+      </p:ext>
+    </p:extLst>
+  </p:cSld>
+  <p:clrMapOvr>
+    <a:masterClrMapping/>
+  </p:clrMapOvr>
+  <p:timing>
+    <p:tnLst>
+      <p:par>
+        <p:cTn id="1" dur="indefinite" restart="never" nodeType="tmRoot"/>
+      </p:par>
+    </p:tnLst>
+  </p:timing>
+</p:sld>
+</file>
+
+<file path=ppt/slides/slide23.xml><?xml version="1.0" encoding="utf-8"?>
+<p:sld xmlns:a="http://schemas.openxmlformats.org/drawingml/2006/main" xmlns:r="http://schemas.openxmlformats.org/officeDocument/2006/relationships" xmlns:p="http://schemas.openxmlformats.org/presentationml/2006/main">
+  <p:cSld>
+    <p:bg>
+      <p:bgPr>
+        <a:blipFill dpi="0" rotWithShape="1">
+          <a:blip r:embed="rId2">
+            <a:lum/>
+          </a:blip>
+          <a:srcRect/>
+          <a:stretch>
+            <a:fillRect/>
+          </a:stretch>
+        </a:blipFill>
+        <a:effectLst/>
+      </p:bgPr>
+    </p:bg>
+    <p:spTree>
+      <p:nvGrpSpPr>
+        <p:cNvPr id="1" name=""/>
+        <p:cNvGrpSpPr/>
+        <p:nvPr/>
+      </p:nvGrpSpPr>
+      <p:grpSpPr>
+        <a:xfrm>
+          <a:off x="0" y="0"/>
+          <a:ext cx="0" cy="0"/>
+          <a:chOff x="0" y="0"/>
+          <a:chExt cx="0" cy="0"/>
+        </a:xfrm>
+      </p:grpSpPr>
+      <p:sp>
+        <p:nvSpPr>
+          <p:cNvPr id="4" name="Title 3"/>
+          <p:cNvSpPr>
+            <a:spLocks noGrp="1"/>
+          </p:cNvSpPr>
+          <p:nvPr>
+            <p:ph type="title"/>
+          </p:nvPr>
+        </p:nvSpPr>
+        <p:spPr>
+          <a:xfrm>
+            <a:off x="1828800" y="5562600"/>
+            <a:ext cx="6871723" cy="763525"/>
+          </a:xfrm>
+        </p:spPr>
+        <p:txBody>
+          <a:bodyPr/>
+          <a:lstStyle/>
+          <a:p>
+            <a:pPr algn="l"/>
+            <a:r>
+              <a:rPr lang="en-US" dirty="0" smtClean="0"/>
+              <a:t>DNA Structure</a:t>
+            </a:r>
+            <a:endParaRPr lang="en-US" dirty="0"/>
+          </a:p>
+        </p:txBody>
+      </p:sp>
+      <p:pic>
+        <p:nvPicPr>
+          <p:cNvPr id="7" name="Content Placeholder 6"/>
+          <p:cNvPicPr>
+            <a:picLocks noGrp="1" noChangeAspect="1"/>
+          </p:cNvPicPr>
+          <p:nvPr>
+            <p:ph idx="1"/>
+          </p:nvPr>
+        </p:nvPicPr>
+        <p:blipFill>
+          <a:blip r:embed="rId3">
+            <a:extLst>
+              <a:ext uri="{28A0092B-C50C-407E-A947-70E740481C1C}">
+                <a14:useLocalDpi xmlns:a14="http://schemas.microsoft.com/office/drawing/2010/main" val="0"/>
+              </a:ext>
+            </a:extLst>
+          </a:blip>
+          <a:stretch>
+            <a:fillRect/>
+          </a:stretch>
+        </p:blipFill>
+        <p:spPr>
+          <a:xfrm>
+            <a:off x="1752600" y="457200"/>
+            <a:ext cx="6356879" cy="5262563"/>
+          </a:xfrm>
+        </p:spPr>
+      </p:pic>
+    </p:spTree>
+    <p:extLst>
+      <p:ext uri="{BB962C8B-B14F-4D97-AF65-F5344CB8AC3E}">
+        <p14:creationId xmlns:p14="http://schemas.microsoft.com/office/powerpoint/2010/main" val="2993699828"/>
+      </p:ext>
+    </p:extLst>
+  </p:cSld>
+  <p:clrMapOvr>
+    <a:masterClrMapping/>
+  </p:clrMapOvr>
+  <p:timing>
+    <p:tnLst>
+      <p:par>
+        <p:cTn id="1" dur="indefinite" restart="never" nodeType="tmRoot"/>
+      </p:par>
+    </p:tnLst>
+  </p:timing>
+</p:sld>
+</file>
+
+<file path=ppt/slides/slide24.xml><?xml version="1.0" encoding="utf-8"?>
+<p:sld xmlns:a="http://schemas.openxmlformats.org/drawingml/2006/main" xmlns:r="http://schemas.openxmlformats.org/officeDocument/2006/relationships" xmlns:p="http://schemas.openxmlformats.org/presentationml/2006/main">
+  <p:cSld>
+    <p:bg>
+      <p:bgPr>
+        <a:blipFill dpi="0" rotWithShape="1">
+          <a:blip r:embed="rId2">
+            <a:lum/>
+          </a:blip>
+          <a:srcRect/>
+          <a:stretch>
+            <a:fillRect/>
+          </a:stretch>
+        </a:blipFill>
+        <a:effectLst/>
+      </p:bgPr>
+    </p:bg>
+    <p:spTree>
+      <p:nvGrpSpPr>
+        <p:cNvPr id="1" name=""/>
+        <p:cNvGrpSpPr/>
+        <p:nvPr/>
+      </p:nvGrpSpPr>
+      <p:grpSpPr>
+        <a:xfrm>
+          <a:off x="0" y="0"/>
+          <a:ext cx="0" cy="0"/>
+          <a:chOff x="0" y="0"/>
+          <a:chExt cx="0" cy="0"/>
+        </a:xfrm>
+      </p:grpSpPr>
+      <p:sp>
+        <p:nvSpPr>
+          <p:cNvPr id="4" name="Title 3"/>
+          <p:cNvSpPr>
+            <a:spLocks noGrp="1"/>
+          </p:cNvSpPr>
+          <p:nvPr>
+            <p:ph type="title"/>
+          </p:nvPr>
+        </p:nvSpPr>
+        <p:spPr/>
+        <p:txBody>
+          <a:bodyPr/>
+          <a:lstStyle/>
+          <a:p>
+            <a:pPr algn="l"/>
+            <a:r>
+              <a:rPr lang="en-US" dirty="0" smtClean="0"/>
+              <a:t>Slide Title</a:t>
+            </a:r>
+            <a:endParaRPr lang="en-US" dirty="0"/>
+          </a:p>
+        </p:txBody>
+      </p:sp>
+      <p:sp>
+        <p:nvSpPr>
+          <p:cNvPr id="5" name="Content Placeholder 4"/>
+          <p:cNvSpPr>
+            <a:spLocks noGrp="1"/>
+          </p:cNvSpPr>
+          <p:nvPr>
+            <p:ph idx="1"/>
+          </p:nvPr>
+        </p:nvSpPr>
+        <p:spPr/>
+        <p:txBody>
+          <a:bodyPr/>
+          <a:lstStyle/>
+          <a:p>
+            <a:r>
+              <a:rPr lang="en-US" smtClean="0"/>
+              <a:t>Make Effective Presentations</a:t>
+            </a:r>
+          </a:p>
+          <a:p>
+            <a:r>
+              <a:rPr lang="en-US" smtClean="0"/>
+              <a:t>Using Awesome Backgrounds</a:t>
+            </a:r>
+          </a:p>
+          <a:p>
+            <a:r>
+              <a:rPr lang="en-US" smtClean="0"/>
+              <a:t>Engage your Audience</a:t>
+            </a:r>
+          </a:p>
+          <a:p>
+            <a:r>
+              <a:rPr lang="en-US" smtClean="0"/>
+              <a:t>Capture Audience Attention</a:t>
+            </a:r>
+          </a:p>
+        </p:txBody>
+      </p:sp>
+    </p:spTree>
+    <p:extLst>
+      <p:ext uri="{BB962C8B-B14F-4D97-AF65-F5344CB8AC3E}">
+        <p14:creationId xmlns:p14="http://schemas.microsoft.com/office/powerpoint/2010/main" val="3038837125"/>
+      </p:ext>
+    </p:extLst>
+  </p:cSld>
+  <p:clrMapOvr>
+    <a:masterClrMapping/>
+  </p:clrMapOvr>
+</p:sld>
+</file>
+
+<file path=ppt/slides/slide25.xml><?xml version="1.0" encoding="utf-8"?>
+<p:sld xmlns:a="http://schemas.openxmlformats.org/drawingml/2006/main" xmlns:r="http://schemas.openxmlformats.org/officeDocument/2006/relationships" xmlns:p="http://schemas.openxmlformats.org/presentationml/2006/main">
+  <p:cSld>
+    <p:bg>
+      <p:bgPr>
+        <a:blipFill dpi="0" rotWithShape="1">
+          <a:blip r:embed="rId2">
+            <a:lum/>
+          </a:blip>
+          <a:srcRect/>
+          <a:stretch>
+            <a:fillRect/>
+          </a:stretch>
+        </a:blipFill>
+        <a:effectLst/>
+      </p:bgPr>
+    </p:bg>
+    <p:spTree>
+      <p:nvGrpSpPr>
+        <p:cNvPr id="1" name=""/>
+        <p:cNvGrpSpPr/>
+        <p:nvPr/>
+      </p:nvGrpSpPr>
+      <p:grpSpPr>
+        <a:xfrm>
+          <a:off x="0" y="0"/>
+          <a:ext cx="0" cy="0"/>
+          <a:chOff x="0" y="0"/>
+          <a:chExt cx="0" cy="0"/>
+        </a:xfrm>
+      </p:grpSpPr>
+      <p:sp>
+        <p:nvSpPr>
+          <p:cNvPr id="4" name="Title 3"/>
+          <p:cNvSpPr>
+            <a:spLocks noGrp="1"/>
+          </p:cNvSpPr>
+          <p:nvPr>
+            <p:ph type="title"/>
+          </p:nvPr>
+        </p:nvSpPr>
+        <p:spPr/>
+        <p:txBody>
+          <a:bodyPr/>
+          <a:lstStyle/>
+          <a:p>
+            <a:pPr algn="l"/>
+            <a:r>
+              <a:rPr lang="en-US" dirty="0" smtClean="0"/>
+              <a:t>Slide Title</a:t>
+            </a:r>
+            <a:endParaRPr lang="en-US" dirty="0"/>
+          </a:p>
+        </p:txBody>
+      </p:sp>
+      <p:pic>
+        <p:nvPicPr>
+          <p:cNvPr id="1026" name="Picture 2" descr="https://dnaexplained.files.wordpress.com/2012/10/y-and-mito.jpg"/>
+          <p:cNvPicPr>
+            <a:picLocks noChangeAspect="1" noChangeArrowheads="1"/>
+          </p:cNvPicPr>
+          <p:nvPr/>
+        </p:nvPicPr>
+        <p:blipFill>
+          <a:blip r:embed="rId3">
+            <a:extLst>
+              <a:ext uri="{28A0092B-C50C-407E-A947-70E740481C1C}">
+                <a14:useLocalDpi xmlns:a14="http://schemas.microsoft.com/office/drawing/2010/main" val="0"/>
+              </a:ext>
+            </a:extLst>
+          </a:blip>
+          <a:srcRect/>
+          <a:stretch>
+            <a:fillRect/>
+          </a:stretch>
+        </p:blipFill>
+        <p:spPr bwMode="auto">
+          <a:xfrm>
+            <a:off x="1981200" y="2286000"/>
+            <a:ext cx="6191250" cy="2933701"/>
+          </a:xfrm>
+          <a:prstGeom prst="rect">
+            <a:avLst/>
+          </a:prstGeom>
+          <a:noFill/>
+          <a:extLst>
+            <a:ext uri="{909E8E84-426E-40DD-AFC4-6F175D3DCCD1}">
+              <a14:hiddenFill xmlns:a14="http://schemas.microsoft.com/office/drawing/2010/main">
+                <a:solidFill>
+                  <a:srgbClr val="FFFFFF"/>
+                </a:solidFill>
+              </a14:hiddenFill>
+            </a:ext>
+          </a:extLst>
+        </p:spPr>
+      </p:pic>
+    </p:spTree>
+    <p:extLst>
+      <p:ext uri="{BB962C8B-B14F-4D97-AF65-F5344CB8AC3E}">
+        <p14:creationId xmlns:p14="http://schemas.microsoft.com/office/powerpoint/2010/main" val="500311926"/>
+      </p:ext>
+    </p:extLst>
+  </p:cSld>
+  <p:clrMapOvr>
+    <a:masterClrMapping/>
+  </p:clrMapOvr>
+  <p:timing>
+    <p:tnLst>
+      <p:par>
+        <p:cTn id="1" dur="indefinite" restart="never" nodeType="tmRoot"/>
+      </p:par>
+    </p:tnLst>
+  </p:timing>
+</p:sld>
+</file>
+
+<file path=ppt/slides/slide26.xml><?xml version="1.0" encoding="utf-8"?>
+<p:sld xmlns:a="http://schemas.openxmlformats.org/drawingml/2006/main" xmlns:r="http://schemas.openxmlformats.org/officeDocument/2006/relationships" xmlns:p="http://schemas.openxmlformats.org/presentationml/2006/main">
+  <p:cSld>
+    <p:bg>
+      <p:bgPr>
+        <a:blipFill dpi="0" rotWithShape="1">
+          <a:blip r:embed="rId2">
+            <a:lum/>
+          </a:blip>
+          <a:srcRect/>
+          <a:stretch>
+            <a:fillRect/>
+          </a:stretch>
+        </a:blipFill>
+        <a:effectLst/>
+      </p:bgPr>
+    </p:bg>
+    <p:spTree>
+      <p:nvGrpSpPr>
+        <p:cNvPr id="1" name=""/>
+        <p:cNvGrpSpPr/>
+        <p:nvPr/>
+      </p:nvGrpSpPr>
+      <p:grpSpPr>
+        <a:xfrm>
+          <a:off x="0" y="0"/>
+          <a:ext cx="0" cy="0"/>
+          <a:chOff x="0" y="0"/>
+          <a:chExt cx="0" cy="0"/>
+        </a:xfrm>
+      </p:grpSpPr>
+      <p:sp>
+        <p:nvSpPr>
+          <p:cNvPr id="4" name="Title 3"/>
+          <p:cNvSpPr>
+            <a:spLocks noGrp="1"/>
+          </p:cNvSpPr>
+          <p:nvPr>
+            <p:ph type="title"/>
+          </p:nvPr>
+        </p:nvSpPr>
+        <p:spPr/>
+        <p:txBody>
+          <a:bodyPr/>
+          <a:lstStyle/>
+          <a:p>
+            <a:pPr algn="l"/>
+            <a:r>
+              <a:rPr lang="en-US" dirty="0" smtClean="0"/>
+              <a:t>Site Mapping</a:t>
+            </a:r>
+            <a:endParaRPr lang="en-US" dirty="0"/>
+          </a:p>
+        </p:txBody>
+      </p:sp>
+      <p:sp>
+        <p:nvSpPr>
+          <p:cNvPr id="8" name="Title 3"/>
+          <p:cNvSpPr txBox="1">
+            <a:spLocks/>
+          </p:cNvSpPr>
+          <p:nvPr/>
+        </p:nvSpPr>
+        <p:spPr>
+          <a:xfrm>
+            <a:off x="1828800" y="5562600"/>
+            <a:ext cx="6871723" cy="763525"/>
+          </a:xfrm>
+          <a:prstGeom prst="rect">
+            <a:avLst/>
+          </a:prstGeom>
+        </p:spPr>
+        <p:txBody>
+          <a:bodyPr vert="horz" lIns="91440" tIns="45720" rIns="91440" bIns="45720" rtlCol="0" anchor="ctr">
+            <a:normAutofit/>
+          </a:bodyPr>
+          <a:lstStyle>
+            <a:lvl1pPr algn="l" defTabSz="914400" rtl="0" eaLnBrk="1" latinLnBrk="0" hangingPunct="1">
+              <a:spcBef>
+                <a:spcPct val="0"/>
+              </a:spcBef>
+              <a:buNone/>
+              <a:defRPr sz="3600" kern="1200">
+                <a:solidFill>
+                  <a:srgbClr val="D68B1C"/>
+                </a:solidFill>
+                <a:latin typeface="+mj-lt"/>
+                <a:ea typeface="+mj-ea"/>
+                <a:cs typeface="+mj-cs"/>
+              </a:defRPr>
+            </a:lvl1pPr>
+          </a:lstStyle>
+          <a:p>
+            <a:r>
+              <a:rPr lang="en-US" smtClean="0"/>
+              <a:t>DNA Structure</a:t>
+            </a:r>
+            <a:endParaRPr lang="en-US" dirty="0"/>
+          </a:p>
+        </p:txBody>
+      </p:sp>
+      <p:pic>
+        <p:nvPicPr>
+          <p:cNvPr id="12" name="Content Placeholder 11"/>
+          <p:cNvPicPr>
+            <a:picLocks noGrp="1" noChangeAspect="1"/>
+          </p:cNvPicPr>
+          <p:nvPr>
+            <p:ph idx="1"/>
+          </p:nvPr>
+        </p:nvPicPr>
+        <p:blipFill>
+          <a:blip r:embed="rId3">
+            <a:extLst>
+              <a:ext uri="{28A0092B-C50C-407E-A947-70E740481C1C}">
+                <a14:useLocalDpi xmlns:a14="http://schemas.microsoft.com/office/drawing/2010/main" val="0"/>
+              </a:ext>
+            </a:extLst>
+          </a:blip>
+          <a:stretch>
+            <a:fillRect/>
+          </a:stretch>
+        </p:blipFill>
+        <p:spPr>
+          <a:xfrm>
+            <a:off x="1828799" y="1295400"/>
+            <a:ext cx="6871723" cy="4267200"/>
+          </a:xfrm>
+        </p:spPr>
+      </p:pic>
+    </p:spTree>
+    <p:extLst>
+      <p:ext uri="{BB962C8B-B14F-4D97-AF65-F5344CB8AC3E}">
+        <p14:creationId xmlns:p14="http://schemas.microsoft.com/office/powerpoint/2010/main" val="1958442715"/>
+      </p:ext>
+    </p:extLst>
+  </p:cSld>
+  <p:clrMapOvr>
+    <a:masterClrMapping/>
+  </p:clrMapOvr>
+  <p:timing>
+    <p:tnLst>
+      <p:par>
+        <p:cTn id="1" dur="indefinite" restart="never" nodeType="tmRoot"/>
+      </p:par>
+    </p:tnLst>
+  </p:timing>
+</p:sld>
+</file>
+
+<file path=ppt/slides/slide27.xml><?xml version="1.0" encoding="utf-8"?>
+<p:sld xmlns:a="http://schemas.openxmlformats.org/drawingml/2006/main" xmlns:r="http://schemas.openxmlformats.org/officeDocument/2006/relationships" xmlns:p="http://schemas.openxmlformats.org/presentationml/2006/main">
+  <p:cSld>
+    <p:bg>
+      <p:bgPr>
+        <a:blipFill dpi="0" rotWithShape="1">
+          <a:blip r:embed="rId2">
+            <a:lum/>
+          </a:blip>
+          <a:srcRect/>
+          <a:stretch>
+            <a:fillRect/>
+          </a:stretch>
+        </a:blipFill>
+        <a:effectLst/>
+      </p:bgPr>
+    </p:bg>
+    <p:spTree>
+      <p:nvGrpSpPr>
+        <p:cNvPr id="1" name=""/>
+        <p:cNvGrpSpPr/>
+        <p:nvPr/>
+      </p:nvGrpSpPr>
+      <p:grpSpPr>
+        <a:xfrm>
+          <a:off x="0" y="0"/>
+          <a:ext cx="0" cy="0"/>
+          <a:chOff x="0" y="0"/>
+          <a:chExt cx="0" cy="0"/>
+        </a:xfrm>
+      </p:grpSpPr>
+      <p:sp>
+        <p:nvSpPr>
+          <p:cNvPr id="2" name="Title 1"/>
+          <p:cNvSpPr>
+            <a:spLocks noGrp="1"/>
+          </p:cNvSpPr>
+          <p:nvPr>
+            <p:ph type="title"/>
+          </p:nvPr>
+        </p:nvSpPr>
+        <p:spPr/>
+        <p:txBody>
+          <a:bodyPr>
+            <a:normAutofit fontScale="90000"/>
+          </a:bodyPr>
+          <a:lstStyle/>
+          <a:p>
+            <a:r>
+              <a:rPr lang="en-US" dirty="0" smtClean="0"/>
+              <a:t>Slide Title</a:t>
+            </a:r>
+            <a:endParaRPr lang="en-US" dirty="0"/>
+          </a:p>
+        </p:txBody>
+      </p:sp>
+      <p:sp>
+        <p:nvSpPr>
+          <p:cNvPr id="3" name="Content Placeholder 2"/>
+          <p:cNvSpPr>
+            <a:spLocks noGrp="1"/>
+          </p:cNvSpPr>
+          <p:nvPr>
+            <p:ph idx="1"/>
+          </p:nvPr>
+        </p:nvSpPr>
+        <p:spPr/>
+        <p:txBody>
+          <a:bodyPr/>
+          <a:lstStyle/>
+          <a:p>
+            <a:r>
+              <a:rPr lang="en-US" dirty="0" smtClean="0"/>
+              <a:t>Make Effective Presentations</a:t>
+            </a:r>
+          </a:p>
+          <a:p>
+            <a:r>
+              <a:rPr lang="en-US" dirty="0" smtClean="0"/>
+              <a:t>Using Awesome Backgrounds</a:t>
+            </a:r>
+          </a:p>
+          <a:p>
+            <a:r>
+              <a:rPr lang="en-US" dirty="0" smtClean="0"/>
+              <a:t>Engage your Audience</a:t>
+            </a:r>
+          </a:p>
+          <a:p>
+            <a:r>
+              <a:rPr lang="en-US" dirty="0" smtClean="0"/>
+              <a:t>Capture Audience Attention</a:t>
+            </a:r>
+          </a:p>
+          <a:p>
+            <a:endParaRPr lang="en-US" dirty="0" smtClean="0"/>
+          </a:p>
+          <a:p>
+            <a:endParaRPr lang="en-US" dirty="0"/>
+          </a:p>
+        </p:txBody>
+      </p:sp>
+    </p:spTree>
+    <p:extLst>
+      <p:ext uri="{BB962C8B-B14F-4D97-AF65-F5344CB8AC3E}">
+        <p14:creationId xmlns:p14="http://schemas.microsoft.com/office/powerpoint/2010/main" val="798760739"/>
+      </p:ext>
+    </p:extLst>
+  </p:cSld>
+  <p:clrMapOvr>
+    <a:masterClrMapping/>
+  </p:clrMapOvr>
+  <p:timing>
+    <p:tnLst>
+      <p:par>
+        <p:cTn id="1" dur="indefinite" restart="never" nodeType="tmRoot"/>
+      </p:par>
+    </p:tnLst>
+  </p:timing>
+</p:sld>
+</file>
+
+<file path=ppt/slides/slide28.xml><?xml version="1.0" encoding="utf-8"?>
+<p:sld xmlns:a="http://schemas.openxmlformats.org/drawingml/2006/main" xmlns:r="http://schemas.openxmlformats.org/officeDocument/2006/relationships" xmlns:p="http://schemas.openxmlformats.org/presentationml/2006/main">
+  <p:cSld>
+    <p:bg>
+      <p:bgPr>
+        <a:blipFill dpi="0" rotWithShape="1">
+          <a:blip r:embed="rId2">
+            <a:lum/>
+          </a:blip>
+          <a:srcRect/>
+          <a:stretch>
+            <a:fillRect/>
+          </a:stretch>
+        </a:blipFill>
+        <a:effectLst/>
+      </p:bgPr>
+    </p:bg>
+    <p:spTree>
+      <p:nvGrpSpPr>
+        <p:cNvPr id="1" name=""/>
+        <p:cNvGrpSpPr/>
+        <p:nvPr/>
+      </p:nvGrpSpPr>
+      <p:grpSpPr>
+        <a:xfrm>
+          <a:off x="0" y="0"/>
+          <a:ext cx="0" cy="0"/>
+          <a:chOff x="0" y="0"/>
+          <a:chExt cx="0" cy="0"/>
+        </a:xfrm>
+      </p:grpSpPr>
+      <p:sp>
+        <p:nvSpPr>
+          <p:cNvPr id="9" name="Title 8"/>
+          <p:cNvSpPr>
+            <a:spLocks noGrp="1"/>
+          </p:cNvSpPr>
+          <p:nvPr>
+            <p:ph type="title"/>
+          </p:nvPr>
+        </p:nvSpPr>
+        <p:spPr/>
+        <p:txBody>
+          <a:bodyPr>
+            <a:normAutofit fontScale="90000"/>
+          </a:bodyPr>
+          <a:lstStyle/>
+          <a:p>
+            <a:r>
+              <a:rPr lang="en-US" dirty="0" smtClean="0"/>
+              <a:t>Our Next Mapping</a:t>
+            </a:r>
+            <a:endParaRPr lang="en-US" dirty="0"/>
+          </a:p>
+        </p:txBody>
+      </p:sp>
+      <p:sp>
+        <p:nvSpPr>
+          <p:cNvPr id="10" name="Text Placeholder 9"/>
+          <p:cNvSpPr>
+            <a:spLocks noGrp="1"/>
+          </p:cNvSpPr>
+          <p:nvPr>
+            <p:ph type="body" idx="1"/>
+          </p:nvPr>
+        </p:nvSpPr>
+        <p:spPr/>
+        <p:txBody>
+          <a:bodyPr/>
+          <a:lstStyle/>
+          <a:p>
+            <a:r>
+              <a:rPr lang="en-US" dirty="0" smtClean="0"/>
+              <a:t>Mapping Group</a:t>
+            </a:r>
+            <a:endParaRPr lang="en-US" dirty="0"/>
+          </a:p>
+        </p:txBody>
+      </p:sp>
+      <p:sp>
+        <p:nvSpPr>
+          <p:cNvPr id="12" name="Text Placeholder 11"/>
+          <p:cNvSpPr>
+            <a:spLocks noGrp="1"/>
+          </p:cNvSpPr>
+          <p:nvPr>
+            <p:ph type="body" sz="quarter" idx="3"/>
+          </p:nvPr>
+        </p:nvSpPr>
+        <p:spPr/>
+        <p:txBody>
+          <a:bodyPr/>
+          <a:lstStyle/>
+          <a:p>
+            <a:r>
+              <a:rPr lang="en-US" dirty="0" smtClean="0"/>
+              <a:t>Mapping Relationship</a:t>
+            </a:r>
+            <a:endParaRPr lang="en-US" dirty="0"/>
+          </a:p>
+        </p:txBody>
+      </p:sp>
+      <p:pic>
+        <p:nvPicPr>
+          <p:cNvPr id="14" name="Picture 2" descr="http://www.christysstitches.com/images/image017.gif"/>
+          <p:cNvPicPr>
+            <a:picLocks noGrp="1" noChangeAspect="1" noChangeArrowheads="1"/>
+          </p:cNvPicPr>
+          <p:nvPr>
+            <p:ph sz="quarter" idx="4"/>
+          </p:nvPr>
+        </p:nvPicPr>
+        <p:blipFill>
+          <a:blip r:embed="rId3">
+            <a:extLst>
+              <a:ext uri="{28A0092B-C50C-407E-A947-70E740481C1C}">
+                <a14:useLocalDpi xmlns:a14="http://schemas.microsoft.com/office/drawing/2010/main" val="0"/>
+              </a:ext>
+            </a:extLst>
+          </a:blip>
+          <a:srcRect/>
+          <a:stretch>
+            <a:fillRect/>
+          </a:stretch>
+        </p:blipFill>
+        <p:spPr bwMode="auto">
+          <a:xfrm>
+            <a:off x="4800600" y="2970213"/>
+            <a:ext cx="3810000" cy="3035300"/>
+          </a:xfrm>
+          <a:prstGeom prst="rect">
+            <a:avLst/>
+          </a:prstGeom>
+          <a:noFill/>
+          <a:extLst>
+            <a:ext uri="{909E8E84-426E-40DD-AFC4-6F175D3DCCD1}">
+              <a14:hiddenFill xmlns:a14="http://schemas.microsoft.com/office/drawing/2010/main">
+                <a:solidFill>
+                  <a:srgbClr val="FFFFFF"/>
+                </a:solidFill>
+              </a14:hiddenFill>
+            </a:ext>
+          </a:extLst>
+        </p:spPr>
+      </p:pic>
+      <p:pic>
+        <p:nvPicPr>
+          <p:cNvPr id="15" name="Picture 2"/>
+          <p:cNvPicPr>
+            <a:picLocks noGrp="1" noChangeAspect="1" noChangeArrowheads="1"/>
+          </p:cNvPicPr>
+          <p:nvPr>
+            <p:ph sz="half" idx="2"/>
+          </p:nvPr>
+        </p:nvPicPr>
+        <p:blipFill>
+          <a:blip r:embed="rId4">
+            <a:extLst>
+              <a:ext uri="{28A0092B-C50C-407E-A947-70E740481C1C}">
+                <a14:useLocalDpi xmlns:a14="http://schemas.microsoft.com/office/drawing/2010/main" val="0"/>
+              </a:ext>
+            </a:extLst>
+          </a:blip>
+          <a:srcRect/>
+          <a:stretch>
+            <a:fillRect/>
+          </a:stretch>
+        </p:blipFill>
+        <p:spPr bwMode="auto">
+          <a:xfrm>
+            <a:off x="969769" y="2970213"/>
+            <a:ext cx="3303974" cy="3035300"/>
+          </a:xfrm>
+          <a:prstGeom prst="rect">
+            <a:avLst/>
+          </a:prstGeom>
+          <a:noFill/>
+          <a:ln>
+            <a:noFill/>
+          </a:ln>
+          <a:extLst>
+            <a:ext uri="{909E8E84-426E-40DD-AFC4-6F175D3DCCD1}">
+              <a14:hiddenFill xmlns:a14="http://schemas.microsoft.com/office/drawing/2010/main">
+                <a:solidFill>
+                  <a:schemeClr val="accent1"/>
+                </a:solidFill>
+              </a14:hiddenFill>
+            </a:ext>
+            <a:ext uri="{91240B29-F687-4F45-9708-019B960494DF}">
+              <a14:hiddenLine xmlns:a14="http://schemas.microsoft.com/office/drawing/2010/main" w="9525">
+                <a:solidFill>
+                  <a:schemeClr val="tx1"/>
+                </a:solidFill>
+                <a:miter lim="800000"/>
+                <a:headEnd/>
+                <a:tailEnd/>
+              </a14:hiddenLine>
+            </a:ext>
+          </a:extLst>
+        </p:spPr>
+      </p:pic>
+    </p:spTree>
+    <p:extLst>
+      <p:ext uri="{BB962C8B-B14F-4D97-AF65-F5344CB8AC3E}">
+        <p14:creationId xmlns:p14="http://schemas.microsoft.com/office/powerpoint/2010/main" val="1324860436"/>
+      </p:ext>
+    </p:extLst>
+  </p:cSld>
+  <p:clrMapOvr>
+    <a:masterClrMapping/>
+  </p:clrMapOvr>
+  <p:timing>
+    <p:tnLst>
+      <p:par>
+        <p:cTn id="1" dur="indefinite" restart="never" nodeType="tmRoot"/>
+      </p:par>
+    </p:tnLst>
+  </p:timing>
 </p:sld>
 </file>
 
@@ -3732,68 +7291,782 @@
             <a:pPr algn="l"/>
             <a:r>
               <a:rPr lang="en-US" dirty="0" smtClean="0"/>
-              <a:t>Slide Title</a:t>
+              <a:t>Mapping Ideas</a:t>
             </a:r>
             <a:endParaRPr lang="en-US" dirty="0"/>
           </a:p>
         </p:txBody>
       </p:sp>
-      <p:sp>
-        <p:nvSpPr>
-          <p:cNvPr id="5" name="Content Placeholder 4"/>
-          <p:cNvSpPr>
-            <a:spLocks noGrp="1"/>
-          </p:cNvSpPr>
+      <p:pic>
+        <p:nvPicPr>
+          <p:cNvPr id="6" name="Content Placeholder 5"/>
+          <p:cNvPicPr>
+            <a:picLocks noGrp="1" noChangeAspect="1"/>
+          </p:cNvPicPr>
           <p:nvPr>
             <p:ph idx="1"/>
           </p:nvPr>
-        </p:nvSpPr>
-        <p:spPr/>
+        </p:nvPicPr>
+        <p:blipFill>
+          <a:blip r:embed="rId3">
+            <a:extLst>
+              <a:ext uri="{28A0092B-C50C-407E-A947-70E740481C1C}">
+                <a14:useLocalDpi xmlns:a14="http://schemas.microsoft.com/office/drawing/2010/main" val="0"/>
+              </a:ext>
+            </a:extLst>
+          </a:blip>
+          <a:stretch>
+            <a:fillRect/>
+          </a:stretch>
+        </p:blipFill>
+        <p:spPr>
+          <a:xfrm>
+            <a:off x="1600200" y="1329998"/>
+            <a:ext cx="4557716" cy="4275138"/>
+          </a:xfrm>
+        </p:spPr>
+      </p:pic>
+      <p:sp>
+        <p:nvSpPr>
+          <p:cNvPr id="7" name="Text Placeholder 4"/>
+          <p:cNvSpPr txBox="1">
+            <a:spLocks/>
+          </p:cNvSpPr>
+          <p:nvPr/>
+        </p:nvSpPr>
+        <p:spPr>
+          <a:xfrm>
+            <a:off x="5979009" y="1591968"/>
+            <a:ext cx="3012591" cy="319881"/>
+          </a:xfrm>
+          <a:prstGeom prst="rect">
+            <a:avLst/>
+          </a:prstGeom>
+        </p:spPr>
+        <p:txBody>
+          <a:bodyPr vert="horz" lIns="91440" tIns="45720" rIns="91440" bIns="45720" rtlCol="0">
+            <a:normAutofit fontScale="92500" lnSpcReduction="20000"/>
+          </a:bodyPr>
+          <a:lstStyle>
+            <a:lvl1pPr marL="342900" indent="-342900" algn="l" defTabSz="914400" rtl="0" eaLnBrk="1" latinLnBrk="0" hangingPunct="1">
+              <a:spcBef>
+                <a:spcPct val="20000"/>
+              </a:spcBef>
+              <a:buFont typeface="Arial" pitchFamily="34" charset="0"/>
+              <a:buChar char="•"/>
+              <a:defRPr sz="2800" kern="1200">
+                <a:solidFill>
+                  <a:schemeClr val="tx1"/>
+                </a:solidFill>
+                <a:latin typeface="+mn-lt"/>
+                <a:ea typeface="+mn-ea"/>
+                <a:cs typeface="+mn-cs"/>
+              </a:defRPr>
+            </a:lvl1pPr>
+            <a:lvl2pPr marL="742950" indent="-285750" algn="l" defTabSz="914400" rtl="0" eaLnBrk="1" latinLnBrk="0" hangingPunct="1">
+              <a:spcBef>
+                <a:spcPct val="20000"/>
+              </a:spcBef>
+              <a:buFont typeface="Arial" pitchFamily="34" charset="0"/>
+              <a:buChar char="–"/>
+              <a:defRPr sz="2800" kern="1200">
+                <a:solidFill>
+                  <a:schemeClr val="tx1"/>
+                </a:solidFill>
+                <a:latin typeface="+mn-lt"/>
+                <a:ea typeface="+mn-ea"/>
+                <a:cs typeface="+mn-cs"/>
+              </a:defRPr>
+            </a:lvl2pPr>
+            <a:lvl3pPr marL="1143000" indent="-228600" algn="l" defTabSz="914400" rtl="0" eaLnBrk="1" latinLnBrk="0" hangingPunct="1">
+              <a:spcBef>
+                <a:spcPct val="20000"/>
+              </a:spcBef>
+              <a:buFont typeface="Arial" pitchFamily="34" charset="0"/>
+              <a:buChar char="•"/>
+              <a:defRPr sz="2400" kern="1200">
+                <a:solidFill>
+                  <a:schemeClr val="tx1"/>
+                </a:solidFill>
+                <a:latin typeface="+mn-lt"/>
+                <a:ea typeface="+mn-ea"/>
+                <a:cs typeface="+mn-cs"/>
+              </a:defRPr>
+            </a:lvl3pPr>
+            <a:lvl4pPr marL="1600200" indent="-228600" algn="l" defTabSz="914400" rtl="0" eaLnBrk="1" latinLnBrk="0" hangingPunct="1">
+              <a:spcBef>
+                <a:spcPct val="20000"/>
+              </a:spcBef>
+              <a:buFont typeface="Arial" pitchFamily="34" charset="0"/>
+              <a:buChar char="–"/>
+              <a:defRPr sz="2000" kern="1200">
+                <a:solidFill>
+                  <a:schemeClr val="tx1"/>
+                </a:solidFill>
+                <a:latin typeface="+mn-lt"/>
+                <a:ea typeface="+mn-ea"/>
+                <a:cs typeface="+mn-cs"/>
+              </a:defRPr>
+            </a:lvl4pPr>
+            <a:lvl5pPr marL="2057400" indent="-228600" algn="l" defTabSz="914400" rtl="0" eaLnBrk="1" latinLnBrk="0" hangingPunct="1">
+              <a:spcBef>
+                <a:spcPct val="20000"/>
+              </a:spcBef>
+              <a:buFont typeface="Arial" pitchFamily="34" charset="0"/>
+              <a:buChar char="»"/>
+              <a:defRPr sz="2000" kern="1200">
+                <a:solidFill>
+                  <a:schemeClr val="tx1"/>
+                </a:solidFill>
+                <a:latin typeface="+mn-lt"/>
+                <a:ea typeface="+mn-ea"/>
+                <a:cs typeface="+mn-cs"/>
+              </a:defRPr>
+            </a:lvl5pPr>
+            <a:lvl6pPr marL="2514600" indent="-228600" algn="l" defTabSz="914400" rtl="0" eaLnBrk="1" latinLnBrk="0" hangingPunct="1">
+              <a:spcBef>
+                <a:spcPct val="20000"/>
+              </a:spcBef>
+              <a:buFont typeface="Arial" pitchFamily="34" charset="0"/>
+              <a:buChar char="•"/>
+              <a:defRPr sz="2000" kern="1200">
+                <a:solidFill>
+                  <a:schemeClr val="tx1"/>
+                </a:solidFill>
+                <a:latin typeface="+mn-lt"/>
+                <a:ea typeface="+mn-ea"/>
+                <a:cs typeface="+mn-cs"/>
+              </a:defRPr>
+            </a:lvl6pPr>
+            <a:lvl7pPr marL="2971800" indent="-228600" algn="l" defTabSz="914400" rtl="0" eaLnBrk="1" latinLnBrk="0" hangingPunct="1">
+              <a:spcBef>
+                <a:spcPct val="20000"/>
+              </a:spcBef>
+              <a:buFont typeface="Arial" pitchFamily="34" charset="0"/>
+              <a:buChar char="•"/>
+              <a:defRPr sz="2000" kern="1200">
+                <a:solidFill>
+                  <a:schemeClr val="tx1"/>
+                </a:solidFill>
+                <a:latin typeface="+mn-lt"/>
+                <a:ea typeface="+mn-ea"/>
+                <a:cs typeface="+mn-cs"/>
+              </a:defRPr>
+            </a:lvl7pPr>
+            <a:lvl8pPr marL="3429000" indent="-228600" algn="l" defTabSz="914400" rtl="0" eaLnBrk="1" latinLnBrk="0" hangingPunct="1">
+              <a:spcBef>
+                <a:spcPct val="20000"/>
+              </a:spcBef>
+              <a:buFont typeface="Arial" pitchFamily="34" charset="0"/>
+              <a:buChar char="•"/>
+              <a:defRPr sz="2000" kern="1200">
+                <a:solidFill>
+                  <a:schemeClr val="tx1"/>
+                </a:solidFill>
+                <a:latin typeface="+mn-lt"/>
+                <a:ea typeface="+mn-ea"/>
+                <a:cs typeface="+mn-cs"/>
+              </a:defRPr>
+            </a:lvl8pPr>
+            <a:lvl9pPr marL="3886200" indent="-228600" algn="l" defTabSz="914400" rtl="0" eaLnBrk="1" latinLnBrk="0" hangingPunct="1">
+              <a:spcBef>
+                <a:spcPct val="20000"/>
+              </a:spcBef>
+              <a:buFont typeface="Arial" pitchFamily="34" charset="0"/>
+              <a:buChar char="•"/>
+              <a:defRPr sz="2000" kern="1200">
+                <a:solidFill>
+                  <a:schemeClr val="tx1"/>
+                </a:solidFill>
+                <a:latin typeface="+mn-lt"/>
+                <a:ea typeface="+mn-ea"/>
+                <a:cs typeface="+mn-cs"/>
+              </a:defRPr>
+            </a:lvl9pPr>
+          </a:lstStyle>
+          <a:p>
+            <a:pPr marL="0" indent="0">
+              <a:buNone/>
+            </a:pPr>
+            <a:r>
+              <a:rPr lang="en-US" sz="1800" b="1" dirty="0" smtClean="0"/>
+              <a:t>Our Concept on Ideas</a:t>
+            </a:r>
+            <a:endParaRPr lang="en-US" sz="1800" b="1" dirty="0"/>
+          </a:p>
+        </p:txBody>
+      </p:sp>
+      <p:sp>
+        <p:nvSpPr>
+          <p:cNvPr id="8" name="Content Placeholder 5"/>
+          <p:cNvSpPr txBox="1">
+            <a:spLocks/>
+          </p:cNvSpPr>
+          <p:nvPr/>
+        </p:nvSpPr>
+        <p:spPr>
+          <a:xfrm>
+            <a:off x="5979009" y="1950038"/>
+            <a:ext cx="2892120" cy="1517529"/>
+          </a:xfrm>
+          <a:prstGeom prst="rect">
+            <a:avLst/>
+          </a:prstGeom>
+        </p:spPr>
         <p:txBody>
           <a:bodyPr/>
-          <a:lstStyle/>
-          <a:p>
-            <a:r>
-              <a:rPr lang="en-US" smtClean="0"/>
-              <a:t>Make Effective Presentations</a:t>
-            </a:r>
-          </a:p>
-          <a:p>
-            <a:r>
-              <a:rPr lang="en-US" smtClean="0"/>
-              <a:t>Using Awesome Backgrounds</a:t>
-            </a:r>
-          </a:p>
-          <a:p>
-            <a:r>
-              <a:rPr lang="en-US" smtClean="0"/>
-              <a:t>Engage your Audience</a:t>
-            </a:r>
-          </a:p>
-          <a:p>
-            <a:r>
-              <a:rPr lang="en-US" smtClean="0"/>
-              <a:t>Capture Audience Attention</a:t>
-            </a:r>
+          <a:lstStyle>
+            <a:lvl1pPr marL="342900" indent="-342900" algn="l" defTabSz="914400" rtl="0" eaLnBrk="1" latinLnBrk="0" hangingPunct="1">
+              <a:spcBef>
+                <a:spcPct val="20000"/>
+              </a:spcBef>
+              <a:buFont typeface="Arial" pitchFamily="34" charset="0"/>
+              <a:buChar char="•"/>
+              <a:defRPr sz="3200" kern="1200">
+                <a:solidFill>
+                  <a:schemeClr val="tx1"/>
+                </a:solidFill>
+                <a:latin typeface="+mn-lt"/>
+                <a:ea typeface="+mn-ea"/>
+                <a:cs typeface="+mn-cs"/>
+              </a:defRPr>
+            </a:lvl1pPr>
+            <a:lvl2pPr marL="742950" indent="-285750" algn="l" defTabSz="914400" rtl="0" eaLnBrk="1" latinLnBrk="0" hangingPunct="1">
+              <a:spcBef>
+                <a:spcPct val="20000"/>
+              </a:spcBef>
+              <a:buFont typeface="Arial" pitchFamily="34" charset="0"/>
+              <a:buChar char="–"/>
+              <a:defRPr sz="2800" kern="1200">
+                <a:solidFill>
+                  <a:schemeClr val="tx1"/>
+                </a:solidFill>
+                <a:latin typeface="+mn-lt"/>
+                <a:ea typeface="+mn-ea"/>
+                <a:cs typeface="+mn-cs"/>
+              </a:defRPr>
+            </a:lvl2pPr>
+            <a:lvl3pPr marL="1143000" indent="-228600" algn="l" defTabSz="914400" rtl="0" eaLnBrk="1" latinLnBrk="0" hangingPunct="1">
+              <a:spcBef>
+                <a:spcPct val="20000"/>
+              </a:spcBef>
+              <a:buFont typeface="Arial" pitchFamily="34" charset="0"/>
+              <a:buChar char="•"/>
+              <a:defRPr sz="2400" kern="1200">
+                <a:solidFill>
+                  <a:schemeClr val="tx1"/>
+                </a:solidFill>
+                <a:latin typeface="+mn-lt"/>
+                <a:ea typeface="+mn-ea"/>
+                <a:cs typeface="+mn-cs"/>
+              </a:defRPr>
+            </a:lvl3pPr>
+            <a:lvl4pPr marL="1600200" indent="-228600" algn="l" defTabSz="914400" rtl="0" eaLnBrk="1" latinLnBrk="0" hangingPunct="1">
+              <a:spcBef>
+                <a:spcPct val="20000"/>
+              </a:spcBef>
+              <a:buFont typeface="Arial" pitchFamily="34" charset="0"/>
+              <a:buChar char="–"/>
+              <a:defRPr sz="2000" kern="1200">
+                <a:solidFill>
+                  <a:schemeClr val="tx1"/>
+                </a:solidFill>
+                <a:latin typeface="+mn-lt"/>
+                <a:ea typeface="+mn-ea"/>
+                <a:cs typeface="+mn-cs"/>
+              </a:defRPr>
+            </a:lvl4pPr>
+            <a:lvl5pPr marL="2057400" indent="-228600" algn="l" defTabSz="914400" rtl="0" eaLnBrk="1" latinLnBrk="0" hangingPunct="1">
+              <a:spcBef>
+                <a:spcPct val="20000"/>
+              </a:spcBef>
+              <a:buFont typeface="Arial" pitchFamily="34" charset="0"/>
+              <a:buChar char="»"/>
+              <a:defRPr sz="2000" kern="1200">
+                <a:solidFill>
+                  <a:schemeClr val="tx1"/>
+                </a:solidFill>
+                <a:latin typeface="+mn-lt"/>
+                <a:ea typeface="+mn-ea"/>
+                <a:cs typeface="+mn-cs"/>
+              </a:defRPr>
+            </a:lvl5pPr>
+            <a:lvl6pPr marL="2514600" indent="-228600" algn="l" defTabSz="914400" rtl="0" eaLnBrk="1" latinLnBrk="0" hangingPunct="1">
+              <a:spcBef>
+                <a:spcPct val="20000"/>
+              </a:spcBef>
+              <a:buFont typeface="Arial" pitchFamily="34" charset="0"/>
+              <a:buChar char="•"/>
+              <a:defRPr sz="2000" kern="1200">
+                <a:solidFill>
+                  <a:schemeClr val="tx1"/>
+                </a:solidFill>
+                <a:latin typeface="+mn-lt"/>
+                <a:ea typeface="+mn-ea"/>
+                <a:cs typeface="+mn-cs"/>
+              </a:defRPr>
+            </a:lvl6pPr>
+            <a:lvl7pPr marL="2971800" indent="-228600" algn="l" defTabSz="914400" rtl="0" eaLnBrk="1" latinLnBrk="0" hangingPunct="1">
+              <a:spcBef>
+                <a:spcPct val="20000"/>
+              </a:spcBef>
+              <a:buFont typeface="Arial" pitchFamily="34" charset="0"/>
+              <a:buChar char="•"/>
+              <a:defRPr sz="2000" kern="1200">
+                <a:solidFill>
+                  <a:schemeClr val="tx1"/>
+                </a:solidFill>
+                <a:latin typeface="+mn-lt"/>
+                <a:ea typeface="+mn-ea"/>
+                <a:cs typeface="+mn-cs"/>
+              </a:defRPr>
+            </a:lvl7pPr>
+            <a:lvl8pPr marL="3429000" indent="-228600" algn="l" defTabSz="914400" rtl="0" eaLnBrk="1" latinLnBrk="0" hangingPunct="1">
+              <a:spcBef>
+                <a:spcPct val="20000"/>
+              </a:spcBef>
+              <a:buFont typeface="Arial" pitchFamily="34" charset="0"/>
+              <a:buChar char="•"/>
+              <a:defRPr sz="2000" kern="1200">
+                <a:solidFill>
+                  <a:schemeClr val="tx1"/>
+                </a:solidFill>
+                <a:latin typeface="+mn-lt"/>
+                <a:ea typeface="+mn-ea"/>
+                <a:cs typeface="+mn-cs"/>
+              </a:defRPr>
+            </a:lvl8pPr>
+            <a:lvl9pPr marL="3886200" indent="-228600" algn="l" defTabSz="914400" rtl="0" eaLnBrk="1" latinLnBrk="0" hangingPunct="1">
+              <a:spcBef>
+                <a:spcPct val="20000"/>
+              </a:spcBef>
+              <a:buFont typeface="Arial" pitchFamily="34" charset="0"/>
+              <a:buChar char="•"/>
+              <a:defRPr sz="2000" kern="1200">
+                <a:solidFill>
+                  <a:schemeClr val="tx1"/>
+                </a:solidFill>
+                <a:latin typeface="+mn-lt"/>
+                <a:ea typeface="+mn-ea"/>
+                <a:cs typeface="+mn-cs"/>
+              </a:defRPr>
+            </a:lvl9pPr>
+          </a:lstStyle>
+          <a:p>
+            <a:r>
+              <a:rPr lang="en-US" sz="1800" dirty="0" smtClean="0"/>
+              <a:t>Objective to Solutions</a:t>
+            </a:r>
+          </a:p>
+          <a:p>
+            <a:r>
+              <a:rPr lang="en-US" sz="1800" dirty="0" smtClean="0"/>
+              <a:t>Maintain the Best</a:t>
+            </a:r>
+          </a:p>
+          <a:p>
+            <a:r>
+              <a:rPr lang="en-US" sz="1800" dirty="0" smtClean="0"/>
+              <a:t>Easiest to Replicate</a:t>
+            </a:r>
+          </a:p>
+          <a:p>
+            <a:r>
+              <a:rPr lang="en-US" sz="1800" dirty="0" smtClean="0"/>
+              <a:t>Adopt the Nature</a:t>
+            </a:r>
+            <a:endParaRPr lang="en-US" sz="1800" dirty="0" smtClean="0"/>
+          </a:p>
+        </p:txBody>
+      </p:sp>
+      <p:sp>
+        <p:nvSpPr>
+          <p:cNvPr id="9" name="Text Placeholder 6"/>
+          <p:cNvSpPr txBox="1">
+            <a:spLocks/>
+          </p:cNvSpPr>
+          <p:nvPr/>
+        </p:nvSpPr>
+        <p:spPr>
+          <a:xfrm>
+            <a:off x="5968773" y="3581400"/>
+            <a:ext cx="2540453" cy="319881"/>
+          </a:xfrm>
+          <a:prstGeom prst="rect">
+            <a:avLst/>
+          </a:prstGeom>
+        </p:spPr>
+        <p:txBody>
+          <a:bodyPr/>
+          <a:lstStyle>
+            <a:lvl1pPr marL="342900" indent="-342900" algn="l" defTabSz="914400" rtl="0" eaLnBrk="1" latinLnBrk="0" hangingPunct="1">
+              <a:spcBef>
+                <a:spcPct val="20000"/>
+              </a:spcBef>
+              <a:buFont typeface="Arial" pitchFamily="34" charset="0"/>
+              <a:buChar char="•"/>
+              <a:defRPr sz="3200" kern="1200">
+                <a:solidFill>
+                  <a:schemeClr val="tx1"/>
+                </a:solidFill>
+                <a:latin typeface="+mn-lt"/>
+                <a:ea typeface="+mn-ea"/>
+                <a:cs typeface="+mn-cs"/>
+              </a:defRPr>
+            </a:lvl1pPr>
+            <a:lvl2pPr marL="742950" indent="-285750" algn="l" defTabSz="914400" rtl="0" eaLnBrk="1" latinLnBrk="0" hangingPunct="1">
+              <a:spcBef>
+                <a:spcPct val="20000"/>
+              </a:spcBef>
+              <a:buFont typeface="Arial" pitchFamily="34" charset="0"/>
+              <a:buChar char="–"/>
+              <a:defRPr sz="2800" kern="1200">
+                <a:solidFill>
+                  <a:schemeClr val="tx1"/>
+                </a:solidFill>
+                <a:latin typeface="+mn-lt"/>
+                <a:ea typeface="+mn-ea"/>
+                <a:cs typeface="+mn-cs"/>
+              </a:defRPr>
+            </a:lvl2pPr>
+            <a:lvl3pPr marL="1143000" indent="-228600" algn="l" defTabSz="914400" rtl="0" eaLnBrk="1" latinLnBrk="0" hangingPunct="1">
+              <a:spcBef>
+                <a:spcPct val="20000"/>
+              </a:spcBef>
+              <a:buFont typeface="Arial" pitchFamily="34" charset="0"/>
+              <a:buChar char="•"/>
+              <a:defRPr sz="2400" kern="1200">
+                <a:solidFill>
+                  <a:schemeClr val="tx1"/>
+                </a:solidFill>
+                <a:latin typeface="+mn-lt"/>
+                <a:ea typeface="+mn-ea"/>
+                <a:cs typeface="+mn-cs"/>
+              </a:defRPr>
+            </a:lvl3pPr>
+            <a:lvl4pPr marL="1600200" indent="-228600" algn="l" defTabSz="914400" rtl="0" eaLnBrk="1" latinLnBrk="0" hangingPunct="1">
+              <a:spcBef>
+                <a:spcPct val="20000"/>
+              </a:spcBef>
+              <a:buFont typeface="Arial" pitchFamily="34" charset="0"/>
+              <a:buChar char="–"/>
+              <a:defRPr sz="2000" kern="1200">
+                <a:solidFill>
+                  <a:schemeClr val="tx1"/>
+                </a:solidFill>
+                <a:latin typeface="+mn-lt"/>
+                <a:ea typeface="+mn-ea"/>
+                <a:cs typeface="+mn-cs"/>
+              </a:defRPr>
+            </a:lvl4pPr>
+            <a:lvl5pPr marL="2057400" indent="-228600" algn="l" defTabSz="914400" rtl="0" eaLnBrk="1" latinLnBrk="0" hangingPunct="1">
+              <a:spcBef>
+                <a:spcPct val="20000"/>
+              </a:spcBef>
+              <a:buFont typeface="Arial" pitchFamily="34" charset="0"/>
+              <a:buChar char="»"/>
+              <a:defRPr sz="2000" kern="1200">
+                <a:solidFill>
+                  <a:schemeClr val="tx1"/>
+                </a:solidFill>
+                <a:latin typeface="+mn-lt"/>
+                <a:ea typeface="+mn-ea"/>
+                <a:cs typeface="+mn-cs"/>
+              </a:defRPr>
+            </a:lvl5pPr>
+            <a:lvl6pPr marL="2514600" indent="-228600" algn="l" defTabSz="914400" rtl="0" eaLnBrk="1" latinLnBrk="0" hangingPunct="1">
+              <a:spcBef>
+                <a:spcPct val="20000"/>
+              </a:spcBef>
+              <a:buFont typeface="Arial" pitchFamily="34" charset="0"/>
+              <a:buChar char="•"/>
+              <a:defRPr sz="2000" kern="1200">
+                <a:solidFill>
+                  <a:schemeClr val="tx1"/>
+                </a:solidFill>
+                <a:latin typeface="+mn-lt"/>
+                <a:ea typeface="+mn-ea"/>
+                <a:cs typeface="+mn-cs"/>
+              </a:defRPr>
+            </a:lvl6pPr>
+            <a:lvl7pPr marL="2971800" indent="-228600" algn="l" defTabSz="914400" rtl="0" eaLnBrk="1" latinLnBrk="0" hangingPunct="1">
+              <a:spcBef>
+                <a:spcPct val="20000"/>
+              </a:spcBef>
+              <a:buFont typeface="Arial" pitchFamily="34" charset="0"/>
+              <a:buChar char="•"/>
+              <a:defRPr sz="2000" kern="1200">
+                <a:solidFill>
+                  <a:schemeClr val="tx1"/>
+                </a:solidFill>
+                <a:latin typeface="+mn-lt"/>
+                <a:ea typeface="+mn-ea"/>
+                <a:cs typeface="+mn-cs"/>
+              </a:defRPr>
+            </a:lvl7pPr>
+            <a:lvl8pPr marL="3429000" indent="-228600" algn="l" defTabSz="914400" rtl="0" eaLnBrk="1" latinLnBrk="0" hangingPunct="1">
+              <a:spcBef>
+                <a:spcPct val="20000"/>
+              </a:spcBef>
+              <a:buFont typeface="Arial" pitchFamily="34" charset="0"/>
+              <a:buChar char="•"/>
+              <a:defRPr sz="2000" kern="1200">
+                <a:solidFill>
+                  <a:schemeClr val="tx1"/>
+                </a:solidFill>
+                <a:latin typeface="+mn-lt"/>
+                <a:ea typeface="+mn-ea"/>
+                <a:cs typeface="+mn-cs"/>
+              </a:defRPr>
+            </a:lvl8pPr>
+            <a:lvl9pPr marL="3886200" indent="-228600" algn="l" defTabSz="914400" rtl="0" eaLnBrk="1" latinLnBrk="0" hangingPunct="1">
+              <a:spcBef>
+                <a:spcPct val="20000"/>
+              </a:spcBef>
+              <a:buFont typeface="Arial" pitchFamily="34" charset="0"/>
+              <a:buChar char="•"/>
+              <a:defRPr sz="2000" kern="1200">
+                <a:solidFill>
+                  <a:schemeClr val="tx1"/>
+                </a:solidFill>
+                <a:latin typeface="+mn-lt"/>
+                <a:ea typeface="+mn-ea"/>
+                <a:cs typeface="+mn-cs"/>
+              </a:defRPr>
+            </a:lvl9pPr>
+          </a:lstStyle>
+          <a:p>
+            <a:pPr marL="0" indent="0">
+              <a:buNone/>
+            </a:pPr>
+            <a:r>
+              <a:rPr lang="en-US" sz="1800" b="1" dirty="0" smtClean="0"/>
+              <a:t>Our Mapping Ideas</a:t>
+            </a:r>
+            <a:endParaRPr lang="en-US" sz="1800" b="1" dirty="0"/>
+          </a:p>
+        </p:txBody>
+      </p:sp>
+      <p:sp>
+        <p:nvSpPr>
+          <p:cNvPr id="10" name="Content Placeholder 7"/>
+          <p:cNvSpPr txBox="1">
+            <a:spLocks/>
+          </p:cNvSpPr>
+          <p:nvPr/>
+        </p:nvSpPr>
+        <p:spPr>
+          <a:xfrm>
+            <a:off x="5979009" y="4191000"/>
+            <a:ext cx="2540453" cy="1517529"/>
+          </a:xfrm>
+          <a:prstGeom prst="rect">
+            <a:avLst/>
+          </a:prstGeom>
+        </p:spPr>
+        <p:txBody>
+          <a:bodyPr/>
+          <a:lstStyle>
+            <a:lvl1pPr marL="342900" indent="-342900" algn="l" defTabSz="914400" rtl="0" eaLnBrk="1" latinLnBrk="0" hangingPunct="1">
+              <a:spcBef>
+                <a:spcPct val="20000"/>
+              </a:spcBef>
+              <a:buFont typeface="Arial" pitchFamily="34" charset="0"/>
+              <a:buChar char="•"/>
+              <a:defRPr sz="3200" kern="1200">
+                <a:solidFill>
+                  <a:schemeClr val="tx1"/>
+                </a:solidFill>
+                <a:latin typeface="+mn-lt"/>
+                <a:ea typeface="+mn-ea"/>
+                <a:cs typeface="+mn-cs"/>
+              </a:defRPr>
+            </a:lvl1pPr>
+            <a:lvl2pPr marL="742950" indent="-285750" algn="l" defTabSz="914400" rtl="0" eaLnBrk="1" latinLnBrk="0" hangingPunct="1">
+              <a:spcBef>
+                <a:spcPct val="20000"/>
+              </a:spcBef>
+              <a:buFont typeface="Arial" pitchFamily="34" charset="0"/>
+              <a:buChar char="–"/>
+              <a:defRPr sz="2800" kern="1200">
+                <a:solidFill>
+                  <a:schemeClr val="tx1"/>
+                </a:solidFill>
+                <a:latin typeface="+mn-lt"/>
+                <a:ea typeface="+mn-ea"/>
+                <a:cs typeface="+mn-cs"/>
+              </a:defRPr>
+            </a:lvl2pPr>
+            <a:lvl3pPr marL="1143000" indent="-228600" algn="l" defTabSz="914400" rtl="0" eaLnBrk="1" latinLnBrk="0" hangingPunct="1">
+              <a:spcBef>
+                <a:spcPct val="20000"/>
+              </a:spcBef>
+              <a:buFont typeface="Arial" pitchFamily="34" charset="0"/>
+              <a:buChar char="•"/>
+              <a:defRPr sz="2400" kern="1200">
+                <a:solidFill>
+                  <a:schemeClr val="tx1"/>
+                </a:solidFill>
+                <a:latin typeface="+mn-lt"/>
+                <a:ea typeface="+mn-ea"/>
+                <a:cs typeface="+mn-cs"/>
+              </a:defRPr>
+            </a:lvl3pPr>
+            <a:lvl4pPr marL="1600200" indent="-228600" algn="l" defTabSz="914400" rtl="0" eaLnBrk="1" latinLnBrk="0" hangingPunct="1">
+              <a:spcBef>
+                <a:spcPct val="20000"/>
+              </a:spcBef>
+              <a:buFont typeface="Arial" pitchFamily="34" charset="0"/>
+              <a:buChar char="–"/>
+              <a:defRPr sz="2000" kern="1200">
+                <a:solidFill>
+                  <a:schemeClr val="tx1"/>
+                </a:solidFill>
+                <a:latin typeface="+mn-lt"/>
+                <a:ea typeface="+mn-ea"/>
+                <a:cs typeface="+mn-cs"/>
+              </a:defRPr>
+            </a:lvl4pPr>
+            <a:lvl5pPr marL="2057400" indent="-228600" algn="l" defTabSz="914400" rtl="0" eaLnBrk="1" latinLnBrk="0" hangingPunct="1">
+              <a:spcBef>
+                <a:spcPct val="20000"/>
+              </a:spcBef>
+              <a:buFont typeface="Arial" pitchFamily="34" charset="0"/>
+              <a:buChar char="»"/>
+              <a:defRPr sz="2000" kern="1200">
+                <a:solidFill>
+                  <a:schemeClr val="tx1"/>
+                </a:solidFill>
+                <a:latin typeface="+mn-lt"/>
+                <a:ea typeface="+mn-ea"/>
+                <a:cs typeface="+mn-cs"/>
+              </a:defRPr>
+            </a:lvl5pPr>
+            <a:lvl6pPr marL="2514600" indent="-228600" algn="l" defTabSz="914400" rtl="0" eaLnBrk="1" latinLnBrk="0" hangingPunct="1">
+              <a:spcBef>
+                <a:spcPct val="20000"/>
+              </a:spcBef>
+              <a:buFont typeface="Arial" pitchFamily="34" charset="0"/>
+              <a:buChar char="•"/>
+              <a:defRPr sz="2000" kern="1200">
+                <a:solidFill>
+                  <a:schemeClr val="tx1"/>
+                </a:solidFill>
+                <a:latin typeface="+mn-lt"/>
+                <a:ea typeface="+mn-ea"/>
+                <a:cs typeface="+mn-cs"/>
+              </a:defRPr>
+            </a:lvl6pPr>
+            <a:lvl7pPr marL="2971800" indent="-228600" algn="l" defTabSz="914400" rtl="0" eaLnBrk="1" latinLnBrk="0" hangingPunct="1">
+              <a:spcBef>
+                <a:spcPct val="20000"/>
+              </a:spcBef>
+              <a:buFont typeface="Arial" pitchFamily="34" charset="0"/>
+              <a:buChar char="•"/>
+              <a:defRPr sz="2000" kern="1200">
+                <a:solidFill>
+                  <a:schemeClr val="tx1"/>
+                </a:solidFill>
+                <a:latin typeface="+mn-lt"/>
+                <a:ea typeface="+mn-ea"/>
+                <a:cs typeface="+mn-cs"/>
+              </a:defRPr>
+            </a:lvl7pPr>
+            <a:lvl8pPr marL="3429000" indent="-228600" algn="l" defTabSz="914400" rtl="0" eaLnBrk="1" latinLnBrk="0" hangingPunct="1">
+              <a:spcBef>
+                <a:spcPct val="20000"/>
+              </a:spcBef>
+              <a:buFont typeface="Arial" pitchFamily="34" charset="0"/>
+              <a:buChar char="•"/>
+              <a:defRPr sz="2000" kern="1200">
+                <a:solidFill>
+                  <a:schemeClr val="tx1"/>
+                </a:solidFill>
+                <a:latin typeface="+mn-lt"/>
+                <a:ea typeface="+mn-ea"/>
+                <a:cs typeface="+mn-cs"/>
+              </a:defRPr>
+            </a:lvl8pPr>
+            <a:lvl9pPr marL="3886200" indent="-228600" algn="l" defTabSz="914400" rtl="0" eaLnBrk="1" latinLnBrk="0" hangingPunct="1">
+              <a:spcBef>
+                <a:spcPct val="20000"/>
+              </a:spcBef>
+              <a:buFont typeface="Arial" pitchFamily="34" charset="0"/>
+              <a:buChar char="•"/>
+              <a:defRPr sz="2000" kern="1200">
+                <a:solidFill>
+                  <a:schemeClr val="tx1"/>
+                </a:solidFill>
+                <a:latin typeface="+mn-lt"/>
+                <a:ea typeface="+mn-ea"/>
+                <a:cs typeface="+mn-cs"/>
+              </a:defRPr>
+            </a:lvl9pPr>
+          </a:lstStyle>
+          <a:p>
+            <a:r>
+              <a:rPr lang="en-US" sz="1800" dirty="0" smtClean="0"/>
+              <a:t>2 (two) pairs</a:t>
+            </a:r>
+          </a:p>
+          <a:p>
+            <a:r>
+              <a:rPr lang="en-US" sz="1800" dirty="0" smtClean="0"/>
+              <a:t>3 (three) steps</a:t>
+            </a:r>
+          </a:p>
+          <a:p>
+            <a:r>
+              <a:rPr lang="en-US" sz="1800" dirty="0" smtClean="0"/>
+              <a:t>4 (four) bases</a:t>
+            </a:r>
+          </a:p>
+          <a:p>
+            <a:r>
+              <a:rPr lang="en-US" sz="1800" dirty="0" smtClean="0"/>
+              <a:t>5 (five) frames</a:t>
+            </a:r>
+            <a:endParaRPr lang="en-US" sz="1800" dirty="0" smtClean="0"/>
           </a:p>
         </p:txBody>
       </p:sp>
     </p:spTree>
     <p:extLst>
       <p:ext uri="{BB962C8B-B14F-4D97-AF65-F5344CB8AC3E}">
-        <p14:creationId xmlns:p14="http://schemas.microsoft.com/office/powerpoint/2010/main" xmlns="" val="1101633878"/>
+        <p14:creationId xmlns:p14="http://schemas.microsoft.com/office/powerpoint/2010/main" val="1101633878"/>
       </p:ext>
     </p:extLst>
   </p:cSld>
   <p:clrMapOvr>
     <a:masterClrMapping/>
   </p:clrMapOvr>
+  <p:timing>
+    <p:tnLst>
+      <p:par>
+        <p:cTn id="1" dur="indefinite" restart="never" nodeType="tmRoot"/>
+      </p:par>
+    </p:tnLst>
+  </p:timing>
 </p:sld>
 </file>
 
 <file path=ppt/slides/slide4.xml><?xml version="1.0" encoding="utf-8"?>
 <p:sld xmlns:a="http://schemas.openxmlformats.org/drawingml/2006/main" xmlns:r="http://schemas.openxmlformats.org/officeDocument/2006/relationships" xmlns:p="http://schemas.openxmlformats.org/presentationml/2006/main">
   <p:cSld>
+    <p:bg>
+      <p:bgPr>
+        <a:blipFill dpi="0" rotWithShape="1">
+          <a:blip r:embed="rId2">
+            <a:lum/>
+          </a:blip>
+          <a:srcRect/>
+          <a:stretch>
+            <a:fillRect/>
+          </a:stretch>
+        </a:blipFill>
+        <a:effectLst/>
+      </p:bgPr>
+    </p:bg>
     <p:spTree>
       <p:nvGrpSpPr>
         <p:cNvPr id="1" name=""/>
@@ -3820,145 +8093,1530 @@
         </p:nvSpPr>
         <p:spPr/>
         <p:txBody>
-          <a:bodyPr>
-            <a:normAutofit fontScale="90000"/>
+          <a:bodyPr/>
+          <a:lstStyle/>
+          <a:p>
+            <a:pPr algn="l"/>
+            <a:r>
+              <a:rPr lang="en-US" dirty="0" smtClean="0"/>
+              <a:t>Mapping Solutions</a:t>
+            </a:r>
+            <a:endParaRPr lang="en-US" dirty="0"/>
+          </a:p>
+        </p:txBody>
+      </p:sp>
+      <p:cxnSp>
+        <p:nvCxnSpPr>
+          <p:cNvPr id="5" name="Straight Connector 4"/>
+          <p:cNvCxnSpPr/>
+          <p:nvPr/>
+        </p:nvCxnSpPr>
+        <p:spPr bwMode="auto">
+          <a:xfrm>
+            <a:off x="2438400" y="2956871"/>
+            <a:ext cx="4038600" cy="0"/>
+          </a:xfrm>
+          <a:prstGeom prst="line">
+            <a:avLst/>
+          </a:prstGeom>
+          <a:gradFill rotWithShape="1">
+            <a:gsLst>
+              <a:gs pos="0">
+                <a:schemeClr val="bg2">
+                  <a:gamma/>
+                  <a:tint val="26667"/>
+                  <a:invGamma/>
+                </a:schemeClr>
+              </a:gs>
+              <a:gs pos="100000">
+                <a:schemeClr val="bg2">
+                  <a:alpha val="14999"/>
+                </a:schemeClr>
+              </a:gs>
+            </a:gsLst>
+            <a:lin ang="5400000" scaled="1"/>
+          </a:gradFill>
+          <a:ln w="9525" cap="flat" cmpd="sng" algn="ctr">
+            <a:noFill/>
+            <a:prstDash val="solid"/>
+            <a:round/>
+            <a:headEnd type="none" w="med" len="med"/>
+            <a:tailEnd type="none" w="med" len="med"/>
+          </a:ln>
+          <a:effectLst/>
+        </p:spPr>
+      </p:cxnSp>
+      <p:pic>
+        <p:nvPicPr>
+          <p:cNvPr id="7" name="Picture 8" descr="http://imagehost7.online-image-editor.com/oie_upload/images/195114961Lk6Vn/agcEfgEegy2E.png"/>
+          <p:cNvPicPr>
+            <a:picLocks noChangeAspect="1" noChangeArrowheads="1"/>
+          </p:cNvPicPr>
+          <p:nvPr/>
+        </p:nvPicPr>
+        <p:blipFill>
+          <a:blip r:embed="rId3">
+            <a:extLst>
+              <a:ext uri="{28A0092B-C50C-407E-A947-70E740481C1C}">
+                <a14:useLocalDpi xmlns:a14="http://schemas.microsoft.com/office/drawing/2010/main" val="0"/>
+              </a:ext>
+            </a:extLst>
+          </a:blip>
+          <a:srcRect/>
+          <a:stretch>
+            <a:fillRect/>
+          </a:stretch>
+        </p:blipFill>
+        <p:spPr bwMode="auto">
+          <a:xfrm>
+            <a:off x="6172200" y="1952623"/>
+            <a:ext cx="1428750" cy="1228726"/>
+          </a:xfrm>
+          <a:prstGeom prst="rect">
+            <a:avLst/>
+          </a:prstGeom>
+          <a:noFill/>
+          <a:extLst>
+            <a:ext uri="{909E8E84-426E-40DD-AFC4-6F175D3DCCD1}">
+              <a14:hiddenFill xmlns:a14="http://schemas.microsoft.com/office/drawing/2010/main">
+                <a:solidFill>
+                  <a:srgbClr val="FFFFFF"/>
+                </a:solidFill>
+              </a14:hiddenFill>
+            </a:ext>
+          </a:extLst>
+        </p:spPr>
+      </p:pic>
+      <p:pic>
+        <p:nvPicPr>
+          <p:cNvPr id="8" name="Picture 2" descr="http://imagehost7.online-image-editor.com/oie_upload/images/1911496dldZdO/VHyreD7MnIXZ.png"/>
+          <p:cNvPicPr>
+            <a:picLocks noChangeAspect="1" noChangeArrowheads="1"/>
+          </p:cNvPicPr>
+          <p:nvPr/>
+        </p:nvPicPr>
+        <p:blipFill>
+          <a:blip r:embed="rId4">
+            <a:extLst>
+              <a:ext uri="{28A0092B-C50C-407E-A947-70E740481C1C}">
+                <a14:useLocalDpi xmlns:a14="http://schemas.microsoft.com/office/drawing/2010/main" val="0"/>
+              </a:ext>
+            </a:extLst>
+          </a:blip>
+          <a:srcRect/>
+          <a:stretch>
+            <a:fillRect/>
+          </a:stretch>
+        </p:blipFill>
+        <p:spPr bwMode="auto">
+          <a:xfrm>
+            <a:off x="1652516" y="951787"/>
+            <a:ext cx="3810000" cy="2819400"/>
+          </a:xfrm>
+          <a:prstGeom prst="rect">
+            <a:avLst/>
+          </a:prstGeom>
+          <a:noFill/>
+          <a:extLst>
+            <a:ext uri="{909E8E84-426E-40DD-AFC4-6F175D3DCCD1}">
+              <a14:hiddenFill xmlns:a14="http://schemas.microsoft.com/office/drawing/2010/main">
+                <a:solidFill>
+                  <a:srgbClr val="FFFFFF"/>
+                </a:solidFill>
+              </a14:hiddenFill>
+            </a:ext>
+          </a:extLst>
+        </p:spPr>
+      </p:pic>
+      <p:pic>
+        <p:nvPicPr>
+          <p:cNvPr id="9" name="Picture 6" descr="http://imagehost7.online-image-editor.com/oie_upload/images/193732cN7mxsztR5/SVgSrLigFrgQ.png"/>
+          <p:cNvPicPr>
+            <a:picLocks noChangeAspect="1" noChangeArrowheads="1"/>
+          </p:cNvPicPr>
+          <p:nvPr/>
+        </p:nvPicPr>
+        <p:blipFill>
+          <a:blip r:embed="rId5">
+            <a:extLst>
+              <a:ext uri="{28A0092B-C50C-407E-A947-70E740481C1C}">
+                <a14:useLocalDpi xmlns:a14="http://schemas.microsoft.com/office/drawing/2010/main" val="0"/>
+              </a:ext>
+            </a:extLst>
+          </a:blip>
+          <a:srcRect/>
+          <a:stretch>
+            <a:fillRect/>
+          </a:stretch>
+        </p:blipFill>
+        <p:spPr bwMode="auto">
+          <a:xfrm>
+            <a:off x="2590800" y="1495423"/>
+            <a:ext cx="1428750" cy="1228726"/>
+          </a:xfrm>
+          <a:prstGeom prst="rect">
+            <a:avLst/>
+          </a:prstGeom>
+          <a:noFill/>
+          <a:extLst>
+            <a:ext uri="{909E8E84-426E-40DD-AFC4-6F175D3DCCD1}">
+              <a14:hiddenFill xmlns:a14="http://schemas.microsoft.com/office/drawing/2010/main">
+                <a:solidFill>
+                  <a:srgbClr val="FFFFFF"/>
+                </a:solidFill>
+              </a14:hiddenFill>
+            </a:ext>
+          </a:extLst>
+        </p:spPr>
+      </p:pic>
+      <p:pic>
+        <p:nvPicPr>
+          <p:cNvPr id="10" name="Picture 2" descr="seven"/>
+          <p:cNvPicPr>
+            <a:picLocks noChangeAspect="1" noChangeArrowheads="1"/>
+          </p:cNvPicPr>
+          <p:nvPr/>
+        </p:nvPicPr>
+        <p:blipFill>
+          <a:blip r:embed="rId6">
+            <a:extLst>
+              <a:ext uri="{28A0092B-C50C-407E-A947-70E740481C1C}">
+                <a14:useLocalDpi xmlns:a14="http://schemas.microsoft.com/office/drawing/2010/main" val="0"/>
+              </a:ext>
+            </a:extLst>
+          </a:blip>
+          <a:srcRect/>
+          <a:stretch>
+            <a:fillRect/>
+          </a:stretch>
+        </p:blipFill>
+        <p:spPr bwMode="auto">
+          <a:xfrm>
+            <a:off x="2142572" y="4238623"/>
+            <a:ext cx="2048981" cy="1762125"/>
+          </a:xfrm>
+          <a:prstGeom prst="rect">
+            <a:avLst/>
+          </a:prstGeom>
+          <a:noFill/>
+          <a:extLst>
+            <a:ext uri="{909E8E84-426E-40DD-AFC4-6F175D3DCCD1}">
+              <a14:hiddenFill xmlns:a14="http://schemas.microsoft.com/office/drawing/2010/main">
+                <a:solidFill>
+                  <a:srgbClr val="FFFFFF"/>
+                </a:solidFill>
+              </a14:hiddenFill>
+            </a:ext>
+          </a:extLst>
+        </p:spPr>
+      </p:pic>
+      <p:sp>
+        <p:nvSpPr>
+          <p:cNvPr id="11" name="Oval Callout 10"/>
+          <p:cNvSpPr/>
+          <p:nvPr/>
+        </p:nvSpPr>
+        <p:spPr bwMode="auto">
+          <a:xfrm>
+            <a:off x="2784842" y="1431732"/>
+            <a:ext cx="1234708" cy="1135253"/>
+          </a:xfrm>
+          <a:prstGeom prst="wedgeEllipseCallout">
+            <a:avLst>
+              <a:gd name="adj1" fmla="val -11776"/>
+              <a:gd name="adj2" fmla="val 260094"/>
+            </a:avLst>
+          </a:prstGeom>
+          <a:gradFill rotWithShape="1">
+            <a:gsLst>
+              <a:gs pos="0">
+                <a:srgbClr val="0070C0">
+                  <a:alpha val="16000"/>
+                </a:srgbClr>
+              </a:gs>
+              <a:gs pos="100000">
+                <a:schemeClr val="bg2">
+                  <a:alpha val="14999"/>
+                </a:schemeClr>
+              </a:gs>
+            </a:gsLst>
+            <a:lin ang="5400000" scaled="1"/>
+          </a:gradFill>
+          <a:ln w="9525" cap="flat" cmpd="sng" algn="ctr">
+            <a:solidFill>
+              <a:srgbClr val="00B0F0"/>
+            </a:solidFill>
+            <a:prstDash val="solid"/>
+            <a:round/>
+            <a:headEnd type="none" w="med" len="med"/>
+            <a:tailEnd type="none" w="med" len="med"/>
+          </a:ln>
+          <a:effectLst/>
+        </p:spPr>
+        <p:txBody>
+          <a:bodyPr vert="horz" wrap="none" lIns="91440" tIns="45720" rIns="91440" bIns="45720" numCol="1" rtlCol="0" anchor="ctr" anchorCtr="0" compatLnSpc="1">
+            <a:prstTxWarp prst="textNoShape">
+              <a:avLst/>
+            </a:prstTxWarp>
           </a:bodyPr>
           <a:lstStyle/>
           <a:p>
-            <a:r>
-              <a:rPr lang="en-US" dirty="0" smtClean="0"/>
-              <a:t>Slide Title</a:t>
-            </a:r>
-            <a:endParaRPr lang="en-US" dirty="0"/>
-          </a:p>
-        </p:txBody>
-      </p:sp>
-      <p:sp>
-        <p:nvSpPr>
-          <p:cNvPr id="5" name="Text Placeholder 4"/>
-          <p:cNvSpPr>
-            <a:spLocks noGrp="1"/>
-          </p:cNvSpPr>
-          <p:nvPr>
-            <p:ph type="body" idx="1"/>
-          </p:nvPr>
-        </p:nvSpPr>
-        <p:spPr/>
-        <p:txBody>
-          <a:bodyPr/>
+            <a:pPr marL="0" marR="0" indent="0" algn="ctr" defTabSz="914400" rtl="0" eaLnBrk="1" fontAlgn="base" latinLnBrk="0" hangingPunct="1">
+              <a:lnSpc>
+                <a:spcPct val="100000"/>
+              </a:lnSpc>
+              <a:spcBef>
+                <a:spcPct val="0"/>
+              </a:spcBef>
+              <a:spcAft>
+                <a:spcPct val="0"/>
+              </a:spcAft>
+              <a:buClrTx/>
+              <a:buSzTx/>
+              <a:buFontTx/>
+              <a:buNone/>
+              <a:tabLst/>
+            </a:pPr>
+            <a:endParaRPr kumimoji="0" lang="en-US" sz="2400" b="0" i="0" u="none" strike="noStrike" cap="none" normalizeH="0" baseline="-25000" smtClean="0">
+              <a:ln>
+                <a:noFill/>
+              </a:ln>
+              <a:solidFill>
+                <a:schemeClr val="tx1"/>
+              </a:solidFill>
+              <a:effectLst/>
+              <a:latin typeface="Arial" charset="0"/>
+            </a:endParaRPr>
+          </a:p>
+        </p:txBody>
+      </p:sp>
+      <p:sp>
+        <p:nvSpPr>
+          <p:cNvPr id="12" name="Oval Callout 11"/>
+          <p:cNvSpPr/>
+          <p:nvPr/>
+        </p:nvSpPr>
+        <p:spPr bwMode="auto">
+          <a:xfrm>
+            <a:off x="5410200" y="1431732"/>
+            <a:ext cx="2952750" cy="1940117"/>
+          </a:xfrm>
+          <a:prstGeom prst="wedgeEllipseCallout">
+            <a:avLst>
+              <a:gd name="adj1" fmla="val -97326"/>
+              <a:gd name="adj2" fmla="val 98154"/>
+            </a:avLst>
+          </a:prstGeom>
+          <a:gradFill rotWithShape="1">
+            <a:gsLst>
+              <a:gs pos="0">
+                <a:srgbClr val="0070C0">
+                  <a:alpha val="16000"/>
+                </a:srgbClr>
+              </a:gs>
+              <a:gs pos="100000">
+                <a:schemeClr val="bg2">
+                  <a:alpha val="14999"/>
+                </a:schemeClr>
+              </a:gs>
+            </a:gsLst>
+            <a:lin ang="5400000" scaled="1"/>
+          </a:gradFill>
+          <a:ln w="9525" cap="flat" cmpd="sng" algn="ctr">
+            <a:solidFill>
+              <a:srgbClr val="00B0F0"/>
+            </a:solidFill>
+            <a:prstDash val="solid"/>
+            <a:round/>
+            <a:headEnd type="none" w="med" len="med"/>
+            <a:tailEnd type="none" w="med" len="med"/>
+          </a:ln>
+          <a:effectLst/>
+        </p:spPr>
+        <p:txBody>
+          <a:bodyPr vert="horz" wrap="none" lIns="91440" tIns="45720" rIns="91440" bIns="45720" numCol="1" rtlCol="0" anchor="ctr" anchorCtr="0" compatLnSpc="1">
+            <a:prstTxWarp prst="textNoShape">
+              <a:avLst/>
+            </a:prstTxWarp>
+          </a:bodyPr>
           <a:lstStyle/>
           <a:p>
-            <a:r>
-              <a:rPr lang="en-US" smtClean="0"/>
-              <a:t>Product A</a:t>
-            </a:r>
-            <a:endParaRPr lang="en-US"/>
-          </a:p>
-        </p:txBody>
-      </p:sp>
-      <p:sp>
-        <p:nvSpPr>
-          <p:cNvPr id="6" name="Content Placeholder 5"/>
-          <p:cNvSpPr>
-            <a:spLocks noGrp="1"/>
-          </p:cNvSpPr>
-          <p:nvPr>
-            <p:ph sz="half" idx="2"/>
-          </p:nvPr>
-        </p:nvSpPr>
-        <p:spPr/>
-        <p:txBody>
-          <a:bodyPr/>
-          <a:lstStyle/>
-          <a:p>
-            <a:r>
-              <a:rPr lang="en-US" smtClean="0"/>
-              <a:t>Feature 1</a:t>
-            </a:r>
-          </a:p>
-          <a:p>
-            <a:r>
-              <a:rPr lang="en-US" smtClean="0"/>
-              <a:t>Feature 2</a:t>
-            </a:r>
-          </a:p>
-          <a:p>
-            <a:r>
-              <a:rPr lang="en-US" smtClean="0"/>
-              <a:t>Feature 3</a:t>
-            </a:r>
-            <a:endParaRPr lang="en-US"/>
-          </a:p>
-        </p:txBody>
-      </p:sp>
-      <p:sp>
-        <p:nvSpPr>
-          <p:cNvPr id="7" name="Text Placeholder 6"/>
-          <p:cNvSpPr>
-            <a:spLocks noGrp="1"/>
-          </p:cNvSpPr>
-          <p:nvPr>
-            <p:ph type="body" sz="quarter" idx="3"/>
-          </p:nvPr>
-        </p:nvSpPr>
-        <p:spPr/>
-        <p:txBody>
-          <a:bodyPr/>
-          <a:lstStyle/>
-          <a:p>
-            <a:r>
-              <a:rPr lang="en-US" smtClean="0"/>
-              <a:t>Product B</a:t>
-            </a:r>
-            <a:endParaRPr lang="en-US"/>
-          </a:p>
-        </p:txBody>
-      </p:sp>
-      <p:sp>
-        <p:nvSpPr>
-          <p:cNvPr id="8" name="Content Placeholder 7"/>
-          <p:cNvSpPr>
-            <a:spLocks noGrp="1"/>
-          </p:cNvSpPr>
-          <p:nvPr>
-            <p:ph sz="quarter" idx="4"/>
-          </p:nvPr>
-        </p:nvSpPr>
-        <p:spPr/>
-        <p:txBody>
-          <a:bodyPr/>
-          <a:lstStyle/>
-          <a:p>
-            <a:r>
-              <a:rPr lang="en-US" smtClean="0"/>
-              <a:t>Feature 1</a:t>
-            </a:r>
-          </a:p>
-          <a:p>
-            <a:r>
-              <a:rPr lang="en-US" smtClean="0"/>
-              <a:t>Feature 2</a:t>
-            </a:r>
-          </a:p>
-          <a:p>
-            <a:r>
-              <a:rPr lang="en-US" smtClean="0"/>
-              <a:t>Feature 3</a:t>
-            </a:r>
-            <a:endParaRPr lang="en-US"/>
+            <a:pPr marL="0" marR="0" indent="0" algn="ctr" defTabSz="914400" rtl="0" eaLnBrk="1" fontAlgn="base" latinLnBrk="0" hangingPunct="1">
+              <a:lnSpc>
+                <a:spcPct val="100000"/>
+              </a:lnSpc>
+              <a:spcBef>
+                <a:spcPct val="0"/>
+              </a:spcBef>
+              <a:spcAft>
+                <a:spcPct val="0"/>
+              </a:spcAft>
+              <a:buClrTx/>
+              <a:buSzTx/>
+              <a:buFontTx/>
+              <a:buNone/>
+              <a:tabLst/>
+            </a:pPr>
+            <a:endParaRPr kumimoji="0" lang="en-US" sz="2400" b="0" i="0" u="none" strike="noStrike" cap="none" normalizeH="0" baseline="-25000" smtClean="0">
+              <a:ln>
+                <a:noFill/>
+              </a:ln>
+              <a:solidFill>
+                <a:schemeClr val="tx1"/>
+              </a:solidFill>
+              <a:effectLst/>
+              <a:latin typeface="Arial" charset="0"/>
+            </a:endParaRPr>
+          </a:p>
+        </p:txBody>
+      </p:sp>
+      <p:sp>
+        <p:nvSpPr>
+          <p:cNvPr id="13" name="Rectangle 3"/>
+          <p:cNvSpPr txBox="1">
+            <a:spLocks noChangeArrowheads="1"/>
+          </p:cNvSpPr>
+          <p:nvPr/>
+        </p:nvSpPr>
+        <p:spPr bwMode="auto">
+          <a:xfrm>
+            <a:off x="4981575" y="4162422"/>
+            <a:ext cx="3381375" cy="1838325"/>
+          </a:xfrm>
+          <a:prstGeom prst="rect">
+            <a:avLst/>
+          </a:prstGeom>
+          <a:noFill/>
+          <a:ln w="9525">
+            <a:noFill/>
+            <a:miter lim="800000"/>
+            <a:headEnd/>
+            <a:tailEnd/>
+          </a:ln>
+          <a:effectLst/>
+        </p:spPr>
+        <p:txBody>
+          <a:bodyPr vert="horz" wrap="square" lIns="91440" tIns="45720" rIns="91440" bIns="45720" numCol="1" anchor="t" anchorCtr="0" compatLnSpc="1">
+            <a:prstTxWarp prst="textNoShape">
+              <a:avLst/>
+            </a:prstTxWarp>
+          </a:bodyPr>
+          <a:lstStyle>
+            <a:lvl1pPr marL="342900" indent="-342900" algn="l" rtl="0" eaLnBrk="1" fontAlgn="base" hangingPunct="1">
+              <a:spcBef>
+                <a:spcPct val="20000"/>
+              </a:spcBef>
+              <a:spcAft>
+                <a:spcPct val="0"/>
+              </a:spcAft>
+              <a:buChar char="•"/>
+              <a:defRPr sz="3200">
+                <a:solidFill>
+                  <a:schemeClr val="tx1"/>
+                </a:solidFill>
+                <a:latin typeface="+mn-lt"/>
+                <a:ea typeface="+mn-ea"/>
+                <a:cs typeface="+mn-cs"/>
+              </a:defRPr>
+            </a:lvl1pPr>
+            <a:lvl2pPr marL="742950" indent="-285750" algn="l" rtl="0" eaLnBrk="1" fontAlgn="base" hangingPunct="1">
+              <a:spcBef>
+                <a:spcPct val="20000"/>
+              </a:spcBef>
+              <a:spcAft>
+                <a:spcPct val="0"/>
+              </a:spcAft>
+              <a:buChar char="–"/>
+              <a:defRPr sz="2800">
+                <a:solidFill>
+                  <a:schemeClr val="tx1"/>
+                </a:solidFill>
+                <a:latin typeface="+mn-lt"/>
+              </a:defRPr>
+            </a:lvl2pPr>
+            <a:lvl3pPr marL="1143000" indent="-228600" algn="l" rtl="0" eaLnBrk="1" fontAlgn="base" hangingPunct="1">
+              <a:spcBef>
+                <a:spcPct val="20000"/>
+              </a:spcBef>
+              <a:spcAft>
+                <a:spcPct val="0"/>
+              </a:spcAft>
+              <a:buChar char="•"/>
+              <a:defRPr sz="2400">
+                <a:solidFill>
+                  <a:schemeClr val="tx1"/>
+                </a:solidFill>
+                <a:latin typeface="+mn-lt"/>
+              </a:defRPr>
+            </a:lvl3pPr>
+            <a:lvl4pPr marL="1600200" indent="-228600" algn="l" rtl="0" eaLnBrk="1" fontAlgn="base" hangingPunct="1">
+              <a:spcBef>
+                <a:spcPct val="20000"/>
+              </a:spcBef>
+              <a:spcAft>
+                <a:spcPct val="0"/>
+              </a:spcAft>
+              <a:buChar char="–"/>
+              <a:defRPr sz="2000">
+                <a:solidFill>
+                  <a:schemeClr val="tx1"/>
+                </a:solidFill>
+                <a:latin typeface="+mn-lt"/>
+              </a:defRPr>
+            </a:lvl4pPr>
+            <a:lvl5pPr marL="2057400" indent="-228600" algn="l" rtl="0" eaLnBrk="1" fontAlgn="base" hangingPunct="1">
+              <a:spcBef>
+                <a:spcPct val="20000"/>
+              </a:spcBef>
+              <a:spcAft>
+                <a:spcPct val="0"/>
+              </a:spcAft>
+              <a:buChar char="»"/>
+              <a:defRPr sz="2000">
+                <a:solidFill>
+                  <a:schemeClr val="tx1"/>
+                </a:solidFill>
+                <a:latin typeface="+mn-lt"/>
+              </a:defRPr>
+            </a:lvl5pPr>
+            <a:lvl6pPr marL="2514600" indent="-228600" algn="l" rtl="0" eaLnBrk="1" fontAlgn="base" hangingPunct="1">
+              <a:spcBef>
+                <a:spcPct val="20000"/>
+              </a:spcBef>
+              <a:spcAft>
+                <a:spcPct val="0"/>
+              </a:spcAft>
+              <a:buChar char="»"/>
+              <a:defRPr sz="2000">
+                <a:solidFill>
+                  <a:schemeClr val="tx1"/>
+                </a:solidFill>
+                <a:latin typeface="+mn-lt"/>
+              </a:defRPr>
+            </a:lvl6pPr>
+            <a:lvl7pPr marL="2971800" indent="-228600" algn="l" rtl="0" eaLnBrk="1" fontAlgn="base" hangingPunct="1">
+              <a:spcBef>
+                <a:spcPct val="20000"/>
+              </a:spcBef>
+              <a:spcAft>
+                <a:spcPct val="0"/>
+              </a:spcAft>
+              <a:buChar char="»"/>
+              <a:defRPr sz="2000">
+                <a:solidFill>
+                  <a:schemeClr val="tx1"/>
+                </a:solidFill>
+                <a:latin typeface="+mn-lt"/>
+              </a:defRPr>
+            </a:lvl7pPr>
+            <a:lvl8pPr marL="3429000" indent="-228600" algn="l" rtl="0" eaLnBrk="1" fontAlgn="base" hangingPunct="1">
+              <a:spcBef>
+                <a:spcPct val="20000"/>
+              </a:spcBef>
+              <a:spcAft>
+                <a:spcPct val="0"/>
+              </a:spcAft>
+              <a:buChar char="»"/>
+              <a:defRPr sz="2000">
+                <a:solidFill>
+                  <a:schemeClr val="tx1"/>
+                </a:solidFill>
+                <a:latin typeface="+mn-lt"/>
+              </a:defRPr>
+            </a:lvl8pPr>
+            <a:lvl9pPr marL="3886200" indent="-228600" algn="l" rtl="0" eaLnBrk="1" fontAlgn="base" hangingPunct="1">
+              <a:spcBef>
+                <a:spcPct val="20000"/>
+              </a:spcBef>
+              <a:spcAft>
+                <a:spcPct val="0"/>
+              </a:spcAft>
+              <a:buChar char="»"/>
+              <a:defRPr sz="2000">
+                <a:solidFill>
+                  <a:schemeClr val="tx1"/>
+                </a:solidFill>
+                <a:latin typeface="+mn-lt"/>
+              </a:defRPr>
+            </a:lvl9pPr>
+          </a:lstStyle>
+          <a:p>
+            <a:pPr>
+              <a:lnSpc>
+                <a:spcPct val="80000"/>
+              </a:lnSpc>
+            </a:pPr>
+            <a:r>
+              <a:rPr lang="en-US" altLang="ko-KR" sz="1600" kern="0" baseline="0" dirty="0" smtClean="0">
+                <a:solidFill>
+                  <a:srgbClr val="5F5F5F"/>
+                </a:solidFill>
+                <a:latin typeface="Verdana" pitchFamily="34" charset="0"/>
+                <a:ea typeface="굴림" charset="-127"/>
+              </a:rPr>
+              <a:t>The 3 to 4 are pairs from 7</a:t>
+            </a:r>
+          </a:p>
+          <a:p>
+            <a:pPr>
+              <a:lnSpc>
+                <a:spcPct val="80000"/>
+              </a:lnSpc>
+            </a:pPr>
+            <a:r>
+              <a:rPr lang="en-US" altLang="ko-KR" sz="1600" kern="0" baseline="0" dirty="0" smtClean="0">
+                <a:solidFill>
+                  <a:srgbClr val="5F5F5F"/>
+                </a:solidFill>
+                <a:latin typeface="Verdana" pitchFamily="34" charset="0"/>
+                <a:ea typeface="굴림" charset="-127"/>
+              </a:rPr>
+              <a:t>The 3 has 6 routes</a:t>
+            </a:r>
+          </a:p>
+          <a:p>
+            <a:pPr>
+              <a:lnSpc>
+                <a:spcPct val="80000"/>
+              </a:lnSpc>
+            </a:pPr>
+            <a:r>
+              <a:rPr lang="en-US" sz="1600" kern="0" baseline="0" dirty="0" smtClean="0">
+                <a:solidFill>
+                  <a:srgbClr val="5F5F5F"/>
+                </a:solidFill>
+                <a:latin typeface="Verdana" pitchFamily="34" charset="0"/>
+                <a:ea typeface="굴림" charset="-127"/>
+              </a:rPr>
+              <a:t>The 4 has 6 routes in pair</a:t>
+            </a:r>
+          </a:p>
+          <a:p>
+            <a:pPr>
+              <a:lnSpc>
+                <a:spcPct val="80000"/>
+              </a:lnSpc>
+            </a:pPr>
+            <a:r>
+              <a:rPr lang="en-US" sz="1600" kern="0" baseline="0" dirty="0" smtClean="0">
+                <a:solidFill>
+                  <a:srgbClr val="5F5F5F"/>
+                </a:solidFill>
+                <a:latin typeface="Verdana" pitchFamily="34" charset="0"/>
+                <a:ea typeface="굴림" charset="-127"/>
+              </a:rPr>
+              <a:t>The 6 routes are hexagonal</a:t>
+            </a:r>
+          </a:p>
+          <a:p>
+            <a:pPr>
+              <a:lnSpc>
+                <a:spcPct val="80000"/>
+              </a:lnSpc>
+            </a:pPr>
+            <a:r>
+              <a:rPr lang="en-US" sz="1600" kern="0" baseline="0" dirty="0" smtClean="0">
+                <a:solidFill>
+                  <a:srgbClr val="5F5F5F"/>
+                </a:solidFill>
+                <a:latin typeface="Verdana" pitchFamily="34" charset="0"/>
+                <a:ea typeface="굴림" charset="-127"/>
+              </a:rPr>
+              <a:t>The inner is by 2</a:t>
+            </a:r>
+            <a:r>
+              <a:rPr lang="en-US" sz="1600" kern="0" baseline="30000" dirty="0" smtClean="0">
+                <a:solidFill>
+                  <a:srgbClr val="5F5F5F"/>
+                </a:solidFill>
+                <a:latin typeface="Verdana" pitchFamily="34" charset="0"/>
+                <a:ea typeface="굴림" charset="-127"/>
+              </a:rPr>
+              <a:t>nd</a:t>
+            </a:r>
+            <a:r>
+              <a:rPr lang="en-US" sz="1600" kern="0" baseline="0" dirty="0" smtClean="0">
+                <a:solidFill>
+                  <a:srgbClr val="5F5F5F"/>
+                </a:solidFill>
+                <a:latin typeface="Verdana" pitchFamily="34" charset="0"/>
+                <a:ea typeface="굴림" charset="-127"/>
+              </a:rPr>
+              <a:t> pair</a:t>
+            </a:r>
+          </a:p>
+          <a:p>
+            <a:pPr>
+              <a:lnSpc>
+                <a:spcPct val="80000"/>
+              </a:lnSpc>
+            </a:pPr>
+            <a:r>
+              <a:rPr lang="en-US" sz="1600" kern="0" baseline="0" dirty="0" smtClean="0">
+                <a:solidFill>
+                  <a:srgbClr val="5F5F5F"/>
+                </a:solidFill>
+                <a:latin typeface="Verdana" pitchFamily="34" charset="0"/>
+                <a:ea typeface="굴림" charset="-127"/>
+              </a:rPr>
+              <a:t>The outer is from 4 to 9</a:t>
+            </a:r>
+          </a:p>
+          <a:p>
+            <a:pPr>
+              <a:lnSpc>
+                <a:spcPct val="80000"/>
+              </a:lnSpc>
+            </a:pPr>
+            <a:r>
+              <a:rPr lang="en-US" sz="1600" kern="0" baseline="0" dirty="0" smtClean="0">
+                <a:solidFill>
+                  <a:srgbClr val="5F5F5F"/>
+                </a:solidFill>
+                <a:latin typeface="Verdana" pitchFamily="34" charset="0"/>
+                <a:ea typeface="굴림" charset="-127"/>
+              </a:rPr>
+              <a:t>The merging is back to 7</a:t>
+            </a:r>
+            <a:endParaRPr lang="en-US" sz="1600" kern="0" baseline="0" dirty="0">
+              <a:solidFill>
+                <a:srgbClr val="5F5F5F"/>
+              </a:solidFill>
+              <a:latin typeface="Verdana" pitchFamily="34" charset="0"/>
+              <a:ea typeface="굴림" charset="-127"/>
+            </a:endParaRPr>
           </a:p>
         </p:txBody>
       </p:sp>
     </p:spTree>
     <p:extLst>
       <p:ext uri="{BB962C8B-B14F-4D97-AF65-F5344CB8AC3E}">
-        <p14:creationId xmlns:p14="http://schemas.microsoft.com/office/powerpoint/2010/main" xmlns="" val="4170783713"/>
+        <p14:creationId xmlns:p14="http://schemas.microsoft.com/office/powerpoint/2010/main" val="778574009"/>
       </p:ext>
     </p:extLst>
   </p:cSld>
   <p:clrMapOvr>
     <a:masterClrMapping/>
   </p:clrMapOvr>
+  <p:timing>
+    <p:tnLst>
+      <p:par>
+        <p:cTn id="1" dur="indefinite" restart="never" nodeType="tmRoot"/>
+      </p:par>
+    </p:tnLst>
+  </p:timing>
+</p:sld>
+</file>
+
+<file path=ppt/slides/slide5.xml><?xml version="1.0" encoding="utf-8"?>
+<p:sld xmlns:a="http://schemas.openxmlformats.org/drawingml/2006/main" xmlns:r="http://schemas.openxmlformats.org/officeDocument/2006/relationships" xmlns:p="http://schemas.openxmlformats.org/presentationml/2006/main">
+  <p:cSld>
+    <p:bg>
+      <p:bgPr>
+        <a:blipFill dpi="0" rotWithShape="1">
+          <a:blip r:embed="rId2">
+            <a:lum/>
+          </a:blip>
+          <a:srcRect/>
+          <a:stretch>
+            <a:fillRect/>
+          </a:stretch>
+        </a:blipFill>
+        <a:effectLst/>
+      </p:bgPr>
+    </p:bg>
+    <p:spTree>
+      <p:nvGrpSpPr>
+        <p:cNvPr id="1" name=""/>
+        <p:cNvGrpSpPr/>
+        <p:nvPr/>
+      </p:nvGrpSpPr>
+      <p:grpSpPr>
+        <a:xfrm>
+          <a:off x="0" y="0"/>
+          <a:ext cx="0" cy="0"/>
+          <a:chOff x="0" y="0"/>
+          <a:chExt cx="0" cy="0"/>
+        </a:xfrm>
+      </p:grpSpPr>
+      <p:sp>
+        <p:nvSpPr>
+          <p:cNvPr id="4" name="Title 3"/>
+          <p:cNvSpPr>
+            <a:spLocks noGrp="1"/>
+          </p:cNvSpPr>
+          <p:nvPr>
+            <p:ph type="title"/>
+          </p:nvPr>
+        </p:nvSpPr>
+        <p:spPr/>
+        <p:txBody>
+          <a:bodyPr/>
+          <a:lstStyle/>
+          <a:p>
+            <a:pPr algn="l"/>
+            <a:r>
+              <a:rPr lang="en-US" dirty="0" smtClean="0"/>
+              <a:t>Kingdoms and Domains</a:t>
+            </a:r>
+            <a:endParaRPr lang="en-US" dirty="0"/>
+          </a:p>
+        </p:txBody>
+      </p:sp>
+      <p:sp>
+        <p:nvSpPr>
+          <p:cNvPr id="7" name="Title 3"/>
+          <p:cNvSpPr txBox="1">
+            <a:spLocks/>
+          </p:cNvSpPr>
+          <p:nvPr/>
+        </p:nvSpPr>
+        <p:spPr>
+          <a:xfrm>
+            <a:off x="1828800" y="5562600"/>
+            <a:ext cx="6871723" cy="763525"/>
+          </a:xfrm>
+          <a:prstGeom prst="rect">
+            <a:avLst/>
+          </a:prstGeom>
+        </p:spPr>
+        <p:txBody>
+          <a:bodyPr vert="horz" lIns="91440" tIns="45720" rIns="91440" bIns="45720" rtlCol="0" anchor="ctr">
+            <a:normAutofit fontScale="85000" lnSpcReduction="10000"/>
+          </a:bodyPr>
+          <a:lstStyle>
+            <a:lvl1pPr algn="l" defTabSz="914400" rtl="0" eaLnBrk="1" latinLnBrk="0" hangingPunct="1">
+              <a:spcBef>
+                <a:spcPct val="0"/>
+              </a:spcBef>
+              <a:buNone/>
+              <a:defRPr sz="3600" kern="1200">
+                <a:solidFill>
+                  <a:srgbClr val="D68B1C"/>
+                </a:solidFill>
+                <a:latin typeface="+mj-lt"/>
+                <a:ea typeface="+mj-ea"/>
+                <a:cs typeface="+mj-cs"/>
+              </a:defRPr>
+            </a:lvl1pPr>
+          </a:lstStyle>
+          <a:p>
+            <a:pPr fontAlgn="base"/>
+            <a:r>
+              <a:rPr lang="en-US" b="1" dirty="0"/>
+              <a:t>Two-Dimensional DNA Nanostructures</a:t>
+            </a:r>
+          </a:p>
+        </p:txBody>
+      </p:sp>
+      <p:pic>
+        <p:nvPicPr>
+          <p:cNvPr id="6148" name="Picture 4" descr="http://images.slideplayer.com/14/4422495/slides/slide_18.jpg"/>
+          <p:cNvPicPr>
+            <a:picLocks noChangeAspect="1" noChangeArrowheads="1"/>
+          </p:cNvPicPr>
+          <p:nvPr/>
+        </p:nvPicPr>
+        <p:blipFill>
+          <a:blip r:embed="rId3">
+            <a:extLst>
+              <a:ext uri="{28A0092B-C50C-407E-A947-70E740481C1C}">
+                <a14:useLocalDpi xmlns:a14="http://schemas.microsoft.com/office/drawing/2010/main" val="0"/>
+              </a:ext>
+            </a:extLst>
+          </a:blip>
+          <a:srcRect/>
+          <a:stretch>
+            <a:fillRect/>
+          </a:stretch>
+        </p:blipFill>
+        <p:spPr bwMode="auto">
+          <a:xfrm>
+            <a:off x="1828800" y="1371600"/>
+            <a:ext cx="6705600" cy="4191000"/>
+          </a:xfrm>
+          <a:prstGeom prst="rect">
+            <a:avLst/>
+          </a:prstGeom>
+          <a:noFill/>
+          <a:extLst>
+            <a:ext uri="{909E8E84-426E-40DD-AFC4-6F175D3DCCD1}">
+              <a14:hiddenFill xmlns:a14="http://schemas.microsoft.com/office/drawing/2010/main">
+                <a:solidFill>
+                  <a:srgbClr val="FFFFFF"/>
+                </a:solidFill>
+              </a14:hiddenFill>
+            </a:ext>
+          </a:extLst>
+        </p:spPr>
+      </p:pic>
+    </p:spTree>
+    <p:extLst>
+      <p:ext uri="{BB962C8B-B14F-4D97-AF65-F5344CB8AC3E}">
+        <p14:creationId xmlns:p14="http://schemas.microsoft.com/office/powerpoint/2010/main" val="1605128916"/>
+      </p:ext>
+    </p:extLst>
+  </p:cSld>
+  <p:clrMapOvr>
+    <a:masterClrMapping/>
+  </p:clrMapOvr>
+  <p:timing>
+    <p:tnLst>
+      <p:par>
+        <p:cTn id="1" dur="indefinite" restart="never" nodeType="tmRoot"/>
+      </p:par>
+    </p:tnLst>
+  </p:timing>
+</p:sld>
+</file>
+
+<file path=ppt/slides/slide6.xml><?xml version="1.0" encoding="utf-8"?>
+<p:sld xmlns:a="http://schemas.openxmlformats.org/drawingml/2006/main" xmlns:r="http://schemas.openxmlformats.org/officeDocument/2006/relationships" xmlns:p="http://schemas.openxmlformats.org/presentationml/2006/main">
+  <p:cSld>
+    <p:bg>
+      <p:bgPr>
+        <a:blipFill dpi="0" rotWithShape="1">
+          <a:blip r:embed="rId2">
+            <a:lum/>
+          </a:blip>
+          <a:srcRect/>
+          <a:stretch>
+            <a:fillRect/>
+          </a:stretch>
+        </a:blipFill>
+        <a:effectLst/>
+      </p:bgPr>
+    </p:bg>
+    <p:spTree>
+      <p:nvGrpSpPr>
+        <p:cNvPr id="1" name=""/>
+        <p:cNvGrpSpPr/>
+        <p:nvPr/>
+      </p:nvGrpSpPr>
+      <p:grpSpPr>
+        <a:xfrm>
+          <a:off x="0" y="0"/>
+          <a:ext cx="0" cy="0"/>
+          <a:chOff x="0" y="0"/>
+          <a:chExt cx="0" cy="0"/>
+        </a:xfrm>
+      </p:grpSpPr>
+      <p:sp>
+        <p:nvSpPr>
+          <p:cNvPr id="4" name="Title 3"/>
+          <p:cNvSpPr>
+            <a:spLocks noGrp="1"/>
+          </p:cNvSpPr>
+          <p:nvPr>
+            <p:ph type="title"/>
+          </p:nvPr>
+        </p:nvSpPr>
+        <p:spPr/>
+        <p:txBody>
+          <a:bodyPr/>
+          <a:lstStyle/>
+          <a:p>
+            <a:pPr algn="l"/>
+            <a:r>
+              <a:rPr lang="en-US" dirty="0" smtClean="0"/>
+              <a:t>Mapping Ideas</a:t>
+            </a:r>
+            <a:endParaRPr lang="en-US" dirty="0"/>
+          </a:p>
+        </p:txBody>
+      </p:sp>
+      <p:sp>
+        <p:nvSpPr>
+          <p:cNvPr id="7" name="Title 3"/>
+          <p:cNvSpPr txBox="1">
+            <a:spLocks/>
+          </p:cNvSpPr>
+          <p:nvPr/>
+        </p:nvSpPr>
+        <p:spPr>
+          <a:xfrm>
+            <a:off x="1828800" y="5562600"/>
+            <a:ext cx="6871723" cy="763525"/>
+          </a:xfrm>
+          <a:prstGeom prst="rect">
+            <a:avLst/>
+          </a:prstGeom>
+        </p:spPr>
+        <p:txBody>
+          <a:bodyPr vert="horz" lIns="91440" tIns="45720" rIns="91440" bIns="45720" rtlCol="0" anchor="ctr">
+            <a:normAutofit fontScale="85000" lnSpcReduction="10000"/>
+          </a:bodyPr>
+          <a:lstStyle>
+            <a:lvl1pPr algn="l" defTabSz="914400" rtl="0" eaLnBrk="1" latinLnBrk="0" hangingPunct="1">
+              <a:spcBef>
+                <a:spcPct val="0"/>
+              </a:spcBef>
+              <a:buNone/>
+              <a:defRPr sz="3600" kern="1200">
+                <a:solidFill>
+                  <a:srgbClr val="D68B1C"/>
+                </a:solidFill>
+                <a:latin typeface="+mj-lt"/>
+                <a:ea typeface="+mj-ea"/>
+                <a:cs typeface="+mj-cs"/>
+              </a:defRPr>
+            </a:lvl1pPr>
+          </a:lstStyle>
+          <a:p>
+            <a:pPr fontAlgn="base"/>
+            <a:r>
+              <a:rPr lang="en-US" b="1" dirty="0"/>
+              <a:t>Two-Dimensional DNA Nanostructures</a:t>
+            </a:r>
+          </a:p>
+        </p:txBody>
+      </p:sp>
+      <p:pic>
+        <p:nvPicPr>
+          <p:cNvPr id="17410" name="Picture 2" descr="http://thumbnails-visually.netdna-ssl.com/periodic-table-of-alcohol_52125c3245a7d_w1500.png"/>
+          <p:cNvPicPr>
+            <a:picLocks noChangeAspect="1" noChangeArrowheads="1"/>
+          </p:cNvPicPr>
+          <p:nvPr/>
+        </p:nvPicPr>
+        <p:blipFill>
+          <a:blip r:embed="rId3">
+            <a:extLst>
+              <a:ext uri="{28A0092B-C50C-407E-A947-70E740481C1C}">
+                <a14:useLocalDpi xmlns:a14="http://schemas.microsoft.com/office/drawing/2010/main" val="0"/>
+              </a:ext>
+            </a:extLst>
+          </a:blip>
+          <a:srcRect/>
+          <a:stretch>
+            <a:fillRect/>
+          </a:stretch>
+        </p:blipFill>
+        <p:spPr bwMode="auto">
+          <a:xfrm>
+            <a:off x="2021006" y="1153235"/>
+            <a:ext cx="6324600" cy="4191001"/>
+          </a:xfrm>
+          <a:prstGeom prst="rect">
+            <a:avLst/>
+          </a:prstGeom>
+          <a:noFill/>
+          <a:extLst>
+            <a:ext uri="{909E8E84-426E-40DD-AFC4-6F175D3DCCD1}">
+              <a14:hiddenFill xmlns:a14="http://schemas.microsoft.com/office/drawing/2010/main">
+                <a:solidFill>
+                  <a:srgbClr val="FFFFFF"/>
+                </a:solidFill>
+              </a14:hiddenFill>
+            </a:ext>
+          </a:extLst>
+        </p:spPr>
+      </p:pic>
+    </p:spTree>
+    <p:extLst>
+      <p:ext uri="{BB962C8B-B14F-4D97-AF65-F5344CB8AC3E}">
+        <p14:creationId xmlns:p14="http://schemas.microsoft.com/office/powerpoint/2010/main" val="13749191"/>
+      </p:ext>
+    </p:extLst>
+  </p:cSld>
+  <p:clrMapOvr>
+    <a:masterClrMapping/>
+  </p:clrMapOvr>
+  <p:timing>
+    <p:tnLst>
+      <p:par>
+        <p:cTn id="1" dur="indefinite" restart="never" nodeType="tmRoot"/>
+      </p:par>
+    </p:tnLst>
+  </p:timing>
+</p:sld>
+</file>
+
+<file path=ppt/slides/slide7.xml><?xml version="1.0" encoding="utf-8"?>
+<p:sld xmlns:a="http://schemas.openxmlformats.org/drawingml/2006/main" xmlns:r="http://schemas.openxmlformats.org/officeDocument/2006/relationships" xmlns:p="http://schemas.openxmlformats.org/presentationml/2006/main">
+  <p:cSld>
+    <p:bg>
+      <p:bgPr>
+        <a:blipFill dpi="0" rotWithShape="1">
+          <a:blip r:embed="rId2">
+            <a:lum/>
+          </a:blip>
+          <a:srcRect/>
+          <a:stretch>
+            <a:fillRect/>
+          </a:stretch>
+        </a:blipFill>
+        <a:effectLst/>
+      </p:bgPr>
+    </p:bg>
+    <p:spTree>
+      <p:nvGrpSpPr>
+        <p:cNvPr id="1" name=""/>
+        <p:cNvGrpSpPr/>
+        <p:nvPr/>
+      </p:nvGrpSpPr>
+      <p:grpSpPr>
+        <a:xfrm>
+          <a:off x="0" y="0"/>
+          <a:ext cx="0" cy="0"/>
+          <a:chOff x="0" y="0"/>
+          <a:chExt cx="0" cy="0"/>
+        </a:xfrm>
+      </p:grpSpPr>
+      <p:sp>
+        <p:nvSpPr>
+          <p:cNvPr id="4" name="Title 3"/>
+          <p:cNvSpPr>
+            <a:spLocks noGrp="1"/>
+          </p:cNvSpPr>
+          <p:nvPr>
+            <p:ph type="title"/>
+          </p:nvPr>
+        </p:nvSpPr>
+        <p:spPr/>
+        <p:txBody>
+          <a:bodyPr/>
+          <a:lstStyle/>
+          <a:p>
+            <a:pPr algn="l"/>
+            <a:r>
+              <a:rPr lang="en-US" dirty="0" smtClean="0"/>
+              <a:t>Mapping Ideas</a:t>
+            </a:r>
+            <a:endParaRPr lang="en-US" dirty="0"/>
+          </a:p>
+        </p:txBody>
+      </p:sp>
+      <p:sp>
+        <p:nvSpPr>
+          <p:cNvPr id="7" name="Title 3"/>
+          <p:cNvSpPr txBox="1">
+            <a:spLocks/>
+          </p:cNvSpPr>
+          <p:nvPr/>
+        </p:nvSpPr>
+        <p:spPr>
+          <a:xfrm>
+            <a:off x="1828800" y="5562600"/>
+            <a:ext cx="6871723" cy="763525"/>
+          </a:xfrm>
+          <a:prstGeom prst="rect">
+            <a:avLst/>
+          </a:prstGeom>
+        </p:spPr>
+        <p:txBody>
+          <a:bodyPr vert="horz" lIns="91440" tIns="45720" rIns="91440" bIns="45720" rtlCol="0" anchor="ctr">
+            <a:normAutofit fontScale="85000" lnSpcReduction="10000"/>
+          </a:bodyPr>
+          <a:lstStyle>
+            <a:lvl1pPr algn="l" defTabSz="914400" rtl="0" eaLnBrk="1" latinLnBrk="0" hangingPunct="1">
+              <a:spcBef>
+                <a:spcPct val="0"/>
+              </a:spcBef>
+              <a:buNone/>
+              <a:defRPr sz="3600" kern="1200">
+                <a:solidFill>
+                  <a:srgbClr val="D68B1C"/>
+                </a:solidFill>
+                <a:latin typeface="+mj-lt"/>
+                <a:ea typeface="+mj-ea"/>
+                <a:cs typeface="+mj-cs"/>
+              </a:defRPr>
+            </a:lvl1pPr>
+          </a:lstStyle>
+          <a:p>
+            <a:pPr fontAlgn="base"/>
+            <a:r>
+              <a:rPr lang="en-US" b="1" dirty="0"/>
+              <a:t>Two-Dimensional DNA Nanostructures</a:t>
+            </a:r>
+          </a:p>
+        </p:txBody>
+      </p:sp>
+      <p:pic>
+        <p:nvPicPr>
+          <p:cNvPr id="19458" name="Picture 2" descr="http://media.dmnews.com/images/2015/04/15/periodictable_756987.jpg"/>
+          <p:cNvPicPr>
+            <a:picLocks noChangeAspect="1" noChangeArrowheads="1"/>
+          </p:cNvPicPr>
+          <p:nvPr/>
+        </p:nvPicPr>
+        <p:blipFill>
+          <a:blip r:embed="rId3">
+            <a:extLst>
+              <a:ext uri="{28A0092B-C50C-407E-A947-70E740481C1C}">
+                <a14:useLocalDpi xmlns:a14="http://schemas.microsoft.com/office/drawing/2010/main" val="0"/>
+              </a:ext>
+            </a:extLst>
+          </a:blip>
+          <a:srcRect/>
+          <a:stretch>
+            <a:fillRect/>
+          </a:stretch>
+        </p:blipFill>
+        <p:spPr bwMode="auto">
+          <a:xfrm>
+            <a:off x="1676399" y="1371600"/>
+            <a:ext cx="7024123" cy="4214475"/>
+          </a:xfrm>
+          <a:prstGeom prst="rect">
+            <a:avLst/>
+          </a:prstGeom>
+          <a:noFill/>
+          <a:extLst>
+            <a:ext uri="{909E8E84-426E-40DD-AFC4-6F175D3DCCD1}">
+              <a14:hiddenFill xmlns:a14="http://schemas.microsoft.com/office/drawing/2010/main">
+                <a:solidFill>
+                  <a:srgbClr val="FFFFFF"/>
+                </a:solidFill>
+              </a14:hiddenFill>
+            </a:ext>
+          </a:extLst>
+        </p:spPr>
+      </p:pic>
+    </p:spTree>
+    <p:extLst>
+      <p:ext uri="{BB962C8B-B14F-4D97-AF65-F5344CB8AC3E}">
+        <p14:creationId xmlns:p14="http://schemas.microsoft.com/office/powerpoint/2010/main" val="3518303014"/>
+      </p:ext>
+    </p:extLst>
+  </p:cSld>
+  <p:clrMapOvr>
+    <a:masterClrMapping/>
+  </p:clrMapOvr>
+  <p:timing>
+    <p:tnLst>
+      <p:par>
+        <p:cTn id="1" dur="indefinite" restart="never" nodeType="tmRoot"/>
+      </p:par>
+    </p:tnLst>
+  </p:timing>
+</p:sld>
+</file>
+
+<file path=ppt/slides/slide8.xml><?xml version="1.0" encoding="utf-8"?>
+<p:sld xmlns:a="http://schemas.openxmlformats.org/drawingml/2006/main" xmlns:r="http://schemas.openxmlformats.org/officeDocument/2006/relationships" xmlns:p="http://schemas.openxmlformats.org/presentationml/2006/main">
+  <p:cSld>
+    <p:bg>
+      <p:bgPr>
+        <a:blipFill dpi="0" rotWithShape="1">
+          <a:blip r:embed="rId2">
+            <a:lum/>
+          </a:blip>
+          <a:srcRect/>
+          <a:stretch>
+            <a:fillRect/>
+          </a:stretch>
+        </a:blipFill>
+        <a:effectLst/>
+      </p:bgPr>
+    </p:bg>
+    <p:spTree>
+      <p:nvGrpSpPr>
+        <p:cNvPr id="1" name=""/>
+        <p:cNvGrpSpPr/>
+        <p:nvPr/>
+      </p:nvGrpSpPr>
+      <p:grpSpPr>
+        <a:xfrm>
+          <a:off x="0" y="0"/>
+          <a:ext cx="0" cy="0"/>
+          <a:chOff x="0" y="0"/>
+          <a:chExt cx="0" cy="0"/>
+        </a:xfrm>
+      </p:grpSpPr>
+      <p:sp>
+        <p:nvSpPr>
+          <p:cNvPr id="4" name="Title 3"/>
+          <p:cNvSpPr>
+            <a:spLocks noGrp="1"/>
+          </p:cNvSpPr>
+          <p:nvPr>
+            <p:ph type="title"/>
+          </p:nvPr>
+        </p:nvSpPr>
+        <p:spPr/>
+        <p:txBody>
+          <a:bodyPr/>
+          <a:lstStyle/>
+          <a:p>
+            <a:pPr algn="l"/>
+            <a:r>
+              <a:rPr lang="en-US" dirty="0" smtClean="0"/>
+              <a:t>Mapping Ideas</a:t>
+            </a:r>
+            <a:endParaRPr lang="en-US" dirty="0"/>
+          </a:p>
+        </p:txBody>
+      </p:sp>
+      <p:pic>
+        <p:nvPicPr>
+          <p:cNvPr id="6146" name="Picture 2" descr="http://www.calinplesa.com/files/projects/HNAT.png"/>
+          <p:cNvPicPr>
+            <a:picLocks noGrp="1" noChangeAspect="1" noChangeArrowheads="1"/>
+          </p:cNvPicPr>
+          <p:nvPr>
+            <p:ph idx="1"/>
+          </p:nvPr>
+        </p:nvPicPr>
+        <p:blipFill>
+          <a:blip r:embed="rId3">
+            <a:extLst>
+              <a:ext uri="{28A0092B-C50C-407E-A947-70E740481C1C}">
+                <a14:useLocalDpi xmlns:a14="http://schemas.microsoft.com/office/drawing/2010/main" val="0"/>
+              </a:ext>
+            </a:extLst>
+          </a:blip>
+          <a:srcRect/>
+          <a:stretch>
+            <a:fillRect/>
+          </a:stretch>
+        </p:blipFill>
+        <p:spPr bwMode="auto">
+          <a:xfrm>
+            <a:off x="1981201" y="1219200"/>
+            <a:ext cx="5966086" cy="4275138"/>
+          </a:xfrm>
+          <a:prstGeom prst="rect">
+            <a:avLst/>
+          </a:prstGeom>
+          <a:noFill/>
+          <a:extLst>
+            <a:ext uri="{909E8E84-426E-40DD-AFC4-6F175D3DCCD1}">
+              <a14:hiddenFill xmlns:a14="http://schemas.microsoft.com/office/drawing/2010/main">
+                <a:solidFill>
+                  <a:srgbClr val="FFFFFF"/>
+                </a:solidFill>
+              </a14:hiddenFill>
+            </a:ext>
+          </a:extLst>
+        </p:spPr>
+      </p:pic>
+      <p:sp>
+        <p:nvSpPr>
+          <p:cNvPr id="7" name="Title 3"/>
+          <p:cNvSpPr txBox="1">
+            <a:spLocks/>
+          </p:cNvSpPr>
+          <p:nvPr/>
+        </p:nvSpPr>
+        <p:spPr>
+          <a:xfrm>
+            <a:off x="1828800" y="5562600"/>
+            <a:ext cx="6871723" cy="763525"/>
+          </a:xfrm>
+          <a:prstGeom prst="rect">
+            <a:avLst/>
+          </a:prstGeom>
+        </p:spPr>
+        <p:txBody>
+          <a:bodyPr vert="horz" lIns="91440" tIns="45720" rIns="91440" bIns="45720" rtlCol="0" anchor="ctr">
+            <a:normAutofit fontScale="85000" lnSpcReduction="10000"/>
+          </a:bodyPr>
+          <a:lstStyle>
+            <a:lvl1pPr algn="l" defTabSz="914400" rtl="0" eaLnBrk="1" latinLnBrk="0" hangingPunct="1">
+              <a:spcBef>
+                <a:spcPct val="0"/>
+              </a:spcBef>
+              <a:buNone/>
+              <a:defRPr sz="3600" kern="1200">
+                <a:solidFill>
+                  <a:srgbClr val="D68B1C"/>
+                </a:solidFill>
+                <a:latin typeface="+mj-lt"/>
+                <a:ea typeface="+mj-ea"/>
+                <a:cs typeface="+mj-cs"/>
+              </a:defRPr>
+            </a:lvl1pPr>
+          </a:lstStyle>
+          <a:p>
+            <a:pPr fontAlgn="base"/>
+            <a:r>
+              <a:rPr lang="en-US" b="1" dirty="0"/>
+              <a:t>Two-Dimensional DNA Nanostructures</a:t>
+            </a:r>
+          </a:p>
+        </p:txBody>
+      </p:sp>
+    </p:spTree>
+    <p:extLst>
+      <p:ext uri="{BB962C8B-B14F-4D97-AF65-F5344CB8AC3E}">
+        <p14:creationId xmlns:p14="http://schemas.microsoft.com/office/powerpoint/2010/main" val="2548210576"/>
+      </p:ext>
+    </p:extLst>
+  </p:cSld>
+  <p:clrMapOvr>
+    <a:masterClrMapping/>
+  </p:clrMapOvr>
+  <p:timing>
+    <p:tnLst>
+      <p:par>
+        <p:cTn id="1" dur="indefinite" restart="never" nodeType="tmRoot"/>
+      </p:par>
+    </p:tnLst>
+  </p:timing>
+</p:sld>
+</file>
+
+<file path=ppt/slides/slide9.xml><?xml version="1.0" encoding="utf-8"?>
+<p:sld xmlns:a="http://schemas.openxmlformats.org/drawingml/2006/main" xmlns:r="http://schemas.openxmlformats.org/officeDocument/2006/relationships" xmlns:p="http://schemas.openxmlformats.org/presentationml/2006/main">
+  <p:cSld>
+    <p:bg>
+      <p:bgPr>
+        <a:blipFill dpi="0" rotWithShape="1">
+          <a:blip r:embed="rId2">
+            <a:lum/>
+          </a:blip>
+          <a:srcRect/>
+          <a:stretch>
+            <a:fillRect/>
+          </a:stretch>
+        </a:blipFill>
+        <a:effectLst/>
+      </p:bgPr>
+    </p:bg>
+    <p:spTree>
+      <p:nvGrpSpPr>
+        <p:cNvPr id="1" name=""/>
+        <p:cNvGrpSpPr/>
+        <p:nvPr/>
+      </p:nvGrpSpPr>
+      <p:grpSpPr>
+        <a:xfrm>
+          <a:off x="0" y="0"/>
+          <a:ext cx="0" cy="0"/>
+          <a:chOff x="0" y="0"/>
+          <a:chExt cx="0" cy="0"/>
+        </a:xfrm>
+      </p:grpSpPr>
+      <p:sp>
+        <p:nvSpPr>
+          <p:cNvPr id="4" name="Title 3"/>
+          <p:cNvSpPr>
+            <a:spLocks noGrp="1"/>
+          </p:cNvSpPr>
+          <p:nvPr>
+            <p:ph type="title"/>
+          </p:nvPr>
+        </p:nvSpPr>
+        <p:spPr/>
+        <p:txBody>
+          <a:bodyPr/>
+          <a:lstStyle/>
+          <a:p>
+            <a:pPr algn="l"/>
+            <a:r>
+              <a:rPr lang="en-US" dirty="0" smtClean="0"/>
+              <a:t>Mapping Metals</a:t>
+            </a:r>
+            <a:endParaRPr lang="en-US" dirty="0"/>
+          </a:p>
+        </p:txBody>
+      </p:sp>
+      <p:sp>
+        <p:nvSpPr>
+          <p:cNvPr id="7" name="Title 3"/>
+          <p:cNvSpPr txBox="1">
+            <a:spLocks/>
+          </p:cNvSpPr>
+          <p:nvPr/>
+        </p:nvSpPr>
+        <p:spPr>
+          <a:xfrm>
+            <a:off x="1828800" y="5562600"/>
+            <a:ext cx="6871723" cy="763525"/>
+          </a:xfrm>
+          <a:prstGeom prst="rect">
+            <a:avLst/>
+          </a:prstGeom>
+        </p:spPr>
+        <p:txBody>
+          <a:bodyPr vert="horz" lIns="91440" tIns="45720" rIns="91440" bIns="45720" rtlCol="0" anchor="ctr">
+            <a:normAutofit fontScale="85000" lnSpcReduction="10000"/>
+          </a:bodyPr>
+          <a:lstStyle>
+            <a:lvl1pPr algn="l" defTabSz="914400" rtl="0" eaLnBrk="1" latinLnBrk="0" hangingPunct="1">
+              <a:spcBef>
+                <a:spcPct val="0"/>
+              </a:spcBef>
+              <a:buNone/>
+              <a:defRPr sz="3600" kern="1200">
+                <a:solidFill>
+                  <a:srgbClr val="D68B1C"/>
+                </a:solidFill>
+                <a:latin typeface="+mj-lt"/>
+                <a:ea typeface="+mj-ea"/>
+                <a:cs typeface="+mj-cs"/>
+              </a:defRPr>
+            </a:lvl1pPr>
+          </a:lstStyle>
+          <a:p>
+            <a:pPr fontAlgn="base"/>
+            <a:r>
+              <a:rPr lang="en-US" b="1" dirty="0"/>
+              <a:t>Two-Dimensional DNA Nanostructures</a:t>
+            </a:r>
+          </a:p>
+        </p:txBody>
+      </p:sp>
+      <p:pic>
+        <p:nvPicPr>
+          <p:cNvPr id="18434" name="Picture 2" descr="http://www.science.uwaterloo.ca/~cchieh/cact/fig/periodstructure.gif"/>
+          <p:cNvPicPr>
+            <a:picLocks noChangeAspect="1" noChangeArrowheads="1"/>
+          </p:cNvPicPr>
+          <p:nvPr/>
+        </p:nvPicPr>
+        <p:blipFill>
+          <a:blip r:embed="rId3">
+            <a:extLst>
+              <a:ext uri="{28A0092B-C50C-407E-A947-70E740481C1C}">
+                <a14:useLocalDpi xmlns:a14="http://schemas.microsoft.com/office/drawing/2010/main" val="0"/>
+              </a:ext>
+            </a:extLst>
+          </a:blip>
+          <a:srcRect/>
+          <a:stretch>
+            <a:fillRect/>
+          </a:stretch>
+        </p:blipFill>
+        <p:spPr bwMode="auto">
+          <a:xfrm>
+            <a:off x="1857233" y="1415955"/>
+            <a:ext cx="6677167" cy="4146645"/>
+          </a:xfrm>
+          <a:prstGeom prst="rect">
+            <a:avLst/>
+          </a:prstGeom>
+          <a:noFill/>
+          <a:extLst>
+            <a:ext uri="{909E8E84-426E-40DD-AFC4-6F175D3DCCD1}">
+              <a14:hiddenFill xmlns:a14="http://schemas.microsoft.com/office/drawing/2010/main">
+                <a:solidFill>
+                  <a:srgbClr val="FFFFFF"/>
+                </a:solidFill>
+              </a14:hiddenFill>
+            </a:ext>
+          </a:extLst>
+        </p:spPr>
+      </p:pic>
+    </p:spTree>
+    <p:extLst>
+      <p:ext uri="{BB962C8B-B14F-4D97-AF65-F5344CB8AC3E}">
+        <p14:creationId xmlns:p14="http://schemas.microsoft.com/office/powerpoint/2010/main" val="3260156236"/>
+      </p:ext>
+    </p:extLst>
+  </p:cSld>
+  <p:clrMapOvr>
+    <a:masterClrMapping/>
+  </p:clrMapOvr>
+  <p:timing>
+    <p:tnLst>
+      <p:par>
+        <p:cTn id="1" dur="indefinite" restart="never" nodeType="tmRoot"/>
+      </p:par>
+    </p:tnLst>
+  </p:timing>
 </p:sld>
 </file>
 

--- a/slide/ppt/Mapping-Out.pptx
+++ b/slide/ppt/Mapping-Out.pptx
@@ -334,7 +334,7 @@
             <a:fld id="{53074F12-AA26-4AC8-9962-C36BB8F32554}" type="datetimeFigureOut">
               <a:rPr lang="en-US" smtClean="0"/>
               <a:pPr/>
-              <a:t>7/5/2016</a:t>
+              <a:t>7/6/2016</a:t>
             </a:fld>
             <a:endParaRPr lang="en-US"/>
           </a:p>
@@ -589,7 +589,7 @@
             <a:fld id="{53074F12-AA26-4AC8-9962-C36BB8F32554}" type="datetimeFigureOut">
               <a:rPr lang="en-US" smtClean="0"/>
               <a:pPr/>
-              <a:t>7/5/2016</a:t>
+              <a:t>7/6/2016</a:t>
             </a:fld>
             <a:endParaRPr lang="en-US"/>
           </a:p>
@@ -761,7 +761,7 @@
             <a:fld id="{53074F12-AA26-4AC8-9962-C36BB8F32554}" type="datetimeFigureOut">
               <a:rPr lang="en-US" smtClean="0"/>
               <a:pPr/>
-              <a:t>7/5/2016</a:t>
+              <a:t>7/6/2016</a:t>
             </a:fld>
             <a:endParaRPr lang="en-US"/>
           </a:p>
@@ -943,7 +943,7 @@
             <a:fld id="{53074F12-AA26-4AC8-9962-C36BB8F32554}" type="datetimeFigureOut">
               <a:rPr lang="en-US" smtClean="0"/>
               <a:pPr/>
-              <a:t>7/5/2016</a:t>
+              <a:t>7/6/2016</a:t>
             </a:fld>
             <a:endParaRPr lang="en-US"/>
           </a:p>
@@ -1171,7 +1171,7 @@
             <a:fld id="{53074F12-AA26-4AC8-9962-C36BB8F32554}" type="datetimeFigureOut">
               <a:rPr lang="en-US" smtClean="0"/>
               <a:pPr/>
-              <a:t>7/5/2016</a:t>
+              <a:t>7/6/2016</a:t>
             </a:fld>
             <a:endParaRPr lang="en-US"/>
           </a:p>
@@ -1399,7 +1399,7 @@
             <a:fld id="{53074F12-AA26-4AC8-9962-C36BB8F32554}" type="datetimeFigureOut">
               <a:rPr lang="en-US" smtClean="0"/>
               <a:pPr/>
-              <a:t>7/5/2016</a:t>
+              <a:t>7/6/2016</a:t>
             </a:fld>
             <a:endParaRPr lang="en-US"/>
           </a:p>
@@ -1647,7 +1647,7 @@
             <a:fld id="{53074F12-AA26-4AC8-9962-C36BB8F32554}" type="datetimeFigureOut">
               <a:rPr lang="en-US" smtClean="0"/>
               <a:pPr/>
-              <a:t>7/5/2016</a:t>
+              <a:t>7/6/2016</a:t>
             </a:fld>
             <a:endParaRPr lang="en-US"/>
           </a:p>
@@ -1942,7 +1942,7 @@
             <a:fld id="{53074F12-AA26-4AC8-9962-C36BB8F32554}" type="datetimeFigureOut">
               <a:rPr lang="en-US" smtClean="0"/>
               <a:pPr/>
-              <a:t>7/5/2016</a:t>
+              <a:t>7/6/2016</a:t>
             </a:fld>
             <a:endParaRPr lang="en-US"/>
           </a:p>
@@ -2425,7 +2425,7 @@
             <a:fld id="{53074F12-AA26-4AC8-9962-C36BB8F32554}" type="datetimeFigureOut">
               <a:rPr lang="en-US" smtClean="0"/>
               <a:pPr/>
-              <a:t>7/5/2016</a:t>
+              <a:t>7/6/2016</a:t>
             </a:fld>
             <a:endParaRPr lang="en-US"/>
           </a:p>
@@ -2545,7 +2545,7 @@
             <a:fld id="{53074F12-AA26-4AC8-9962-C36BB8F32554}" type="datetimeFigureOut">
               <a:rPr lang="en-US" smtClean="0"/>
               <a:pPr/>
-              <a:t>7/5/2016</a:t>
+              <a:t>7/6/2016</a:t>
             </a:fld>
             <a:endParaRPr lang="en-US"/>
           </a:p>
@@ -2642,7 +2642,7 @@
             <a:fld id="{53074F12-AA26-4AC8-9962-C36BB8F32554}" type="datetimeFigureOut">
               <a:rPr lang="en-US" smtClean="0"/>
               <a:pPr/>
-              <a:t>7/5/2016</a:t>
+              <a:t>7/6/2016</a:t>
             </a:fld>
             <a:endParaRPr lang="en-US"/>
           </a:p>
@@ -2921,7 +2921,7 @@
             <a:fld id="{53074F12-AA26-4AC8-9962-C36BB8F32554}" type="datetimeFigureOut">
               <a:rPr lang="en-US" smtClean="0"/>
               <a:pPr/>
-              <a:t>7/5/2016</a:t>
+              <a:t>7/6/2016</a:t>
             </a:fld>
             <a:endParaRPr lang="en-US"/>
           </a:p>
@@ -3145,7 +3145,7 @@
             <a:fld id="{53074F12-AA26-4AC8-9962-C36BB8F32554}" type="datetimeFigureOut">
               <a:rPr lang="en-US" smtClean="0"/>
               <a:pPr/>
-              <a:t>7/5/2016</a:t>
+              <a:t>7/6/2016</a:t>
             </a:fld>
             <a:endParaRPr lang="en-US"/>
           </a:p>
@@ -3557,10 +3557,6 @@
               <a:rPr lang="en-US" dirty="0" smtClean="0"/>
               <a:t>Mapping Out</a:t>
             </a:r>
-            <a:r>
-              <a:rPr lang="en-US" dirty="0" smtClean="0"/>
-              <a:t/>
-            </a:r>
             <a:br>
               <a:rPr lang="en-US" dirty="0" smtClean="0"/>
             </a:br>
@@ -7675,7 +7671,6 @@
               <a:rPr lang="en-US" sz="1800" dirty="0" smtClean="0"/>
               <a:t>Adopt the Nature</a:t>
             </a:r>
-            <a:endParaRPr lang="en-US" sz="1800" dirty="0" smtClean="0"/>
           </a:p>
         </p:txBody>
       </p:sp>
@@ -8026,7 +8021,6 @@
               <a:rPr lang="en-US" sz="1800" dirty="0" smtClean="0"/>
               <a:t>5 (five) frames</a:t>
             </a:r>
-            <a:endParaRPr lang="en-US" sz="1800" dirty="0" smtClean="0"/>
           </a:p>
         </p:txBody>
       </p:sp>
@@ -9235,14 +9229,16 @@
       </p:sp>
       <p:pic>
         <p:nvPicPr>
-          <p:cNvPr id="19458" name="Picture 2" descr="http://media.dmnews.com/images/2015/04/15/periodictable_756987.jpg"/>
+          <p:cNvPr id="19458" name="Picture 2" descr="http://media.dmnews.com/images/2015/04/15/periodictable_756987.jpg">
+            <a:hlinkClick r:id="rId3"/>
+          </p:cNvPr>
           <p:cNvPicPr>
             <a:picLocks noChangeAspect="1" noChangeArrowheads="1"/>
           </p:cNvPicPr>
           <p:nvPr/>
         </p:nvPicPr>
         <p:blipFill>
-          <a:blip r:embed="rId3">
+          <a:blip r:embed="rId4">
             <a:extLst>
               <a:ext uri="{28A0092B-C50C-407E-A947-70E740481C1C}">
                 <a14:useLocalDpi xmlns:a14="http://schemas.microsoft.com/office/drawing/2010/main" val="0"/>
